--- a/로스트아크 - 비브린 큐브 기획서/창고/비브린 큐브_기획서_창고05.pptx
+++ b/로스트아크 - 비브린 큐브 기획서/창고/비브린 큐브_기획서_창고05.pptx
@@ -5,7 +5,7 @@
     <p:sldMasterId id="2147483648" r:id="rId1"/>
   </p:sldMasterIdLst>
   <p:notesMasterIdLst>
-    <p:notesMasterId r:id="rId7"/>
+    <p:notesMasterId r:id="rId10"/>
   </p:notesMasterIdLst>
   <p:sldIdLst>
     <p:sldId id="500" r:id="rId2"/>
@@ -13,6 +13,9 @@
     <p:sldId id="502" r:id="rId4"/>
     <p:sldId id="504" r:id="rId5"/>
     <p:sldId id="279" r:id="rId6"/>
+    <p:sldId id="506" r:id="rId7"/>
+    <p:sldId id="508" r:id="rId8"/>
+    <p:sldId id="509" r:id="rId9"/>
   </p:sldIdLst>
   <p:sldSz cx="12192000" cy="6858000"/>
   <p:notesSz cx="6858000" cy="9144000"/>
@@ -201,7 +204,7 @@
           <a:p>
             <a:fld id="{C17F5E01-5FD7-46B4-B72F-1B3CD89A2B37}" type="datetimeFigureOut">
               <a:rPr lang="ko-KR" altLang="en-US" smtClean="0"/>
-              <a:t>2024-12-12</a:t>
+              <a:t>2024-12-13</a:t>
             </a:fld>
             <a:endParaRPr lang="ko-KR" altLang="en-US"/>
           </a:p>
@@ -615,7 +618,7 @@
           <a:p>
             <a:fld id="{4DBE2A34-CEDE-40CD-B7B3-9608A3D82CA8}" type="datetimeFigureOut">
               <a:rPr lang="ko-KR" altLang="en-US" smtClean="0"/>
-              <a:t>2024-12-12</a:t>
+              <a:t>2024-12-13</a:t>
             </a:fld>
             <a:endParaRPr lang="ko-KR" altLang="en-US"/>
           </a:p>
@@ -813,7 +816,7 @@
           <a:p>
             <a:fld id="{4DBE2A34-CEDE-40CD-B7B3-9608A3D82CA8}" type="datetimeFigureOut">
               <a:rPr lang="ko-KR" altLang="en-US" smtClean="0"/>
-              <a:t>2024-12-12</a:t>
+              <a:t>2024-12-13</a:t>
             </a:fld>
             <a:endParaRPr lang="ko-KR" altLang="en-US"/>
           </a:p>
@@ -1021,7 +1024,7 @@
           <a:p>
             <a:fld id="{4DBE2A34-CEDE-40CD-B7B3-9608A3D82CA8}" type="datetimeFigureOut">
               <a:rPr lang="ko-KR" altLang="en-US" smtClean="0"/>
-              <a:t>2024-12-12</a:t>
+              <a:t>2024-12-13</a:t>
             </a:fld>
             <a:endParaRPr lang="ko-KR" altLang="en-US"/>
           </a:p>
@@ -1219,7 +1222,7 @@
           <a:p>
             <a:fld id="{4DBE2A34-CEDE-40CD-B7B3-9608A3D82CA8}" type="datetimeFigureOut">
               <a:rPr lang="ko-KR" altLang="en-US" smtClean="0"/>
-              <a:t>2024-12-12</a:t>
+              <a:t>2024-12-13</a:t>
             </a:fld>
             <a:endParaRPr lang="ko-KR" altLang="en-US"/>
           </a:p>
@@ -1494,7 +1497,7 @@
           <a:p>
             <a:fld id="{4DBE2A34-CEDE-40CD-B7B3-9608A3D82CA8}" type="datetimeFigureOut">
               <a:rPr lang="ko-KR" altLang="en-US" smtClean="0"/>
-              <a:t>2024-12-12</a:t>
+              <a:t>2024-12-13</a:t>
             </a:fld>
             <a:endParaRPr lang="ko-KR" altLang="en-US"/>
           </a:p>
@@ -1759,7 +1762,7 @@
           <a:p>
             <a:fld id="{4DBE2A34-CEDE-40CD-B7B3-9608A3D82CA8}" type="datetimeFigureOut">
               <a:rPr lang="ko-KR" altLang="en-US" smtClean="0"/>
-              <a:t>2024-12-12</a:t>
+              <a:t>2024-12-13</a:t>
             </a:fld>
             <a:endParaRPr lang="ko-KR" altLang="en-US"/>
           </a:p>
@@ -2171,7 +2174,7 @@
           <a:p>
             <a:fld id="{4DBE2A34-CEDE-40CD-B7B3-9608A3D82CA8}" type="datetimeFigureOut">
               <a:rPr lang="ko-KR" altLang="en-US" smtClean="0"/>
-              <a:t>2024-12-12</a:t>
+              <a:t>2024-12-13</a:t>
             </a:fld>
             <a:endParaRPr lang="ko-KR" altLang="en-US"/>
           </a:p>
@@ -2312,7 +2315,7 @@
           <a:p>
             <a:fld id="{4DBE2A34-CEDE-40CD-B7B3-9608A3D82CA8}" type="datetimeFigureOut">
               <a:rPr lang="ko-KR" altLang="en-US" smtClean="0"/>
-              <a:t>2024-12-12</a:t>
+              <a:t>2024-12-13</a:t>
             </a:fld>
             <a:endParaRPr lang="ko-KR" altLang="en-US"/>
           </a:p>
@@ -2425,7 +2428,7 @@
           <a:p>
             <a:fld id="{4DBE2A34-CEDE-40CD-B7B3-9608A3D82CA8}" type="datetimeFigureOut">
               <a:rPr lang="ko-KR" altLang="en-US" smtClean="0"/>
-              <a:t>2024-12-12</a:t>
+              <a:t>2024-12-13</a:t>
             </a:fld>
             <a:endParaRPr lang="ko-KR" altLang="en-US"/>
           </a:p>
@@ -2736,7 +2739,7 @@
           <a:p>
             <a:fld id="{4DBE2A34-CEDE-40CD-B7B3-9608A3D82CA8}" type="datetimeFigureOut">
               <a:rPr lang="ko-KR" altLang="en-US" smtClean="0"/>
-              <a:t>2024-12-12</a:t>
+              <a:t>2024-12-13</a:t>
             </a:fld>
             <a:endParaRPr lang="ko-KR" altLang="en-US"/>
           </a:p>
@@ -3024,7 +3027,7 @@
           <a:p>
             <a:fld id="{4DBE2A34-CEDE-40CD-B7B3-9608A3D82CA8}" type="datetimeFigureOut">
               <a:rPr lang="ko-KR" altLang="en-US" smtClean="0"/>
-              <a:t>2024-12-12</a:t>
+              <a:t>2024-12-13</a:t>
             </a:fld>
             <a:endParaRPr lang="ko-KR" altLang="en-US"/>
           </a:p>
@@ -3271,7 +3274,7 @@
           <a:p>
             <a:fld id="{4DBE2A34-CEDE-40CD-B7B3-9608A3D82CA8}" type="datetimeFigureOut">
               <a:rPr lang="ko-KR" altLang="en-US" smtClean="0"/>
-              <a:t>2024-12-12</a:t>
+              <a:t>2024-12-13</a:t>
             </a:fld>
             <a:endParaRPr lang="ko-KR" altLang="en-US"/>
           </a:p>
@@ -11477,6 +11480,6895 @@
     <p:extLst>
       <p:ext uri="{BB962C8B-B14F-4D97-AF65-F5344CB8AC3E}">
         <p14:creationId xmlns:p14="http://schemas.microsoft.com/office/powerpoint/2010/main" val="1090983522"/>
+      </p:ext>
+    </p:extLst>
+  </p:cSld>
+  <p:clrMapOvr>
+    <a:masterClrMapping/>
+  </p:clrMapOvr>
+</p:sld>
+</file>
+
+<file path=ppt/slides/slide6.xml><?xml version="1.0" encoding="utf-8"?>
+<p:sld xmlns:a="http://schemas.openxmlformats.org/drawingml/2006/main" xmlns:r="http://schemas.openxmlformats.org/officeDocument/2006/relationships" xmlns:p="http://schemas.openxmlformats.org/presentationml/2006/main">
+  <p:cSld>
+    <p:spTree>
+      <p:nvGrpSpPr>
+        <p:cNvPr id="1" name=""/>
+        <p:cNvGrpSpPr/>
+        <p:nvPr/>
+      </p:nvGrpSpPr>
+      <p:grpSpPr>
+        <a:xfrm>
+          <a:off x="0" y="0"/>
+          <a:ext cx="0" cy="0"/>
+          <a:chOff x="0" y="0"/>
+          <a:chExt cx="0" cy="0"/>
+        </a:xfrm>
+      </p:grpSpPr>
+      <p:sp>
+        <p:nvSpPr>
+          <p:cNvPr id="10" name="사각형: 둥근 모서리 9">
+            <a:extLst>
+              <a:ext uri="{FF2B5EF4-FFF2-40B4-BE49-F238E27FC236}">
+                <a16:creationId xmlns:a16="http://schemas.microsoft.com/office/drawing/2014/main" id="{56E8F6E8-5A8C-905D-3E6F-44DDE72D1ECC}"/>
+              </a:ext>
+            </a:extLst>
+          </p:cNvPr>
+          <p:cNvSpPr/>
+          <p:nvPr/>
+        </p:nvSpPr>
+        <p:spPr>
+          <a:xfrm>
+            <a:off x="2027550" y="2254803"/>
+            <a:ext cx="1253111" cy="400105"/>
+          </a:xfrm>
+          <a:prstGeom prst="roundRect">
+            <a:avLst>
+              <a:gd name="adj" fmla="val 5304"/>
+            </a:avLst>
+          </a:prstGeom>
+          <a:solidFill>
+            <a:srgbClr val="CDC7B6"/>
+          </a:solidFill>
+          <a:ln>
+            <a:solidFill>
+              <a:srgbClr val="FAEBD3"/>
+            </a:solidFill>
+          </a:ln>
+        </p:spPr>
+        <p:style>
+          <a:lnRef idx="2">
+            <a:schemeClr val="accent1">
+              <a:shade val="50000"/>
+            </a:schemeClr>
+          </a:lnRef>
+          <a:fillRef idx="1">
+            <a:schemeClr val="accent1"/>
+          </a:fillRef>
+          <a:effectRef idx="0">
+            <a:schemeClr val="accent1"/>
+          </a:effectRef>
+          <a:fontRef idx="minor">
+            <a:schemeClr val="lt1"/>
+          </a:fontRef>
+        </p:style>
+        <p:txBody>
+          <a:bodyPr rtlCol="0" anchor="ctr"/>
+          <a:lstStyle/>
+          <a:p>
+            <a:pPr algn="ctr"/>
+            <a:r>
+              <a:rPr lang="ko-KR" altLang="en-US" sz="800" b="1" dirty="0">
+                <a:solidFill>
+                  <a:schemeClr val="tx1">
+                    <a:lumMod val="85000"/>
+                    <a:lumOff val="15000"/>
+                  </a:schemeClr>
+                </a:solidFill>
+                <a:latin typeface="리디바탕" panose="020B0600000101010101" pitchFamily="34" charset="-127"/>
+                <a:ea typeface="리디바탕" panose="020B0600000101010101" pitchFamily="34" charset="-127"/>
+              </a:rPr>
+              <a:t>매칭 그룹 </a:t>
+            </a:r>
+            <a:r>
+              <a:rPr lang="en-US" altLang="ko-KR" sz="800" b="1" dirty="0">
+                <a:solidFill>
+                  <a:schemeClr val="tx1">
+                    <a:lumMod val="85000"/>
+                    <a:lumOff val="15000"/>
+                  </a:schemeClr>
+                </a:solidFill>
+                <a:latin typeface="리디바탕" panose="020B0600000101010101" pitchFamily="34" charset="-127"/>
+                <a:ea typeface="리디바탕" panose="020B0600000101010101" pitchFamily="34" charset="-127"/>
+              </a:rPr>
+              <a:t>8</a:t>
+            </a:r>
+            <a:r>
+              <a:rPr lang="ko-KR" altLang="en-US" sz="800" b="1" dirty="0">
+                <a:solidFill>
+                  <a:schemeClr val="tx1">
+                    <a:lumMod val="85000"/>
+                    <a:lumOff val="15000"/>
+                  </a:schemeClr>
+                </a:solidFill>
+                <a:latin typeface="리디바탕" panose="020B0600000101010101" pitchFamily="34" charset="-127"/>
+                <a:ea typeface="리디바탕" panose="020B0600000101010101" pitchFamily="34" charset="-127"/>
+              </a:rPr>
+              <a:t>명</a:t>
+            </a:r>
+          </a:p>
+        </p:txBody>
+      </p:sp>
+      <p:sp>
+        <p:nvSpPr>
+          <p:cNvPr id="15" name="사각형: 둥근 모서리 14">
+            <a:extLst>
+              <a:ext uri="{FF2B5EF4-FFF2-40B4-BE49-F238E27FC236}">
+                <a16:creationId xmlns:a16="http://schemas.microsoft.com/office/drawing/2014/main" id="{4591E365-27C3-3C58-0D73-AC63E835DB4B}"/>
+              </a:ext>
+            </a:extLst>
+          </p:cNvPr>
+          <p:cNvSpPr/>
+          <p:nvPr/>
+        </p:nvSpPr>
+        <p:spPr>
+          <a:xfrm>
+            <a:off x="2027550" y="2790210"/>
+            <a:ext cx="1253111" cy="400105"/>
+          </a:xfrm>
+          <a:prstGeom prst="roundRect">
+            <a:avLst>
+              <a:gd name="adj" fmla="val 5304"/>
+            </a:avLst>
+          </a:prstGeom>
+          <a:noFill/>
+          <a:ln>
+            <a:solidFill>
+              <a:srgbClr val="FAEBD3"/>
+            </a:solidFill>
+          </a:ln>
+        </p:spPr>
+        <p:style>
+          <a:lnRef idx="2">
+            <a:schemeClr val="accent1">
+              <a:shade val="50000"/>
+            </a:schemeClr>
+          </a:lnRef>
+          <a:fillRef idx="1">
+            <a:schemeClr val="accent1"/>
+          </a:fillRef>
+          <a:effectRef idx="0">
+            <a:schemeClr val="accent1"/>
+          </a:effectRef>
+          <a:fontRef idx="minor">
+            <a:schemeClr val="lt1"/>
+          </a:fontRef>
+        </p:style>
+        <p:txBody>
+          <a:bodyPr rtlCol="0" anchor="ctr"/>
+          <a:lstStyle/>
+          <a:p>
+            <a:pPr algn="ctr"/>
+            <a:r>
+              <a:rPr lang="ko-KR" altLang="en-US" sz="800" dirty="0">
+                <a:solidFill>
+                  <a:srgbClr val="FAEBD3"/>
+                </a:solidFill>
+                <a:latin typeface="리디바탕" panose="020B0600000101010101" pitchFamily="34" charset="-127"/>
+                <a:ea typeface="리디바탕" panose="020B0600000101010101" pitchFamily="34" charset="-127"/>
+              </a:rPr>
+              <a:t>입장 수락</a:t>
+            </a:r>
+          </a:p>
+        </p:txBody>
+      </p:sp>
+      <p:sp>
+        <p:nvSpPr>
+          <p:cNvPr id="16" name="다이아몬드 15">
+            <a:extLst>
+              <a:ext uri="{FF2B5EF4-FFF2-40B4-BE49-F238E27FC236}">
+                <a16:creationId xmlns:a16="http://schemas.microsoft.com/office/drawing/2014/main" id="{A79FD6C8-17AA-C4CA-15D7-1F4F64D1DB1C}"/>
+              </a:ext>
+            </a:extLst>
+          </p:cNvPr>
+          <p:cNvSpPr/>
+          <p:nvPr/>
+        </p:nvSpPr>
+        <p:spPr>
+          <a:xfrm>
+            <a:off x="2103593" y="3317827"/>
+            <a:ext cx="1101028" cy="710039"/>
+          </a:xfrm>
+          <a:prstGeom prst="diamond">
+            <a:avLst/>
+          </a:prstGeom>
+          <a:noFill/>
+          <a:ln>
+            <a:solidFill>
+              <a:srgbClr val="FAEBD3"/>
+            </a:solidFill>
+          </a:ln>
+        </p:spPr>
+        <p:style>
+          <a:lnRef idx="2">
+            <a:schemeClr val="accent1">
+              <a:shade val="50000"/>
+            </a:schemeClr>
+          </a:lnRef>
+          <a:fillRef idx="1">
+            <a:schemeClr val="accent1"/>
+          </a:fillRef>
+          <a:effectRef idx="0">
+            <a:schemeClr val="accent1"/>
+          </a:effectRef>
+          <a:fontRef idx="minor">
+            <a:schemeClr val="lt1"/>
+          </a:fontRef>
+        </p:style>
+        <p:txBody>
+          <a:bodyPr rtlCol="0" anchor="ctr"/>
+          <a:lstStyle/>
+          <a:p>
+            <a:pPr algn="ctr"/>
+            <a:endParaRPr lang="ko-KR" altLang="en-US" sz="1000" dirty="0">
+              <a:solidFill>
+                <a:srgbClr val="FAEBD3"/>
+              </a:solidFill>
+              <a:latin typeface="리디바탕" panose="020B0600000101010101" pitchFamily="34" charset="-127"/>
+              <a:ea typeface="리디바탕" panose="020B0600000101010101" pitchFamily="34" charset="-127"/>
+            </a:endParaRPr>
+          </a:p>
+        </p:txBody>
+      </p:sp>
+      <p:sp>
+        <p:nvSpPr>
+          <p:cNvPr id="17" name="사각형: 둥근 모서리 16">
+            <a:extLst>
+              <a:ext uri="{FF2B5EF4-FFF2-40B4-BE49-F238E27FC236}">
+                <a16:creationId xmlns:a16="http://schemas.microsoft.com/office/drawing/2014/main" id="{427D9DBB-5AD4-62B9-A354-A62F463A1325}"/>
+              </a:ext>
+            </a:extLst>
+          </p:cNvPr>
+          <p:cNvSpPr/>
+          <p:nvPr/>
+        </p:nvSpPr>
+        <p:spPr>
+          <a:xfrm>
+            <a:off x="2014945" y="3480525"/>
+            <a:ext cx="1278323" cy="400105"/>
+          </a:xfrm>
+          <a:prstGeom prst="roundRect">
+            <a:avLst>
+              <a:gd name="adj" fmla="val 5304"/>
+            </a:avLst>
+          </a:prstGeom>
+          <a:noFill/>
+          <a:ln>
+            <a:noFill/>
+          </a:ln>
+        </p:spPr>
+        <p:style>
+          <a:lnRef idx="2">
+            <a:schemeClr val="accent1">
+              <a:shade val="50000"/>
+            </a:schemeClr>
+          </a:lnRef>
+          <a:fillRef idx="1">
+            <a:schemeClr val="accent1"/>
+          </a:fillRef>
+          <a:effectRef idx="0">
+            <a:schemeClr val="accent1"/>
+          </a:effectRef>
+          <a:fontRef idx="minor">
+            <a:schemeClr val="lt1"/>
+          </a:fontRef>
+        </p:style>
+        <p:txBody>
+          <a:bodyPr rtlCol="0" anchor="ctr"/>
+          <a:lstStyle/>
+          <a:p>
+            <a:pPr algn="ctr"/>
+            <a:r>
+              <a:rPr lang="ko-KR" altLang="en-US" sz="800" dirty="0">
+                <a:solidFill>
+                  <a:srgbClr val="FAEBD3"/>
+                </a:solidFill>
+                <a:latin typeface="리디바탕" panose="020B0600000101010101" pitchFamily="34" charset="-127"/>
+                <a:ea typeface="리디바탕" panose="020B0600000101010101" pitchFamily="34" charset="-127"/>
+              </a:rPr>
+              <a:t>모든 플레이어가</a:t>
+            </a:r>
+            <a:br>
+              <a:rPr lang="en-US" altLang="ko-KR" sz="800" dirty="0">
+                <a:solidFill>
+                  <a:srgbClr val="FAEBD3"/>
+                </a:solidFill>
+                <a:latin typeface="리디바탕" panose="020B0600000101010101" pitchFamily="34" charset="-127"/>
+                <a:ea typeface="리디바탕" panose="020B0600000101010101" pitchFamily="34" charset="-127"/>
+              </a:rPr>
+            </a:br>
+            <a:r>
+              <a:rPr lang="ko-KR" altLang="en-US" sz="800" dirty="0">
+                <a:solidFill>
+                  <a:srgbClr val="FAEBD3"/>
+                </a:solidFill>
+                <a:latin typeface="리디바탕" panose="020B0600000101010101" pitchFamily="34" charset="-127"/>
+                <a:ea typeface="리디바탕" panose="020B0600000101010101" pitchFamily="34" charset="-127"/>
+              </a:rPr>
+              <a:t>입장 수락</a:t>
+            </a:r>
+            <a:r>
+              <a:rPr lang="en-US" altLang="ko-KR" sz="800" dirty="0">
+                <a:solidFill>
+                  <a:srgbClr val="FAEBD3"/>
+                </a:solidFill>
+                <a:latin typeface="리디바탕" panose="020B0600000101010101" pitchFamily="34" charset="-127"/>
+                <a:ea typeface="리디바탕" panose="020B0600000101010101" pitchFamily="34" charset="-127"/>
+              </a:rPr>
+              <a:t>?</a:t>
+            </a:r>
+            <a:endParaRPr lang="ko-KR" altLang="en-US" sz="800" dirty="0">
+              <a:solidFill>
+                <a:srgbClr val="FAEBD3"/>
+              </a:solidFill>
+              <a:latin typeface="리디바탕" panose="020B0600000101010101" pitchFamily="34" charset="-127"/>
+              <a:ea typeface="리디바탕" panose="020B0600000101010101" pitchFamily="34" charset="-127"/>
+            </a:endParaRPr>
+          </a:p>
+        </p:txBody>
+      </p:sp>
+      <p:sp>
+        <p:nvSpPr>
+          <p:cNvPr id="18" name="직사각형 17">
+            <a:extLst>
+              <a:ext uri="{FF2B5EF4-FFF2-40B4-BE49-F238E27FC236}">
+                <a16:creationId xmlns:a16="http://schemas.microsoft.com/office/drawing/2014/main" id="{A8519BC8-62E0-C60B-B123-8AAD4572E582}"/>
+              </a:ext>
+            </a:extLst>
+          </p:cNvPr>
+          <p:cNvSpPr/>
+          <p:nvPr/>
+        </p:nvSpPr>
+        <p:spPr>
+          <a:xfrm>
+            <a:off x="266699" y="825234"/>
+            <a:ext cx="11658601" cy="400110"/>
+          </a:xfrm>
+          <a:prstGeom prst="rect">
+            <a:avLst/>
+          </a:prstGeom>
+          <a:gradFill flip="none" rotWithShape="1">
+            <a:gsLst>
+              <a:gs pos="50000">
+                <a:srgbClr val="FAEBD3">
+                  <a:alpha val="50000"/>
+                </a:srgbClr>
+              </a:gs>
+              <a:gs pos="0">
+                <a:srgbClr val="FAEBD3">
+                  <a:alpha val="0"/>
+                </a:srgbClr>
+              </a:gs>
+              <a:gs pos="100000">
+                <a:srgbClr val="FAEBD3"/>
+              </a:gs>
+            </a:gsLst>
+            <a:lin ang="10800000" scaled="1"/>
+            <a:tileRect/>
+          </a:gradFill>
+          <a:ln>
+            <a:noFill/>
+          </a:ln>
+        </p:spPr>
+        <p:style>
+          <a:lnRef idx="2">
+            <a:schemeClr val="accent1">
+              <a:shade val="15000"/>
+            </a:schemeClr>
+          </a:lnRef>
+          <a:fillRef idx="1">
+            <a:schemeClr val="accent1"/>
+          </a:fillRef>
+          <a:effectRef idx="0">
+            <a:schemeClr val="accent1"/>
+          </a:effectRef>
+          <a:fontRef idx="minor">
+            <a:schemeClr val="lt1"/>
+          </a:fontRef>
+        </p:style>
+        <p:txBody>
+          <a:bodyPr rtlCol="0" anchor="ctr"/>
+          <a:lstStyle/>
+          <a:p>
+            <a:pPr algn="ctr"/>
+            <a:endParaRPr lang="ko-KR" altLang="en-US"/>
+          </a:p>
+        </p:txBody>
+      </p:sp>
+      <p:sp>
+        <p:nvSpPr>
+          <p:cNvPr id="19" name="TextBox 18">
+            <a:extLst>
+              <a:ext uri="{FF2B5EF4-FFF2-40B4-BE49-F238E27FC236}">
+                <a16:creationId xmlns:a16="http://schemas.microsoft.com/office/drawing/2014/main" id="{70ECE61A-2519-8673-E919-A4BC011B8228}"/>
+              </a:ext>
+            </a:extLst>
+          </p:cNvPr>
+          <p:cNvSpPr txBox="1"/>
+          <p:nvPr/>
+        </p:nvSpPr>
+        <p:spPr>
+          <a:xfrm>
+            <a:off x="266698" y="1225344"/>
+            <a:ext cx="6858000" cy="500137"/>
+          </a:xfrm>
+          <a:prstGeom prst="rect">
+            <a:avLst/>
+          </a:prstGeom>
+          <a:noFill/>
+        </p:spPr>
+        <p:txBody>
+          <a:bodyPr wrap="square" rtlCol="0" anchor="t">
+            <a:spAutoFit/>
+          </a:bodyPr>
+          <a:lstStyle/>
+          <a:p>
+            <a:pPr>
+              <a:lnSpc>
+                <a:spcPct val="150000"/>
+              </a:lnSpc>
+            </a:pPr>
+            <a:r>
+              <a:rPr lang="ko-KR" altLang="en-US" sz="2000" dirty="0">
+                <a:solidFill>
+                  <a:srgbClr val="FAEBD3"/>
+                </a:solidFill>
+                <a:latin typeface="리디바탕" panose="020B0600000101010101" pitchFamily="34" charset="-127"/>
+                <a:ea typeface="리디바탕" panose="020B0600000101010101" pitchFamily="34" charset="-127"/>
+              </a:rPr>
+              <a:t>파티 배정 </a:t>
+            </a:r>
+            <a:r>
+              <a:rPr lang="ko-KR" altLang="en-US" sz="2000" dirty="0" err="1">
+                <a:solidFill>
+                  <a:srgbClr val="FAEBD3"/>
+                </a:solidFill>
+                <a:latin typeface="리디바탕" panose="020B0600000101010101" pitchFamily="34" charset="-127"/>
+                <a:ea typeface="리디바탕" panose="020B0600000101010101" pitchFamily="34" charset="-127"/>
+              </a:rPr>
+              <a:t>매커니즘</a:t>
+            </a:r>
+            <a:r>
+              <a:rPr lang="ko-KR" altLang="en-US" sz="2000" dirty="0">
+                <a:solidFill>
+                  <a:srgbClr val="FAEBD3"/>
+                </a:solidFill>
+                <a:latin typeface="리디바탕" panose="020B0600000101010101" pitchFamily="34" charset="-127"/>
+                <a:ea typeface="리디바탕" panose="020B0600000101010101" pitchFamily="34" charset="-127"/>
+              </a:rPr>
+              <a:t> 플로우 차트</a:t>
+            </a:r>
+            <a:endParaRPr lang="en-US" altLang="ko-KR" sz="1400" dirty="0">
+              <a:solidFill>
+                <a:srgbClr val="FAEBD3"/>
+              </a:solidFill>
+              <a:latin typeface="리디바탕" panose="020B0600000101010101" pitchFamily="34" charset="-127"/>
+              <a:ea typeface="리디바탕" panose="020B0600000101010101" pitchFamily="34" charset="-127"/>
+            </a:endParaRPr>
+          </a:p>
+        </p:txBody>
+      </p:sp>
+      <p:cxnSp>
+        <p:nvCxnSpPr>
+          <p:cNvPr id="20" name="직선 연결선 19">
+            <a:extLst>
+              <a:ext uri="{FF2B5EF4-FFF2-40B4-BE49-F238E27FC236}">
+                <a16:creationId xmlns:a16="http://schemas.microsoft.com/office/drawing/2014/main" id="{C61052CF-CF13-781E-B50C-072C3BBED7E0}"/>
+              </a:ext>
+            </a:extLst>
+          </p:cNvPr>
+          <p:cNvCxnSpPr>
+            <a:cxnSpLocks/>
+          </p:cNvCxnSpPr>
+          <p:nvPr/>
+        </p:nvCxnSpPr>
+        <p:spPr>
+          <a:xfrm>
+            <a:off x="1327212" y="6693300"/>
+            <a:ext cx="3060000" cy="0"/>
+          </a:xfrm>
+          <a:prstGeom prst="line">
+            <a:avLst/>
+          </a:prstGeom>
+          <a:ln>
+            <a:solidFill>
+              <a:schemeClr val="tx1">
+                <a:lumMod val="50000"/>
+                <a:lumOff val="50000"/>
+              </a:schemeClr>
+            </a:solidFill>
+          </a:ln>
+        </p:spPr>
+        <p:style>
+          <a:lnRef idx="1">
+            <a:schemeClr val="accent1"/>
+          </a:lnRef>
+          <a:fillRef idx="0">
+            <a:schemeClr val="accent1"/>
+          </a:fillRef>
+          <a:effectRef idx="0">
+            <a:schemeClr val="accent1"/>
+          </a:effectRef>
+          <a:fontRef idx="minor">
+            <a:schemeClr val="tx1"/>
+          </a:fontRef>
+        </p:style>
+      </p:cxnSp>
+      <p:sp>
+        <p:nvSpPr>
+          <p:cNvPr id="21" name="다이아몬드 20">
+            <a:extLst>
+              <a:ext uri="{FF2B5EF4-FFF2-40B4-BE49-F238E27FC236}">
+                <a16:creationId xmlns:a16="http://schemas.microsoft.com/office/drawing/2014/main" id="{7799768C-E303-D7D8-D49B-ADCD62B3AB89}"/>
+              </a:ext>
+            </a:extLst>
+          </p:cNvPr>
+          <p:cNvSpPr/>
+          <p:nvPr/>
+        </p:nvSpPr>
+        <p:spPr>
+          <a:xfrm>
+            <a:off x="4389354" y="6603300"/>
+            <a:ext cx="180000" cy="180000"/>
+          </a:xfrm>
+          <a:prstGeom prst="diamond">
+            <a:avLst/>
+          </a:prstGeom>
+          <a:solidFill>
+            <a:schemeClr val="tx1">
+              <a:lumMod val="50000"/>
+              <a:lumOff val="50000"/>
+            </a:schemeClr>
+          </a:solidFill>
+          <a:ln>
+            <a:solidFill>
+              <a:schemeClr val="tx1">
+                <a:lumMod val="50000"/>
+                <a:lumOff val="50000"/>
+              </a:schemeClr>
+            </a:solidFill>
+          </a:ln>
+        </p:spPr>
+        <p:style>
+          <a:lnRef idx="2">
+            <a:schemeClr val="accent1">
+              <a:shade val="50000"/>
+            </a:schemeClr>
+          </a:lnRef>
+          <a:fillRef idx="1">
+            <a:schemeClr val="accent1"/>
+          </a:fillRef>
+          <a:effectRef idx="0">
+            <a:schemeClr val="accent1"/>
+          </a:effectRef>
+          <a:fontRef idx="minor">
+            <a:schemeClr val="lt1"/>
+          </a:fontRef>
+        </p:style>
+        <p:txBody>
+          <a:bodyPr rtlCol="0" anchor="ctr"/>
+          <a:lstStyle/>
+          <a:p>
+            <a:pPr algn="ctr"/>
+            <a:endParaRPr lang="ko-KR" altLang="en-US" sz="900" dirty="0">
+              <a:solidFill>
+                <a:schemeClr val="tx1">
+                  <a:lumMod val="50000"/>
+                  <a:lumOff val="50000"/>
+                </a:schemeClr>
+              </a:solidFill>
+              <a:latin typeface="리디바탕" panose="020B0600000101010101" pitchFamily="34" charset="-127"/>
+              <a:ea typeface="리디바탕" panose="020B0600000101010101" pitchFamily="34" charset="-127"/>
+            </a:endParaRPr>
+          </a:p>
+        </p:txBody>
+      </p:sp>
+      <p:sp>
+        <p:nvSpPr>
+          <p:cNvPr id="25" name="TextBox 24">
+            <a:extLst>
+              <a:ext uri="{FF2B5EF4-FFF2-40B4-BE49-F238E27FC236}">
+                <a16:creationId xmlns:a16="http://schemas.microsoft.com/office/drawing/2014/main" id="{1CF0A328-B01D-5EF5-4C42-E52A80D6612C}"/>
+              </a:ext>
+            </a:extLst>
+          </p:cNvPr>
+          <p:cNvSpPr txBox="1"/>
+          <p:nvPr/>
+        </p:nvSpPr>
+        <p:spPr>
+          <a:xfrm>
+            <a:off x="2112560" y="6416301"/>
+            <a:ext cx="1626299" cy="276999"/>
+          </a:xfrm>
+          <a:prstGeom prst="rect">
+            <a:avLst/>
+          </a:prstGeom>
+          <a:noFill/>
+        </p:spPr>
+        <p:txBody>
+          <a:bodyPr wrap="square" rtlCol="0" anchor="ctr">
+            <a:spAutoFit/>
+          </a:bodyPr>
+          <a:lstStyle/>
+          <a:p>
+            <a:pPr algn="ctr"/>
+            <a:r>
+              <a:rPr lang="ko-KR" altLang="en-US" sz="1200" b="1" dirty="0" err="1">
+                <a:solidFill>
+                  <a:schemeClr val="tx1">
+                    <a:lumMod val="50000"/>
+                    <a:lumOff val="50000"/>
+                  </a:schemeClr>
+                </a:solidFill>
+                <a:latin typeface="리디바탕" panose="020B0600000101010101" pitchFamily="34" charset="-127"/>
+                <a:ea typeface="리디바탕" panose="020B0600000101010101" pitchFamily="34" charset="-127"/>
+              </a:rPr>
+              <a:t>비브린</a:t>
+            </a:r>
+            <a:r>
+              <a:rPr lang="ko-KR" altLang="en-US" sz="1200" b="1" dirty="0">
+                <a:solidFill>
+                  <a:schemeClr val="tx1">
+                    <a:lumMod val="50000"/>
+                    <a:lumOff val="50000"/>
+                  </a:schemeClr>
+                </a:solidFill>
+                <a:latin typeface="리디바탕" panose="020B0600000101010101" pitchFamily="34" charset="-127"/>
+                <a:ea typeface="리디바탕" panose="020B0600000101010101" pitchFamily="34" charset="-127"/>
+              </a:rPr>
+              <a:t> 큐브 개방</a:t>
+            </a:r>
+            <a:endParaRPr lang="en-US" altLang="ko-KR" sz="1200" b="1" dirty="0">
+              <a:solidFill>
+                <a:schemeClr val="tx1">
+                  <a:lumMod val="50000"/>
+                  <a:lumOff val="50000"/>
+                </a:schemeClr>
+              </a:solidFill>
+              <a:latin typeface="리디바탕" panose="020B0600000101010101" pitchFamily="34" charset="-127"/>
+              <a:ea typeface="리디바탕" panose="020B0600000101010101" pitchFamily="34" charset="-127"/>
+            </a:endParaRPr>
+          </a:p>
+        </p:txBody>
+      </p:sp>
+      <p:cxnSp>
+        <p:nvCxnSpPr>
+          <p:cNvPr id="26" name="직선 연결선 25">
+            <a:extLst>
+              <a:ext uri="{FF2B5EF4-FFF2-40B4-BE49-F238E27FC236}">
+                <a16:creationId xmlns:a16="http://schemas.microsoft.com/office/drawing/2014/main" id="{88E4656B-33B2-4C3B-EDBF-D1FC0F68AEB9}"/>
+              </a:ext>
+            </a:extLst>
+          </p:cNvPr>
+          <p:cNvCxnSpPr>
+            <a:cxnSpLocks/>
+          </p:cNvCxnSpPr>
+          <p:nvPr/>
+        </p:nvCxnSpPr>
+        <p:spPr>
+          <a:xfrm>
+            <a:off x="4559829" y="6693300"/>
+            <a:ext cx="3060000" cy="0"/>
+          </a:xfrm>
+          <a:prstGeom prst="line">
+            <a:avLst/>
+          </a:prstGeom>
+          <a:ln>
+            <a:solidFill>
+              <a:schemeClr val="tx1">
+                <a:lumMod val="50000"/>
+                <a:lumOff val="50000"/>
+              </a:schemeClr>
+            </a:solidFill>
+          </a:ln>
+        </p:spPr>
+        <p:style>
+          <a:lnRef idx="1">
+            <a:schemeClr val="accent1"/>
+          </a:lnRef>
+          <a:fillRef idx="0">
+            <a:schemeClr val="accent1"/>
+          </a:fillRef>
+          <a:effectRef idx="0">
+            <a:schemeClr val="accent1"/>
+          </a:effectRef>
+          <a:fontRef idx="minor">
+            <a:schemeClr val="tx1"/>
+          </a:fontRef>
+        </p:style>
+      </p:cxnSp>
+      <p:sp>
+        <p:nvSpPr>
+          <p:cNvPr id="27" name="다이아몬드 26">
+            <a:extLst>
+              <a:ext uri="{FF2B5EF4-FFF2-40B4-BE49-F238E27FC236}">
+                <a16:creationId xmlns:a16="http://schemas.microsoft.com/office/drawing/2014/main" id="{DC08DCF7-F8C2-3E2D-F77F-4648698C53E0}"/>
+              </a:ext>
+            </a:extLst>
+          </p:cNvPr>
+          <p:cNvSpPr/>
+          <p:nvPr/>
+        </p:nvSpPr>
+        <p:spPr>
+          <a:xfrm>
+            <a:off x="7621971" y="6603300"/>
+            <a:ext cx="180000" cy="180000"/>
+          </a:xfrm>
+          <a:prstGeom prst="diamond">
+            <a:avLst/>
+          </a:prstGeom>
+          <a:solidFill>
+            <a:schemeClr val="tx1">
+              <a:lumMod val="50000"/>
+              <a:lumOff val="50000"/>
+            </a:schemeClr>
+          </a:solidFill>
+          <a:ln>
+            <a:solidFill>
+              <a:schemeClr val="tx1">
+                <a:lumMod val="50000"/>
+                <a:lumOff val="50000"/>
+              </a:schemeClr>
+            </a:solidFill>
+          </a:ln>
+        </p:spPr>
+        <p:style>
+          <a:lnRef idx="2">
+            <a:schemeClr val="accent1">
+              <a:shade val="50000"/>
+            </a:schemeClr>
+          </a:lnRef>
+          <a:fillRef idx="1">
+            <a:schemeClr val="accent1"/>
+          </a:fillRef>
+          <a:effectRef idx="0">
+            <a:schemeClr val="accent1"/>
+          </a:effectRef>
+          <a:fontRef idx="minor">
+            <a:schemeClr val="lt1"/>
+          </a:fontRef>
+        </p:style>
+        <p:txBody>
+          <a:bodyPr rtlCol="0" anchor="ctr"/>
+          <a:lstStyle/>
+          <a:p>
+            <a:pPr algn="ctr"/>
+            <a:endParaRPr lang="ko-KR" altLang="en-US" sz="900" dirty="0">
+              <a:solidFill>
+                <a:schemeClr val="tx1">
+                  <a:lumMod val="50000"/>
+                  <a:lumOff val="50000"/>
+                </a:schemeClr>
+              </a:solidFill>
+              <a:latin typeface="리디바탕" panose="020B0600000101010101" pitchFamily="34" charset="-127"/>
+              <a:ea typeface="리디바탕" panose="020B0600000101010101" pitchFamily="34" charset="-127"/>
+            </a:endParaRPr>
+          </a:p>
+        </p:txBody>
+      </p:sp>
+      <p:cxnSp>
+        <p:nvCxnSpPr>
+          <p:cNvPr id="28" name="직선 연결선 27">
+            <a:extLst>
+              <a:ext uri="{FF2B5EF4-FFF2-40B4-BE49-F238E27FC236}">
+                <a16:creationId xmlns:a16="http://schemas.microsoft.com/office/drawing/2014/main" id="{F623E19D-937E-A479-9591-96BCA83A1365}"/>
+              </a:ext>
+            </a:extLst>
+          </p:cNvPr>
+          <p:cNvCxnSpPr>
+            <a:cxnSpLocks/>
+          </p:cNvCxnSpPr>
+          <p:nvPr/>
+        </p:nvCxnSpPr>
+        <p:spPr>
+          <a:xfrm>
+            <a:off x="7794588" y="6693300"/>
+            <a:ext cx="3060000" cy="0"/>
+          </a:xfrm>
+          <a:prstGeom prst="line">
+            <a:avLst/>
+          </a:prstGeom>
+          <a:ln>
+            <a:solidFill>
+              <a:srgbClr val="FAEBD3"/>
+            </a:solidFill>
+          </a:ln>
+        </p:spPr>
+        <p:style>
+          <a:lnRef idx="1">
+            <a:schemeClr val="accent1"/>
+          </a:lnRef>
+          <a:fillRef idx="0">
+            <a:schemeClr val="accent1"/>
+          </a:fillRef>
+          <a:effectRef idx="0">
+            <a:schemeClr val="accent1"/>
+          </a:effectRef>
+          <a:fontRef idx="minor">
+            <a:schemeClr val="tx1"/>
+          </a:fontRef>
+        </p:style>
+      </p:cxnSp>
+      <p:sp>
+        <p:nvSpPr>
+          <p:cNvPr id="29" name="다이아몬드 28">
+            <a:extLst>
+              <a:ext uri="{FF2B5EF4-FFF2-40B4-BE49-F238E27FC236}">
+                <a16:creationId xmlns:a16="http://schemas.microsoft.com/office/drawing/2014/main" id="{0AEEF946-69C6-C47F-A7FB-ABEFBC7B1D16}"/>
+              </a:ext>
+            </a:extLst>
+          </p:cNvPr>
+          <p:cNvSpPr/>
+          <p:nvPr/>
+        </p:nvSpPr>
+        <p:spPr>
+          <a:xfrm>
+            <a:off x="10856730" y="6603300"/>
+            <a:ext cx="180000" cy="180000"/>
+          </a:xfrm>
+          <a:prstGeom prst="diamond">
+            <a:avLst/>
+          </a:prstGeom>
+          <a:solidFill>
+            <a:srgbClr val="FAEBD3"/>
+          </a:solidFill>
+          <a:ln>
+            <a:solidFill>
+              <a:srgbClr val="FAEBD3"/>
+            </a:solidFill>
+          </a:ln>
+        </p:spPr>
+        <p:style>
+          <a:lnRef idx="2">
+            <a:schemeClr val="accent1">
+              <a:shade val="50000"/>
+            </a:schemeClr>
+          </a:lnRef>
+          <a:fillRef idx="1">
+            <a:schemeClr val="accent1"/>
+          </a:fillRef>
+          <a:effectRef idx="0">
+            <a:schemeClr val="accent1"/>
+          </a:effectRef>
+          <a:fontRef idx="minor">
+            <a:schemeClr val="lt1"/>
+          </a:fontRef>
+        </p:style>
+        <p:txBody>
+          <a:bodyPr rtlCol="0" anchor="ctr"/>
+          <a:lstStyle/>
+          <a:p>
+            <a:pPr algn="ctr"/>
+            <a:endParaRPr lang="ko-KR" altLang="en-US" sz="900" dirty="0">
+              <a:solidFill>
+                <a:schemeClr val="tx1">
+                  <a:lumMod val="50000"/>
+                  <a:lumOff val="50000"/>
+                </a:schemeClr>
+              </a:solidFill>
+              <a:latin typeface="리디바탕" panose="020B0600000101010101" pitchFamily="34" charset="-127"/>
+              <a:ea typeface="리디바탕" panose="020B0600000101010101" pitchFamily="34" charset="-127"/>
+            </a:endParaRPr>
+          </a:p>
+        </p:txBody>
+      </p:sp>
+      <p:sp>
+        <p:nvSpPr>
+          <p:cNvPr id="30" name="TextBox 29">
+            <a:extLst>
+              <a:ext uri="{FF2B5EF4-FFF2-40B4-BE49-F238E27FC236}">
+                <a16:creationId xmlns:a16="http://schemas.microsoft.com/office/drawing/2014/main" id="{8EE54F2A-C1C5-8B45-CD18-1EFFBA71019B}"/>
+              </a:ext>
+            </a:extLst>
+          </p:cNvPr>
+          <p:cNvSpPr txBox="1"/>
+          <p:nvPr/>
+        </p:nvSpPr>
+        <p:spPr>
+          <a:xfrm>
+            <a:off x="5350624" y="6416300"/>
+            <a:ext cx="1626299" cy="276999"/>
+          </a:xfrm>
+          <a:prstGeom prst="rect">
+            <a:avLst/>
+          </a:prstGeom>
+          <a:noFill/>
+        </p:spPr>
+        <p:txBody>
+          <a:bodyPr wrap="square" rtlCol="0" anchor="ctr">
+            <a:spAutoFit/>
+          </a:bodyPr>
+          <a:lstStyle/>
+          <a:p>
+            <a:pPr algn="ctr"/>
+            <a:r>
+              <a:rPr lang="ko-KR" altLang="en-US" sz="1200" b="1" dirty="0" err="1">
+                <a:solidFill>
+                  <a:schemeClr val="tx1">
+                    <a:lumMod val="50000"/>
+                    <a:lumOff val="50000"/>
+                  </a:schemeClr>
+                </a:solidFill>
+                <a:latin typeface="리디바탕" panose="020B0600000101010101" pitchFamily="34" charset="-127"/>
+                <a:ea typeface="리디바탕" panose="020B0600000101010101" pitchFamily="34" charset="-127"/>
+              </a:rPr>
+              <a:t>비브린</a:t>
+            </a:r>
+            <a:r>
+              <a:rPr lang="ko-KR" altLang="en-US" sz="1200" b="1" dirty="0">
+                <a:solidFill>
+                  <a:schemeClr val="tx1">
+                    <a:lumMod val="50000"/>
+                    <a:lumOff val="50000"/>
+                  </a:schemeClr>
+                </a:solidFill>
+                <a:latin typeface="리디바탕" panose="020B0600000101010101" pitchFamily="34" charset="-127"/>
+                <a:ea typeface="리디바탕" panose="020B0600000101010101" pitchFamily="34" charset="-127"/>
+              </a:rPr>
+              <a:t> 큐브 입장</a:t>
+            </a:r>
+            <a:endParaRPr lang="en-US" altLang="ko-KR" sz="1200" b="1" dirty="0">
+              <a:solidFill>
+                <a:schemeClr val="tx1">
+                  <a:lumMod val="50000"/>
+                  <a:lumOff val="50000"/>
+                </a:schemeClr>
+              </a:solidFill>
+              <a:latin typeface="리디바탕" panose="020B0600000101010101" pitchFamily="34" charset="-127"/>
+              <a:ea typeface="리디바탕" panose="020B0600000101010101" pitchFamily="34" charset="-127"/>
+            </a:endParaRPr>
+          </a:p>
+        </p:txBody>
+      </p:sp>
+      <p:sp>
+        <p:nvSpPr>
+          <p:cNvPr id="31" name="TextBox 30">
+            <a:extLst>
+              <a:ext uri="{FF2B5EF4-FFF2-40B4-BE49-F238E27FC236}">
+                <a16:creationId xmlns:a16="http://schemas.microsoft.com/office/drawing/2014/main" id="{B3E6949C-F9D2-3FA4-2D61-7968C96D69CB}"/>
+              </a:ext>
+            </a:extLst>
+          </p:cNvPr>
+          <p:cNvSpPr txBox="1"/>
+          <p:nvPr/>
+        </p:nvSpPr>
+        <p:spPr>
+          <a:xfrm>
+            <a:off x="8582533" y="6422275"/>
+            <a:ext cx="1926912" cy="276999"/>
+          </a:xfrm>
+          <a:prstGeom prst="rect">
+            <a:avLst/>
+          </a:prstGeom>
+          <a:noFill/>
+        </p:spPr>
+        <p:txBody>
+          <a:bodyPr wrap="square" rtlCol="0" anchor="ctr">
+            <a:spAutoFit/>
+          </a:bodyPr>
+          <a:lstStyle/>
+          <a:p>
+            <a:pPr algn="ctr"/>
+            <a:r>
+              <a:rPr lang="ko-KR" altLang="en-US" sz="1200" b="1">
+                <a:solidFill>
+                  <a:srgbClr val="FAEBD3"/>
+                </a:solidFill>
+                <a:latin typeface="리디바탕" panose="020B0600000101010101" pitchFamily="34" charset="-127"/>
+                <a:ea typeface="리디바탕" panose="020B0600000101010101" pitchFamily="34" charset="-127"/>
+              </a:rPr>
+              <a:t>입장 </a:t>
+            </a:r>
+            <a:r>
+              <a:rPr lang="ko-KR" altLang="en-US" sz="1200" b="1" dirty="0">
+                <a:solidFill>
+                  <a:srgbClr val="FAEBD3"/>
+                </a:solidFill>
+                <a:latin typeface="리디바탕" panose="020B0600000101010101" pitchFamily="34" charset="-127"/>
+                <a:ea typeface="리디바탕" panose="020B0600000101010101" pitchFamily="34" charset="-127"/>
+              </a:rPr>
+              <a:t>규칙</a:t>
+            </a:r>
+            <a:endParaRPr lang="en-US" altLang="ko-KR" sz="1200" b="1" dirty="0">
+              <a:solidFill>
+                <a:srgbClr val="FAEBD3"/>
+              </a:solidFill>
+              <a:latin typeface="리디바탕" panose="020B0600000101010101" pitchFamily="34" charset="-127"/>
+              <a:ea typeface="리디바탕" panose="020B0600000101010101" pitchFamily="34" charset="-127"/>
+            </a:endParaRPr>
+          </a:p>
+        </p:txBody>
+      </p:sp>
+      <p:sp>
+        <p:nvSpPr>
+          <p:cNvPr id="32" name="사각형: 둥근 모서리 31">
+            <a:extLst>
+              <a:ext uri="{FF2B5EF4-FFF2-40B4-BE49-F238E27FC236}">
+                <a16:creationId xmlns:a16="http://schemas.microsoft.com/office/drawing/2014/main" id="{7716888C-D65D-3AF0-9235-23B00D48A501}"/>
+              </a:ext>
+            </a:extLst>
+          </p:cNvPr>
+          <p:cNvSpPr/>
+          <p:nvPr/>
+        </p:nvSpPr>
+        <p:spPr>
+          <a:xfrm>
+            <a:off x="556092" y="3476354"/>
+            <a:ext cx="1253113" cy="400105"/>
+          </a:xfrm>
+          <a:prstGeom prst="roundRect">
+            <a:avLst>
+              <a:gd name="adj" fmla="val 5304"/>
+            </a:avLst>
+          </a:prstGeom>
+          <a:noFill/>
+          <a:ln>
+            <a:solidFill>
+              <a:srgbClr val="FAEBD3"/>
+            </a:solidFill>
+          </a:ln>
+        </p:spPr>
+        <p:style>
+          <a:lnRef idx="2">
+            <a:schemeClr val="accent1">
+              <a:shade val="50000"/>
+            </a:schemeClr>
+          </a:lnRef>
+          <a:fillRef idx="1">
+            <a:schemeClr val="accent1"/>
+          </a:fillRef>
+          <a:effectRef idx="0">
+            <a:schemeClr val="accent1"/>
+          </a:effectRef>
+          <a:fontRef idx="minor">
+            <a:schemeClr val="lt1"/>
+          </a:fontRef>
+        </p:style>
+        <p:txBody>
+          <a:bodyPr rtlCol="0" anchor="ctr"/>
+          <a:lstStyle/>
+          <a:p>
+            <a:pPr algn="ctr"/>
+            <a:r>
+              <a:rPr lang="ko-KR" altLang="en-US" sz="800" dirty="0">
+                <a:solidFill>
+                  <a:srgbClr val="FAEBD3"/>
+                </a:solidFill>
+                <a:latin typeface="리디바탕" panose="020B0600000101010101" pitchFamily="34" charset="-127"/>
+                <a:ea typeface="리디바탕" panose="020B0600000101010101" pitchFamily="34" charset="-127"/>
+              </a:rPr>
+              <a:t>입장 거절 유저</a:t>
+            </a:r>
+            <a:br>
+              <a:rPr lang="en-US" altLang="ko-KR" sz="800" dirty="0">
+                <a:solidFill>
+                  <a:srgbClr val="FAEBD3"/>
+                </a:solidFill>
+                <a:latin typeface="리디바탕" panose="020B0600000101010101" pitchFamily="34" charset="-127"/>
+                <a:ea typeface="리디바탕" panose="020B0600000101010101" pitchFamily="34" charset="-127"/>
+              </a:rPr>
+            </a:br>
+            <a:r>
+              <a:rPr lang="ko-KR" altLang="en-US" sz="800" dirty="0">
+                <a:solidFill>
+                  <a:srgbClr val="FAEBD3"/>
+                </a:solidFill>
+                <a:latin typeface="리디바탕" panose="020B0600000101010101" pitchFamily="34" charset="-127"/>
+                <a:ea typeface="리디바탕" panose="020B0600000101010101" pitchFamily="34" charset="-127"/>
+              </a:rPr>
+              <a:t>매칭 그룹에서 제외</a:t>
+            </a:r>
+          </a:p>
+        </p:txBody>
+      </p:sp>
+      <p:sp>
+        <p:nvSpPr>
+          <p:cNvPr id="33" name="사각형: 둥근 모서리 32">
+            <a:extLst>
+              <a:ext uri="{FF2B5EF4-FFF2-40B4-BE49-F238E27FC236}">
+                <a16:creationId xmlns:a16="http://schemas.microsoft.com/office/drawing/2014/main" id="{07C3FBD7-212C-9CCB-EF78-C6FB8128AC3C}"/>
+              </a:ext>
+            </a:extLst>
+          </p:cNvPr>
+          <p:cNvSpPr/>
+          <p:nvPr/>
+        </p:nvSpPr>
+        <p:spPr>
+          <a:xfrm>
+            <a:off x="556092" y="2786315"/>
+            <a:ext cx="1253112" cy="400105"/>
+          </a:xfrm>
+          <a:prstGeom prst="roundRect">
+            <a:avLst>
+              <a:gd name="adj" fmla="val 5304"/>
+            </a:avLst>
+          </a:prstGeom>
+          <a:noFill/>
+          <a:ln>
+            <a:solidFill>
+              <a:srgbClr val="FAEBD3"/>
+            </a:solidFill>
+          </a:ln>
+        </p:spPr>
+        <p:style>
+          <a:lnRef idx="2">
+            <a:schemeClr val="accent1">
+              <a:shade val="50000"/>
+            </a:schemeClr>
+          </a:lnRef>
+          <a:fillRef idx="1">
+            <a:schemeClr val="accent1"/>
+          </a:fillRef>
+          <a:effectRef idx="0">
+            <a:schemeClr val="accent1"/>
+          </a:effectRef>
+          <a:fontRef idx="minor">
+            <a:schemeClr val="lt1"/>
+          </a:fontRef>
+        </p:style>
+        <p:txBody>
+          <a:bodyPr rtlCol="0" anchor="ctr"/>
+          <a:lstStyle/>
+          <a:p>
+            <a:pPr algn="ctr"/>
+            <a:r>
+              <a:rPr lang="ko-KR" altLang="en-US" sz="800" dirty="0" err="1">
+                <a:solidFill>
+                  <a:srgbClr val="FAEBD3"/>
+                </a:solidFill>
+                <a:latin typeface="리디바탕" panose="020B0600000101010101" pitchFamily="34" charset="-127"/>
+                <a:ea typeface="리디바탕" panose="020B0600000101010101" pitchFamily="34" charset="-127"/>
+              </a:rPr>
+              <a:t>재매칭</a:t>
+            </a:r>
+            <a:endParaRPr lang="ko-KR" altLang="en-US" sz="800" dirty="0">
+              <a:solidFill>
+                <a:srgbClr val="FAEBD3"/>
+              </a:solidFill>
+              <a:latin typeface="리디바탕" panose="020B0600000101010101" pitchFamily="34" charset="-127"/>
+              <a:ea typeface="리디바탕" panose="020B0600000101010101" pitchFamily="34" charset="-127"/>
+            </a:endParaRPr>
+          </a:p>
+        </p:txBody>
+      </p:sp>
+      <p:cxnSp>
+        <p:nvCxnSpPr>
+          <p:cNvPr id="34" name="직선 화살표 연결선 33">
+            <a:extLst>
+              <a:ext uri="{FF2B5EF4-FFF2-40B4-BE49-F238E27FC236}">
+                <a16:creationId xmlns:a16="http://schemas.microsoft.com/office/drawing/2014/main" id="{DDC8D8EB-888F-653F-AA07-E3F61176AFBF}"/>
+              </a:ext>
+            </a:extLst>
+          </p:cNvPr>
+          <p:cNvCxnSpPr>
+            <a:cxnSpLocks/>
+            <a:stCxn id="15" idx="2"/>
+            <a:endCxn id="16" idx="0"/>
+          </p:cNvCxnSpPr>
+          <p:nvPr/>
+        </p:nvCxnSpPr>
+        <p:spPr>
+          <a:xfrm>
+            <a:off x="2654106" y="3190315"/>
+            <a:ext cx="1" cy="127512"/>
+          </a:xfrm>
+          <a:prstGeom prst="straightConnector1">
+            <a:avLst/>
+          </a:prstGeom>
+          <a:ln>
+            <a:solidFill>
+              <a:srgbClr val="FAEBD3"/>
+            </a:solidFill>
+            <a:tailEnd type="triangle"/>
+          </a:ln>
+        </p:spPr>
+        <p:style>
+          <a:lnRef idx="1">
+            <a:schemeClr val="accent1"/>
+          </a:lnRef>
+          <a:fillRef idx="0">
+            <a:schemeClr val="accent1"/>
+          </a:fillRef>
+          <a:effectRef idx="0">
+            <a:schemeClr val="accent1"/>
+          </a:effectRef>
+          <a:fontRef idx="minor">
+            <a:schemeClr val="tx1"/>
+          </a:fontRef>
+        </p:style>
+      </p:cxnSp>
+      <p:cxnSp>
+        <p:nvCxnSpPr>
+          <p:cNvPr id="40" name="직선 화살표 연결선 39">
+            <a:extLst>
+              <a:ext uri="{FF2B5EF4-FFF2-40B4-BE49-F238E27FC236}">
+                <a16:creationId xmlns:a16="http://schemas.microsoft.com/office/drawing/2014/main" id="{E3E459A9-2AC6-C634-0626-9EB756F4DFBB}"/>
+              </a:ext>
+            </a:extLst>
+          </p:cNvPr>
+          <p:cNvCxnSpPr>
+            <a:cxnSpLocks/>
+            <a:stCxn id="16" idx="1"/>
+            <a:endCxn id="32" idx="3"/>
+          </p:cNvCxnSpPr>
+          <p:nvPr/>
+        </p:nvCxnSpPr>
+        <p:spPr>
+          <a:xfrm flipH="1">
+            <a:off x="1809205" y="3672847"/>
+            <a:ext cx="294388" cy="3560"/>
+          </a:xfrm>
+          <a:prstGeom prst="straightConnector1">
+            <a:avLst/>
+          </a:prstGeom>
+          <a:ln>
+            <a:solidFill>
+              <a:srgbClr val="FAEBD3"/>
+            </a:solidFill>
+            <a:tailEnd type="triangle"/>
+          </a:ln>
+        </p:spPr>
+        <p:style>
+          <a:lnRef idx="1">
+            <a:schemeClr val="accent1"/>
+          </a:lnRef>
+          <a:fillRef idx="0">
+            <a:schemeClr val="accent1"/>
+          </a:fillRef>
+          <a:effectRef idx="0">
+            <a:schemeClr val="accent1"/>
+          </a:effectRef>
+          <a:fontRef idx="minor">
+            <a:schemeClr val="tx1"/>
+          </a:fontRef>
+        </p:style>
+      </p:cxnSp>
+      <p:cxnSp>
+        <p:nvCxnSpPr>
+          <p:cNvPr id="45" name="직선 화살표 연결선 44">
+            <a:extLst>
+              <a:ext uri="{FF2B5EF4-FFF2-40B4-BE49-F238E27FC236}">
+                <a16:creationId xmlns:a16="http://schemas.microsoft.com/office/drawing/2014/main" id="{849A055C-265B-6B5C-921B-69DACD10BDC9}"/>
+              </a:ext>
+            </a:extLst>
+          </p:cNvPr>
+          <p:cNvCxnSpPr>
+            <a:cxnSpLocks/>
+            <a:stCxn id="32" idx="0"/>
+            <a:endCxn id="33" idx="2"/>
+          </p:cNvCxnSpPr>
+          <p:nvPr/>
+        </p:nvCxnSpPr>
+        <p:spPr>
+          <a:xfrm flipH="1" flipV="1">
+            <a:off x="1182648" y="3186420"/>
+            <a:ext cx="1" cy="289934"/>
+          </a:xfrm>
+          <a:prstGeom prst="straightConnector1">
+            <a:avLst/>
+          </a:prstGeom>
+          <a:ln>
+            <a:solidFill>
+              <a:srgbClr val="FAEBD3"/>
+            </a:solidFill>
+            <a:tailEnd type="triangle"/>
+          </a:ln>
+        </p:spPr>
+        <p:style>
+          <a:lnRef idx="1">
+            <a:schemeClr val="accent1"/>
+          </a:lnRef>
+          <a:fillRef idx="0">
+            <a:schemeClr val="accent1"/>
+          </a:fillRef>
+          <a:effectRef idx="0">
+            <a:schemeClr val="accent1"/>
+          </a:effectRef>
+          <a:fontRef idx="minor">
+            <a:schemeClr val="tx1"/>
+          </a:fontRef>
+        </p:style>
+      </p:cxnSp>
+      <p:cxnSp>
+        <p:nvCxnSpPr>
+          <p:cNvPr id="59" name="직선 화살표 연결선 58">
+            <a:extLst>
+              <a:ext uri="{FF2B5EF4-FFF2-40B4-BE49-F238E27FC236}">
+                <a16:creationId xmlns:a16="http://schemas.microsoft.com/office/drawing/2014/main" id="{CC642D38-E763-CE83-947E-B4D58C04FADD}"/>
+              </a:ext>
+            </a:extLst>
+          </p:cNvPr>
+          <p:cNvCxnSpPr>
+            <a:cxnSpLocks/>
+            <a:stCxn id="10" idx="2"/>
+            <a:endCxn id="15" idx="0"/>
+          </p:cNvCxnSpPr>
+          <p:nvPr/>
+        </p:nvCxnSpPr>
+        <p:spPr>
+          <a:xfrm>
+            <a:off x="2654106" y="2654908"/>
+            <a:ext cx="0" cy="135302"/>
+          </a:xfrm>
+          <a:prstGeom prst="straightConnector1">
+            <a:avLst/>
+          </a:prstGeom>
+          <a:ln>
+            <a:solidFill>
+              <a:srgbClr val="FAEBD3"/>
+            </a:solidFill>
+            <a:tailEnd type="triangle"/>
+          </a:ln>
+        </p:spPr>
+        <p:style>
+          <a:lnRef idx="1">
+            <a:schemeClr val="accent1"/>
+          </a:lnRef>
+          <a:fillRef idx="0">
+            <a:schemeClr val="accent1"/>
+          </a:fillRef>
+          <a:effectRef idx="0">
+            <a:schemeClr val="accent1"/>
+          </a:effectRef>
+          <a:fontRef idx="minor">
+            <a:schemeClr val="tx1"/>
+          </a:fontRef>
+        </p:style>
+      </p:cxnSp>
+      <p:sp>
+        <p:nvSpPr>
+          <p:cNvPr id="63" name="사각형: 둥근 모서리 62">
+            <a:extLst>
+              <a:ext uri="{FF2B5EF4-FFF2-40B4-BE49-F238E27FC236}">
+                <a16:creationId xmlns:a16="http://schemas.microsoft.com/office/drawing/2014/main" id="{C6A67F40-EEEA-8C29-CEDF-B3BE0A39F6A4}"/>
+              </a:ext>
+            </a:extLst>
+          </p:cNvPr>
+          <p:cNvSpPr/>
+          <p:nvPr/>
+        </p:nvSpPr>
+        <p:spPr>
+          <a:xfrm>
+            <a:off x="1664201" y="3434162"/>
+            <a:ext cx="695518" cy="237758"/>
+          </a:xfrm>
+          <a:prstGeom prst="roundRect">
+            <a:avLst>
+              <a:gd name="adj" fmla="val 5304"/>
+            </a:avLst>
+          </a:prstGeom>
+          <a:noFill/>
+          <a:ln>
+            <a:noFill/>
+          </a:ln>
+        </p:spPr>
+        <p:style>
+          <a:lnRef idx="2">
+            <a:schemeClr val="accent1">
+              <a:shade val="50000"/>
+            </a:schemeClr>
+          </a:lnRef>
+          <a:fillRef idx="1">
+            <a:schemeClr val="accent1"/>
+          </a:fillRef>
+          <a:effectRef idx="0">
+            <a:schemeClr val="accent1"/>
+          </a:effectRef>
+          <a:fontRef idx="minor">
+            <a:schemeClr val="lt1"/>
+          </a:fontRef>
+        </p:style>
+        <p:txBody>
+          <a:bodyPr rtlCol="0" anchor="ctr"/>
+          <a:lstStyle/>
+          <a:p>
+            <a:pPr algn="ctr"/>
+            <a:r>
+              <a:rPr lang="en-US" altLang="ko-KR" sz="800" dirty="0">
+                <a:solidFill>
+                  <a:srgbClr val="FAEBD3"/>
+                </a:solidFill>
+                <a:latin typeface="리디바탕" panose="020B0600000101010101" pitchFamily="34" charset="-127"/>
+                <a:ea typeface="리디바탕" panose="020B0600000101010101" pitchFamily="34" charset="-127"/>
+              </a:rPr>
+              <a:t>NO</a:t>
+            </a:r>
+            <a:endParaRPr lang="ko-KR" altLang="en-US" sz="800" dirty="0">
+              <a:solidFill>
+                <a:srgbClr val="FAEBD3"/>
+              </a:solidFill>
+              <a:latin typeface="리디바탕" panose="020B0600000101010101" pitchFamily="34" charset="-127"/>
+              <a:ea typeface="리디바탕" panose="020B0600000101010101" pitchFamily="34" charset="-127"/>
+            </a:endParaRPr>
+          </a:p>
+        </p:txBody>
+      </p:sp>
+      <p:sp>
+        <p:nvSpPr>
+          <p:cNvPr id="64" name="사각형: 둥근 모서리 63">
+            <a:extLst>
+              <a:ext uri="{FF2B5EF4-FFF2-40B4-BE49-F238E27FC236}">
+                <a16:creationId xmlns:a16="http://schemas.microsoft.com/office/drawing/2014/main" id="{CF7DE597-0E65-A0AD-7AEF-C16ECE51DC72}"/>
+              </a:ext>
+            </a:extLst>
+          </p:cNvPr>
+          <p:cNvSpPr/>
+          <p:nvPr/>
+        </p:nvSpPr>
+        <p:spPr>
+          <a:xfrm>
+            <a:off x="3136473" y="3434162"/>
+            <a:ext cx="400969" cy="237758"/>
+          </a:xfrm>
+          <a:prstGeom prst="roundRect">
+            <a:avLst>
+              <a:gd name="adj" fmla="val 5304"/>
+            </a:avLst>
+          </a:prstGeom>
+          <a:noFill/>
+          <a:ln>
+            <a:noFill/>
+          </a:ln>
+        </p:spPr>
+        <p:style>
+          <a:lnRef idx="2">
+            <a:schemeClr val="accent1">
+              <a:shade val="50000"/>
+            </a:schemeClr>
+          </a:lnRef>
+          <a:fillRef idx="1">
+            <a:schemeClr val="accent1"/>
+          </a:fillRef>
+          <a:effectRef idx="0">
+            <a:schemeClr val="accent1"/>
+          </a:effectRef>
+          <a:fontRef idx="minor">
+            <a:schemeClr val="lt1"/>
+          </a:fontRef>
+        </p:style>
+        <p:txBody>
+          <a:bodyPr rtlCol="0" anchor="ctr"/>
+          <a:lstStyle/>
+          <a:p>
+            <a:r>
+              <a:rPr lang="en-US" altLang="ko-KR" sz="800" dirty="0">
+                <a:solidFill>
+                  <a:srgbClr val="FAEBD3"/>
+                </a:solidFill>
+                <a:latin typeface="리디바탕" panose="020B0600000101010101" pitchFamily="34" charset="-127"/>
+                <a:ea typeface="리디바탕" panose="020B0600000101010101" pitchFamily="34" charset="-127"/>
+              </a:rPr>
+              <a:t>YES</a:t>
+            </a:r>
+            <a:endParaRPr lang="ko-KR" altLang="en-US" sz="800" dirty="0">
+              <a:solidFill>
+                <a:srgbClr val="FAEBD3"/>
+              </a:solidFill>
+              <a:latin typeface="리디바탕" panose="020B0600000101010101" pitchFamily="34" charset="-127"/>
+              <a:ea typeface="리디바탕" panose="020B0600000101010101" pitchFamily="34" charset="-127"/>
+            </a:endParaRPr>
+          </a:p>
+        </p:txBody>
+      </p:sp>
+      <p:sp>
+        <p:nvSpPr>
+          <p:cNvPr id="66" name="다이아몬드 65">
+            <a:extLst>
+              <a:ext uri="{FF2B5EF4-FFF2-40B4-BE49-F238E27FC236}">
+                <a16:creationId xmlns:a16="http://schemas.microsoft.com/office/drawing/2014/main" id="{10436622-C525-34EA-243C-4418B3884A7D}"/>
+              </a:ext>
+            </a:extLst>
+          </p:cNvPr>
+          <p:cNvSpPr/>
+          <p:nvPr/>
+        </p:nvSpPr>
+        <p:spPr>
+          <a:xfrm>
+            <a:off x="3499009" y="3317239"/>
+            <a:ext cx="1101028" cy="710039"/>
+          </a:xfrm>
+          <a:prstGeom prst="diamond">
+            <a:avLst/>
+          </a:prstGeom>
+          <a:noFill/>
+          <a:ln>
+            <a:solidFill>
+              <a:srgbClr val="FAEBD3"/>
+            </a:solidFill>
+          </a:ln>
+        </p:spPr>
+        <p:style>
+          <a:lnRef idx="2">
+            <a:schemeClr val="accent1">
+              <a:shade val="50000"/>
+            </a:schemeClr>
+          </a:lnRef>
+          <a:fillRef idx="1">
+            <a:schemeClr val="accent1"/>
+          </a:fillRef>
+          <a:effectRef idx="0">
+            <a:schemeClr val="accent1"/>
+          </a:effectRef>
+          <a:fontRef idx="minor">
+            <a:schemeClr val="lt1"/>
+          </a:fontRef>
+        </p:style>
+        <p:txBody>
+          <a:bodyPr rtlCol="0" anchor="ctr"/>
+          <a:lstStyle/>
+          <a:p>
+            <a:pPr algn="ctr"/>
+            <a:endParaRPr lang="ko-KR" altLang="en-US" sz="1000" dirty="0">
+              <a:solidFill>
+                <a:srgbClr val="FAEBD3"/>
+              </a:solidFill>
+              <a:latin typeface="리디바탕" panose="020B0600000101010101" pitchFamily="34" charset="-127"/>
+              <a:ea typeface="리디바탕" panose="020B0600000101010101" pitchFamily="34" charset="-127"/>
+            </a:endParaRPr>
+          </a:p>
+        </p:txBody>
+      </p:sp>
+      <p:sp>
+        <p:nvSpPr>
+          <p:cNvPr id="67" name="사각형: 둥근 모서리 66">
+            <a:extLst>
+              <a:ext uri="{FF2B5EF4-FFF2-40B4-BE49-F238E27FC236}">
+                <a16:creationId xmlns:a16="http://schemas.microsoft.com/office/drawing/2014/main" id="{A65DB720-8D74-3FB9-D9D5-12209010632F}"/>
+              </a:ext>
+            </a:extLst>
+          </p:cNvPr>
+          <p:cNvSpPr/>
+          <p:nvPr/>
+        </p:nvSpPr>
+        <p:spPr>
+          <a:xfrm>
+            <a:off x="3407702" y="3444160"/>
+            <a:ext cx="1278323" cy="400105"/>
+          </a:xfrm>
+          <a:prstGeom prst="roundRect">
+            <a:avLst>
+              <a:gd name="adj" fmla="val 5304"/>
+            </a:avLst>
+          </a:prstGeom>
+          <a:noFill/>
+          <a:ln>
+            <a:noFill/>
+          </a:ln>
+        </p:spPr>
+        <p:style>
+          <a:lnRef idx="2">
+            <a:schemeClr val="accent1">
+              <a:shade val="50000"/>
+            </a:schemeClr>
+          </a:lnRef>
+          <a:fillRef idx="1">
+            <a:schemeClr val="accent1"/>
+          </a:fillRef>
+          <a:effectRef idx="0">
+            <a:schemeClr val="accent1"/>
+          </a:effectRef>
+          <a:fontRef idx="minor">
+            <a:schemeClr val="lt1"/>
+          </a:fontRef>
+        </p:style>
+        <p:txBody>
+          <a:bodyPr rtlCol="0" anchor="ctr"/>
+          <a:lstStyle/>
+          <a:p>
+            <a:pPr algn="ctr"/>
+            <a:r>
+              <a:rPr lang="ko-KR" altLang="en-US" sz="800" dirty="0">
+                <a:solidFill>
+                  <a:srgbClr val="FAEBD3"/>
+                </a:solidFill>
+                <a:latin typeface="리디바탕" panose="020B0600000101010101" pitchFamily="34" charset="-127"/>
+                <a:ea typeface="리디바탕" panose="020B0600000101010101" pitchFamily="34" charset="-127"/>
+              </a:rPr>
+              <a:t>매칭 그룹에서</a:t>
+            </a:r>
+            <a:br>
+              <a:rPr lang="en-US" altLang="ko-KR" sz="800" dirty="0">
+                <a:solidFill>
+                  <a:srgbClr val="FAEBD3"/>
+                </a:solidFill>
+                <a:latin typeface="리디바탕" panose="020B0600000101010101" pitchFamily="34" charset="-127"/>
+                <a:ea typeface="리디바탕" panose="020B0600000101010101" pitchFamily="34" charset="-127"/>
+              </a:rPr>
+            </a:br>
+            <a:r>
+              <a:rPr lang="ko-KR" altLang="en-US" sz="800" dirty="0">
+                <a:solidFill>
+                  <a:srgbClr val="FAEBD3"/>
+                </a:solidFill>
+                <a:latin typeface="리디바탕" panose="020B0600000101010101" pitchFamily="34" charset="-127"/>
+                <a:ea typeface="리디바탕" panose="020B0600000101010101" pitchFamily="34" charset="-127"/>
+              </a:rPr>
+              <a:t>동일 클래스 존재</a:t>
+            </a:r>
+            <a:r>
+              <a:rPr lang="en-US" altLang="ko-KR" sz="800" dirty="0">
+                <a:solidFill>
+                  <a:srgbClr val="FAEBD3"/>
+                </a:solidFill>
+                <a:latin typeface="리디바탕" panose="020B0600000101010101" pitchFamily="34" charset="-127"/>
+                <a:ea typeface="리디바탕" panose="020B0600000101010101" pitchFamily="34" charset="-127"/>
+              </a:rPr>
+              <a:t>?</a:t>
+            </a:r>
+            <a:endParaRPr lang="ko-KR" altLang="en-US" sz="800" dirty="0">
+              <a:solidFill>
+                <a:srgbClr val="FAEBD3"/>
+              </a:solidFill>
+              <a:latin typeface="리디바탕" panose="020B0600000101010101" pitchFamily="34" charset="-127"/>
+              <a:ea typeface="리디바탕" panose="020B0600000101010101" pitchFamily="34" charset="-127"/>
+            </a:endParaRPr>
+          </a:p>
+        </p:txBody>
+      </p:sp>
+      <p:cxnSp>
+        <p:nvCxnSpPr>
+          <p:cNvPr id="68" name="직선 화살표 연결선 67">
+            <a:extLst>
+              <a:ext uri="{FF2B5EF4-FFF2-40B4-BE49-F238E27FC236}">
+                <a16:creationId xmlns:a16="http://schemas.microsoft.com/office/drawing/2014/main" id="{6C6EC074-DE9F-02D3-3AD4-6DEF98BFD9E7}"/>
+              </a:ext>
+            </a:extLst>
+          </p:cNvPr>
+          <p:cNvCxnSpPr>
+            <a:cxnSpLocks/>
+            <a:stCxn id="16" idx="3"/>
+            <a:endCxn id="66" idx="1"/>
+          </p:cNvCxnSpPr>
+          <p:nvPr/>
+        </p:nvCxnSpPr>
+        <p:spPr>
+          <a:xfrm flipV="1">
+            <a:off x="3204621" y="3672259"/>
+            <a:ext cx="294388" cy="588"/>
+          </a:xfrm>
+          <a:prstGeom prst="straightConnector1">
+            <a:avLst/>
+          </a:prstGeom>
+          <a:ln>
+            <a:solidFill>
+              <a:srgbClr val="FAEBD3"/>
+            </a:solidFill>
+            <a:tailEnd type="triangle"/>
+          </a:ln>
+        </p:spPr>
+        <p:style>
+          <a:lnRef idx="1">
+            <a:schemeClr val="accent1"/>
+          </a:lnRef>
+          <a:fillRef idx="0">
+            <a:schemeClr val="accent1"/>
+          </a:fillRef>
+          <a:effectRef idx="0">
+            <a:schemeClr val="accent1"/>
+          </a:effectRef>
+          <a:fontRef idx="minor">
+            <a:schemeClr val="tx1"/>
+          </a:fontRef>
+        </p:style>
+      </p:cxnSp>
+      <p:sp>
+        <p:nvSpPr>
+          <p:cNvPr id="72" name="사각형: 둥근 모서리 71">
+            <a:extLst>
+              <a:ext uri="{FF2B5EF4-FFF2-40B4-BE49-F238E27FC236}">
+                <a16:creationId xmlns:a16="http://schemas.microsoft.com/office/drawing/2014/main" id="{5B7E076B-C2EA-0509-A419-ABC915CE76E9}"/>
+              </a:ext>
+            </a:extLst>
+          </p:cNvPr>
+          <p:cNvSpPr/>
+          <p:nvPr/>
+        </p:nvSpPr>
+        <p:spPr>
+          <a:xfrm>
+            <a:off x="4893868" y="3473973"/>
+            <a:ext cx="1253111" cy="400105"/>
+          </a:xfrm>
+          <a:prstGeom prst="roundRect">
+            <a:avLst>
+              <a:gd name="adj" fmla="val 5304"/>
+            </a:avLst>
+          </a:prstGeom>
+          <a:noFill/>
+          <a:ln>
+            <a:solidFill>
+              <a:srgbClr val="FAEBD3"/>
+            </a:solidFill>
+          </a:ln>
+        </p:spPr>
+        <p:style>
+          <a:lnRef idx="2">
+            <a:schemeClr val="accent1">
+              <a:shade val="50000"/>
+            </a:schemeClr>
+          </a:lnRef>
+          <a:fillRef idx="1">
+            <a:schemeClr val="accent1"/>
+          </a:fillRef>
+          <a:effectRef idx="0">
+            <a:schemeClr val="accent1"/>
+          </a:effectRef>
+          <a:fontRef idx="minor">
+            <a:schemeClr val="lt1"/>
+          </a:fontRef>
+        </p:style>
+        <p:txBody>
+          <a:bodyPr rtlCol="0" anchor="ctr"/>
+          <a:lstStyle/>
+          <a:p>
+            <a:pPr algn="ctr"/>
+            <a:r>
+              <a:rPr lang="ko-KR" altLang="en-US" sz="800" dirty="0">
+                <a:solidFill>
+                  <a:srgbClr val="FAEBD3"/>
+                </a:solidFill>
+                <a:latin typeface="리디바탕" panose="020B0600000101010101" pitchFamily="34" charset="-127"/>
+                <a:ea typeface="리디바탕" panose="020B0600000101010101" pitchFamily="34" charset="-127"/>
+              </a:rPr>
+              <a:t>해당 유저들을 각각</a:t>
+            </a:r>
+            <a:br>
+              <a:rPr lang="en-US" altLang="ko-KR" sz="800" dirty="0">
+                <a:solidFill>
+                  <a:srgbClr val="FAEBD3"/>
+                </a:solidFill>
+                <a:latin typeface="리디바탕" panose="020B0600000101010101" pitchFamily="34" charset="-127"/>
+                <a:ea typeface="리디바탕" panose="020B0600000101010101" pitchFamily="34" charset="-127"/>
+              </a:rPr>
+            </a:br>
+            <a:r>
+              <a:rPr lang="ko-KR" altLang="en-US" sz="800" dirty="0">
+                <a:solidFill>
+                  <a:srgbClr val="FAEBD3"/>
+                </a:solidFill>
+                <a:latin typeface="리디바탕" panose="020B0600000101010101" pitchFamily="34" charset="-127"/>
+                <a:ea typeface="리디바탕" panose="020B0600000101010101" pitchFamily="34" charset="-127"/>
+              </a:rPr>
+              <a:t>다른 파티로 배정</a:t>
+            </a:r>
+          </a:p>
+        </p:txBody>
+      </p:sp>
+      <p:sp>
+        <p:nvSpPr>
+          <p:cNvPr id="73" name="사각형: 둥근 모서리 72">
+            <a:extLst>
+              <a:ext uri="{FF2B5EF4-FFF2-40B4-BE49-F238E27FC236}">
+                <a16:creationId xmlns:a16="http://schemas.microsoft.com/office/drawing/2014/main" id="{6E9B583C-FC74-CCC2-314D-6348503A478B}"/>
+              </a:ext>
+            </a:extLst>
+          </p:cNvPr>
+          <p:cNvSpPr/>
+          <p:nvPr/>
+        </p:nvSpPr>
+        <p:spPr>
+          <a:xfrm>
+            <a:off x="4533768" y="3434162"/>
+            <a:ext cx="400969" cy="237758"/>
+          </a:xfrm>
+          <a:prstGeom prst="roundRect">
+            <a:avLst>
+              <a:gd name="adj" fmla="val 5304"/>
+            </a:avLst>
+          </a:prstGeom>
+          <a:noFill/>
+          <a:ln>
+            <a:noFill/>
+          </a:ln>
+        </p:spPr>
+        <p:style>
+          <a:lnRef idx="2">
+            <a:schemeClr val="accent1">
+              <a:shade val="50000"/>
+            </a:schemeClr>
+          </a:lnRef>
+          <a:fillRef idx="1">
+            <a:schemeClr val="accent1"/>
+          </a:fillRef>
+          <a:effectRef idx="0">
+            <a:schemeClr val="accent1"/>
+          </a:effectRef>
+          <a:fontRef idx="minor">
+            <a:schemeClr val="lt1"/>
+          </a:fontRef>
+        </p:style>
+        <p:txBody>
+          <a:bodyPr rtlCol="0" anchor="ctr"/>
+          <a:lstStyle/>
+          <a:p>
+            <a:r>
+              <a:rPr lang="en-US" altLang="ko-KR" sz="800" dirty="0">
+                <a:solidFill>
+                  <a:srgbClr val="FAEBD3"/>
+                </a:solidFill>
+                <a:latin typeface="리디바탕" panose="020B0600000101010101" pitchFamily="34" charset="-127"/>
+                <a:ea typeface="리디바탕" panose="020B0600000101010101" pitchFamily="34" charset="-127"/>
+              </a:rPr>
+              <a:t>YES</a:t>
+            </a:r>
+            <a:endParaRPr lang="ko-KR" altLang="en-US" sz="800" dirty="0">
+              <a:solidFill>
+                <a:srgbClr val="FAEBD3"/>
+              </a:solidFill>
+              <a:latin typeface="리디바탕" panose="020B0600000101010101" pitchFamily="34" charset="-127"/>
+              <a:ea typeface="리디바탕" panose="020B0600000101010101" pitchFamily="34" charset="-127"/>
+            </a:endParaRPr>
+          </a:p>
+        </p:txBody>
+      </p:sp>
+      <p:cxnSp>
+        <p:nvCxnSpPr>
+          <p:cNvPr id="74" name="직선 화살표 연결선 73">
+            <a:extLst>
+              <a:ext uri="{FF2B5EF4-FFF2-40B4-BE49-F238E27FC236}">
+                <a16:creationId xmlns:a16="http://schemas.microsoft.com/office/drawing/2014/main" id="{BC6EB453-4D4E-C582-E5BB-EC1972FDA7DC}"/>
+              </a:ext>
+            </a:extLst>
+          </p:cNvPr>
+          <p:cNvCxnSpPr>
+            <a:cxnSpLocks/>
+            <a:stCxn id="66" idx="3"/>
+            <a:endCxn id="72" idx="1"/>
+          </p:cNvCxnSpPr>
+          <p:nvPr/>
+        </p:nvCxnSpPr>
+        <p:spPr>
+          <a:xfrm>
+            <a:off x="4600037" y="3672259"/>
+            <a:ext cx="293831" cy="1767"/>
+          </a:xfrm>
+          <a:prstGeom prst="straightConnector1">
+            <a:avLst/>
+          </a:prstGeom>
+          <a:ln>
+            <a:solidFill>
+              <a:srgbClr val="FAEBD3"/>
+            </a:solidFill>
+            <a:tailEnd type="triangle"/>
+          </a:ln>
+        </p:spPr>
+        <p:style>
+          <a:lnRef idx="1">
+            <a:schemeClr val="accent1"/>
+          </a:lnRef>
+          <a:fillRef idx="0">
+            <a:schemeClr val="accent1"/>
+          </a:fillRef>
+          <a:effectRef idx="0">
+            <a:schemeClr val="accent1"/>
+          </a:effectRef>
+          <a:fontRef idx="minor">
+            <a:schemeClr val="tx1"/>
+          </a:fontRef>
+        </p:style>
+      </p:cxnSp>
+      <p:cxnSp>
+        <p:nvCxnSpPr>
+          <p:cNvPr id="78" name="연결선: 꺾임 77">
+            <a:extLst>
+              <a:ext uri="{FF2B5EF4-FFF2-40B4-BE49-F238E27FC236}">
+                <a16:creationId xmlns:a16="http://schemas.microsoft.com/office/drawing/2014/main" id="{7E251205-E8A0-A0F3-FC27-3AB9421CF437}"/>
+              </a:ext>
+            </a:extLst>
+          </p:cNvPr>
+          <p:cNvCxnSpPr>
+            <a:cxnSpLocks/>
+            <a:stCxn id="72" idx="3"/>
+            <a:endCxn id="66" idx="0"/>
+          </p:cNvCxnSpPr>
+          <p:nvPr/>
+        </p:nvCxnSpPr>
+        <p:spPr>
+          <a:xfrm flipH="1" flipV="1">
+            <a:off x="4049523" y="3317239"/>
+            <a:ext cx="2097456" cy="356787"/>
+          </a:xfrm>
+          <a:prstGeom prst="bentConnector4">
+            <a:avLst>
+              <a:gd name="adj1" fmla="val -10899"/>
+              <a:gd name="adj2" fmla="val 164072"/>
+            </a:avLst>
+          </a:prstGeom>
+          <a:ln>
+            <a:solidFill>
+              <a:srgbClr val="FAEBD3"/>
+            </a:solidFill>
+            <a:tailEnd type="triangle"/>
+          </a:ln>
+        </p:spPr>
+        <p:style>
+          <a:lnRef idx="1">
+            <a:schemeClr val="accent1"/>
+          </a:lnRef>
+          <a:fillRef idx="0">
+            <a:schemeClr val="accent1"/>
+          </a:fillRef>
+          <a:effectRef idx="0">
+            <a:schemeClr val="accent1"/>
+          </a:effectRef>
+          <a:fontRef idx="minor">
+            <a:schemeClr val="tx1"/>
+          </a:fontRef>
+        </p:style>
+      </p:cxnSp>
+      <p:sp>
+        <p:nvSpPr>
+          <p:cNvPr id="81" name="사각형: 둥근 모서리 80">
+            <a:extLst>
+              <a:ext uri="{FF2B5EF4-FFF2-40B4-BE49-F238E27FC236}">
+                <a16:creationId xmlns:a16="http://schemas.microsoft.com/office/drawing/2014/main" id="{CFF47B47-7DF7-882A-7CE5-EC2FDA227448}"/>
+              </a:ext>
+            </a:extLst>
+          </p:cNvPr>
+          <p:cNvSpPr/>
+          <p:nvPr/>
+        </p:nvSpPr>
+        <p:spPr>
+          <a:xfrm>
+            <a:off x="3533278" y="3979979"/>
+            <a:ext cx="695518" cy="237758"/>
+          </a:xfrm>
+          <a:prstGeom prst="roundRect">
+            <a:avLst>
+              <a:gd name="adj" fmla="val 5304"/>
+            </a:avLst>
+          </a:prstGeom>
+          <a:noFill/>
+          <a:ln>
+            <a:noFill/>
+          </a:ln>
+        </p:spPr>
+        <p:style>
+          <a:lnRef idx="2">
+            <a:schemeClr val="accent1">
+              <a:shade val="50000"/>
+            </a:schemeClr>
+          </a:lnRef>
+          <a:fillRef idx="1">
+            <a:schemeClr val="accent1"/>
+          </a:fillRef>
+          <a:effectRef idx="0">
+            <a:schemeClr val="accent1"/>
+          </a:effectRef>
+          <a:fontRef idx="minor">
+            <a:schemeClr val="lt1"/>
+          </a:fontRef>
+        </p:style>
+        <p:txBody>
+          <a:bodyPr rtlCol="0" anchor="ctr"/>
+          <a:lstStyle/>
+          <a:p>
+            <a:pPr algn="ctr"/>
+            <a:r>
+              <a:rPr lang="en-US" altLang="ko-KR" sz="800" dirty="0">
+                <a:solidFill>
+                  <a:srgbClr val="FAEBD3"/>
+                </a:solidFill>
+                <a:latin typeface="리디바탕" panose="020B0600000101010101" pitchFamily="34" charset="-127"/>
+                <a:ea typeface="리디바탕" panose="020B0600000101010101" pitchFamily="34" charset="-127"/>
+              </a:rPr>
+              <a:t>NO</a:t>
+            </a:r>
+            <a:endParaRPr lang="ko-KR" altLang="en-US" sz="800" dirty="0">
+              <a:solidFill>
+                <a:srgbClr val="FAEBD3"/>
+              </a:solidFill>
+              <a:latin typeface="리디바탕" panose="020B0600000101010101" pitchFamily="34" charset="-127"/>
+              <a:ea typeface="리디바탕" panose="020B0600000101010101" pitchFamily="34" charset="-127"/>
+            </a:endParaRPr>
+          </a:p>
+        </p:txBody>
+      </p:sp>
+      <p:sp>
+        <p:nvSpPr>
+          <p:cNvPr id="82" name="사각형: 둥근 모서리 81">
+            <a:extLst>
+              <a:ext uri="{FF2B5EF4-FFF2-40B4-BE49-F238E27FC236}">
+                <a16:creationId xmlns:a16="http://schemas.microsoft.com/office/drawing/2014/main" id="{EDAC85DE-B81C-5189-A4DF-82E45DF338CC}"/>
+              </a:ext>
+            </a:extLst>
+          </p:cNvPr>
+          <p:cNvSpPr/>
+          <p:nvPr/>
+        </p:nvSpPr>
+        <p:spPr>
+          <a:xfrm>
+            <a:off x="3499008" y="4211690"/>
+            <a:ext cx="1296829" cy="400105"/>
+          </a:xfrm>
+          <a:prstGeom prst="roundRect">
+            <a:avLst>
+              <a:gd name="adj" fmla="val 5304"/>
+            </a:avLst>
+          </a:prstGeom>
+          <a:noFill/>
+          <a:ln>
+            <a:solidFill>
+              <a:srgbClr val="FAEBD3"/>
+            </a:solidFill>
+          </a:ln>
+        </p:spPr>
+        <p:style>
+          <a:lnRef idx="2">
+            <a:schemeClr val="accent1">
+              <a:shade val="50000"/>
+            </a:schemeClr>
+          </a:lnRef>
+          <a:fillRef idx="1">
+            <a:schemeClr val="accent1"/>
+          </a:fillRef>
+          <a:effectRef idx="0">
+            <a:schemeClr val="accent1"/>
+          </a:effectRef>
+          <a:fontRef idx="minor">
+            <a:schemeClr val="lt1"/>
+          </a:fontRef>
+        </p:style>
+        <p:txBody>
+          <a:bodyPr rtlCol="0" anchor="ctr"/>
+          <a:lstStyle/>
+          <a:p>
+            <a:pPr algn="ctr"/>
+            <a:r>
+              <a:rPr lang="ko-KR" altLang="en-US" sz="1000" dirty="0">
+                <a:solidFill>
+                  <a:srgbClr val="FAEBD3"/>
+                </a:solidFill>
+                <a:latin typeface="리디바탕" panose="020B0600000101010101" pitchFamily="34" charset="-127"/>
+                <a:ea typeface="리디바탕" panose="020B0600000101010101" pitchFamily="34" charset="-127"/>
+              </a:rPr>
+              <a:t>파티 배정 되지 않은 딜러 </a:t>
+            </a:r>
+            <a:r>
+              <a:rPr lang="en-US" altLang="ko-KR" sz="1000" dirty="0">
+                <a:solidFill>
+                  <a:srgbClr val="FAEBD3"/>
+                </a:solidFill>
+                <a:latin typeface="리디바탕" panose="020B0600000101010101" pitchFamily="34" charset="-127"/>
+                <a:ea typeface="리디바탕" panose="020B0600000101010101" pitchFamily="34" charset="-127"/>
+              </a:rPr>
+              <a:t>1</a:t>
+            </a:r>
+            <a:r>
+              <a:rPr lang="ko-KR" altLang="en-US" sz="1000" dirty="0">
+                <a:solidFill>
+                  <a:srgbClr val="FAEBD3"/>
+                </a:solidFill>
+                <a:latin typeface="리디바탕" panose="020B0600000101010101" pitchFamily="34" charset="-127"/>
+                <a:ea typeface="리디바탕" panose="020B0600000101010101" pitchFamily="34" charset="-127"/>
+              </a:rPr>
+              <a:t>명 랜덤 선택</a:t>
+            </a:r>
+          </a:p>
+        </p:txBody>
+      </p:sp>
+      <p:cxnSp>
+        <p:nvCxnSpPr>
+          <p:cNvPr id="83" name="직선 화살표 연결선 82">
+            <a:extLst>
+              <a:ext uri="{FF2B5EF4-FFF2-40B4-BE49-F238E27FC236}">
+                <a16:creationId xmlns:a16="http://schemas.microsoft.com/office/drawing/2014/main" id="{284AD9CA-C073-0473-156F-BC38EEBF48CD}"/>
+              </a:ext>
+            </a:extLst>
+          </p:cNvPr>
+          <p:cNvCxnSpPr>
+            <a:cxnSpLocks/>
+            <a:stCxn id="66" idx="2"/>
+            <a:endCxn id="82" idx="0"/>
+          </p:cNvCxnSpPr>
+          <p:nvPr/>
+        </p:nvCxnSpPr>
+        <p:spPr>
+          <a:xfrm>
+            <a:off x="4049523" y="4027278"/>
+            <a:ext cx="97900" cy="184412"/>
+          </a:xfrm>
+          <a:prstGeom prst="straightConnector1">
+            <a:avLst/>
+          </a:prstGeom>
+          <a:ln>
+            <a:solidFill>
+              <a:srgbClr val="FAEBD3"/>
+            </a:solidFill>
+            <a:tailEnd type="triangle"/>
+          </a:ln>
+        </p:spPr>
+        <p:style>
+          <a:lnRef idx="1">
+            <a:schemeClr val="accent1"/>
+          </a:lnRef>
+          <a:fillRef idx="0">
+            <a:schemeClr val="accent1"/>
+          </a:fillRef>
+          <a:effectRef idx="0">
+            <a:schemeClr val="accent1"/>
+          </a:effectRef>
+          <a:fontRef idx="minor">
+            <a:schemeClr val="tx1"/>
+          </a:fontRef>
+        </p:style>
+      </p:cxnSp>
+      <p:sp>
+        <p:nvSpPr>
+          <p:cNvPr id="89" name="다이아몬드 88">
+            <a:extLst>
+              <a:ext uri="{FF2B5EF4-FFF2-40B4-BE49-F238E27FC236}">
+                <a16:creationId xmlns:a16="http://schemas.microsoft.com/office/drawing/2014/main" id="{8D9BB327-7A5D-D70F-8F55-7155D289AD6D}"/>
+              </a:ext>
+            </a:extLst>
+          </p:cNvPr>
+          <p:cNvSpPr/>
+          <p:nvPr/>
+        </p:nvSpPr>
+        <p:spPr>
+          <a:xfrm>
+            <a:off x="3499009" y="4794808"/>
+            <a:ext cx="1101028" cy="710039"/>
+          </a:xfrm>
+          <a:prstGeom prst="diamond">
+            <a:avLst/>
+          </a:prstGeom>
+          <a:noFill/>
+          <a:ln>
+            <a:solidFill>
+              <a:srgbClr val="FAEBD3"/>
+            </a:solidFill>
+          </a:ln>
+        </p:spPr>
+        <p:style>
+          <a:lnRef idx="2">
+            <a:schemeClr val="accent1">
+              <a:shade val="50000"/>
+            </a:schemeClr>
+          </a:lnRef>
+          <a:fillRef idx="1">
+            <a:schemeClr val="accent1"/>
+          </a:fillRef>
+          <a:effectRef idx="0">
+            <a:schemeClr val="accent1"/>
+          </a:effectRef>
+          <a:fontRef idx="minor">
+            <a:schemeClr val="lt1"/>
+          </a:fontRef>
+        </p:style>
+        <p:txBody>
+          <a:bodyPr rtlCol="0" anchor="ctr"/>
+          <a:lstStyle/>
+          <a:p>
+            <a:pPr algn="ctr"/>
+            <a:endParaRPr lang="ko-KR" altLang="en-US" sz="1000" dirty="0">
+              <a:solidFill>
+                <a:srgbClr val="FAEBD3"/>
+              </a:solidFill>
+              <a:latin typeface="리디바탕" panose="020B0600000101010101" pitchFamily="34" charset="-127"/>
+              <a:ea typeface="리디바탕" panose="020B0600000101010101" pitchFamily="34" charset="-127"/>
+            </a:endParaRPr>
+          </a:p>
+        </p:txBody>
+      </p:sp>
+      <p:sp>
+        <p:nvSpPr>
+          <p:cNvPr id="90" name="사각형: 둥근 모서리 89">
+            <a:extLst>
+              <a:ext uri="{FF2B5EF4-FFF2-40B4-BE49-F238E27FC236}">
+                <a16:creationId xmlns:a16="http://schemas.microsoft.com/office/drawing/2014/main" id="{289AE2FF-7D2D-4355-69ED-27E07F54D69F}"/>
+              </a:ext>
+            </a:extLst>
+          </p:cNvPr>
+          <p:cNvSpPr/>
+          <p:nvPr/>
+        </p:nvSpPr>
+        <p:spPr>
+          <a:xfrm>
+            <a:off x="3407702" y="4951936"/>
+            <a:ext cx="1278323" cy="400105"/>
+          </a:xfrm>
+          <a:prstGeom prst="roundRect">
+            <a:avLst>
+              <a:gd name="adj" fmla="val 5304"/>
+            </a:avLst>
+          </a:prstGeom>
+          <a:noFill/>
+          <a:ln>
+            <a:noFill/>
+          </a:ln>
+        </p:spPr>
+        <p:style>
+          <a:lnRef idx="2">
+            <a:schemeClr val="accent1">
+              <a:shade val="50000"/>
+            </a:schemeClr>
+          </a:lnRef>
+          <a:fillRef idx="1">
+            <a:schemeClr val="accent1"/>
+          </a:fillRef>
+          <a:effectRef idx="0">
+            <a:schemeClr val="accent1"/>
+          </a:effectRef>
+          <a:fontRef idx="minor">
+            <a:schemeClr val="lt1"/>
+          </a:fontRef>
+        </p:style>
+        <p:txBody>
+          <a:bodyPr rtlCol="0" anchor="ctr"/>
+          <a:lstStyle/>
+          <a:p>
+            <a:pPr algn="ctr"/>
+            <a:r>
+              <a:rPr lang="en-US" altLang="ko-KR" sz="800" dirty="0">
+                <a:solidFill>
+                  <a:srgbClr val="FAEBD3"/>
+                </a:solidFill>
+                <a:latin typeface="리디바탕" panose="020B0600000101010101" pitchFamily="34" charset="-127"/>
+                <a:ea typeface="리디바탕" panose="020B0600000101010101" pitchFamily="34" charset="-127"/>
+              </a:rPr>
+              <a:t>1</a:t>
+            </a:r>
+            <a:r>
+              <a:rPr lang="ko-KR" altLang="en-US" sz="800" dirty="0">
+                <a:solidFill>
+                  <a:srgbClr val="FAEBD3"/>
+                </a:solidFill>
+                <a:latin typeface="리디바탕" panose="020B0600000101010101" pitchFamily="34" charset="-127"/>
+                <a:ea typeface="리디바탕" panose="020B0600000101010101" pitchFamily="34" charset="-127"/>
+              </a:rPr>
+              <a:t>파티에</a:t>
+            </a:r>
+            <a:br>
+              <a:rPr lang="en-US" altLang="ko-KR" sz="800" dirty="0">
+                <a:solidFill>
+                  <a:srgbClr val="FAEBD3"/>
+                </a:solidFill>
+                <a:latin typeface="리디바탕" panose="020B0600000101010101" pitchFamily="34" charset="-127"/>
+                <a:ea typeface="리디바탕" panose="020B0600000101010101" pitchFamily="34" charset="-127"/>
+              </a:rPr>
+            </a:br>
+            <a:r>
+              <a:rPr lang="ko-KR" altLang="en-US" sz="800" dirty="0">
+                <a:solidFill>
+                  <a:srgbClr val="FAEBD3"/>
+                </a:solidFill>
+                <a:latin typeface="리디바탕" panose="020B0600000101010101" pitchFamily="34" charset="-127"/>
+                <a:ea typeface="리디바탕" panose="020B0600000101010101" pitchFamily="34" charset="-127"/>
+              </a:rPr>
+              <a:t>딜러 </a:t>
+            </a:r>
+            <a:r>
+              <a:rPr lang="en-US" altLang="ko-KR" sz="800" dirty="0">
+                <a:solidFill>
+                  <a:srgbClr val="FAEBD3"/>
+                </a:solidFill>
+                <a:latin typeface="리디바탕" panose="020B0600000101010101" pitchFamily="34" charset="-127"/>
+                <a:ea typeface="리디바탕" panose="020B0600000101010101" pitchFamily="34" charset="-127"/>
+              </a:rPr>
+              <a:t>3</a:t>
+            </a:r>
+            <a:r>
+              <a:rPr lang="ko-KR" altLang="en-US" sz="800" dirty="0">
+                <a:solidFill>
+                  <a:srgbClr val="FAEBD3"/>
+                </a:solidFill>
+                <a:latin typeface="리디바탕" panose="020B0600000101010101" pitchFamily="34" charset="-127"/>
+                <a:ea typeface="리디바탕" panose="020B0600000101010101" pitchFamily="34" charset="-127"/>
+              </a:rPr>
+              <a:t>명</a:t>
+            </a:r>
+            <a:r>
+              <a:rPr lang="en-US" altLang="ko-KR" sz="800" dirty="0">
+                <a:solidFill>
+                  <a:srgbClr val="FAEBD3"/>
+                </a:solidFill>
+                <a:latin typeface="리디바탕" panose="020B0600000101010101" pitchFamily="34" charset="-127"/>
+                <a:ea typeface="리디바탕" panose="020B0600000101010101" pitchFamily="34" charset="-127"/>
+              </a:rPr>
+              <a:t>?</a:t>
+            </a:r>
+            <a:endParaRPr lang="ko-KR" altLang="en-US" sz="800" dirty="0">
+              <a:solidFill>
+                <a:srgbClr val="FAEBD3"/>
+              </a:solidFill>
+              <a:latin typeface="리디바탕" panose="020B0600000101010101" pitchFamily="34" charset="-127"/>
+              <a:ea typeface="리디바탕" panose="020B0600000101010101" pitchFamily="34" charset="-127"/>
+            </a:endParaRPr>
+          </a:p>
+        </p:txBody>
+      </p:sp>
+      <p:cxnSp>
+        <p:nvCxnSpPr>
+          <p:cNvPr id="91" name="직선 화살표 연결선 90">
+            <a:extLst>
+              <a:ext uri="{FF2B5EF4-FFF2-40B4-BE49-F238E27FC236}">
+                <a16:creationId xmlns:a16="http://schemas.microsoft.com/office/drawing/2014/main" id="{471FD621-CE53-8127-3790-D1357618B458}"/>
+              </a:ext>
+            </a:extLst>
+          </p:cNvPr>
+          <p:cNvCxnSpPr>
+            <a:cxnSpLocks/>
+            <a:stCxn id="82" idx="2"/>
+            <a:endCxn id="89" idx="0"/>
+          </p:cNvCxnSpPr>
+          <p:nvPr/>
+        </p:nvCxnSpPr>
+        <p:spPr>
+          <a:xfrm flipH="1">
+            <a:off x="4049523" y="4611795"/>
+            <a:ext cx="97900" cy="183013"/>
+          </a:xfrm>
+          <a:prstGeom prst="straightConnector1">
+            <a:avLst/>
+          </a:prstGeom>
+          <a:ln>
+            <a:solidFill>
+              <a:srgbClr val="FAEBD3"/>
+            </a:solidFill>
+            <a:tailEnd type="triangle"/>
+          </a:ln>
+        </p:spPr>
+        <p:style>
+          <a:lnRef idx="1">
+            <a:schemeClr val="accent1"/>
+          </a:lnRef>
+          <a:fillRef idx="0">
+            <a:schemeClr val="accent1"/>
+          </a:fillRef>
+          <a:effectRef idx="0">
+            <a:schemeClr val="accent1"/>
+          </a:effectRef>
+          <a:fontRef idx="minor">
+            <a:schemeClr val="tx1"/>
+          </a:fontRef>
+        </p:style>
+      </p:cxnSp>
+      <p:sp>
+        <p:nvSpPr>
+          <p:cNvPr id="94" name="사각형: 둥근 모서리 93">
+            <a:extLst>
+              <a:ext uri="{FF2B5EF4-FFF2-40B4-BE49-F238E27FC236}">
+                <a16:creationId xmlns:a16="http://schemas.microsoft.com/office/drawing/2014/main" id="{B4ABCE7F-39AE-6B6B-C246-0F3888D9BB68}"/>
+              </a:ext>
+            </a:extLst>
+          </p:cNvPr>
+          <p:cNvSpPr/>
+          <p:nvPr/>
+        </p:nvSpPr>
+        <p:spPr>
+          <a:xfrm>
+            <a:off x="4536504" y="4937209"/>
+            <a:ext cx="400969" cy="237758"/>
+          </a:xfrm>
+          <a:prstGeom prst="roundRect">
+            <a:avLst>
+              <a:gd name="adj" fmla="val 5304"/>
+            </a:avLst>
+          </a:prstGeom>
+          <a:noFill/>
+          <a:ln>
+            <a:noFill/>
+          </a:ln>
+        </p:spPr>
+        <p:style>
+          <a:lnRef idx="2">
+            <a:schemeClr val="accent1">
+              <a:shade val="50000"/>
+            </a:schemeClr>
+          </a:lnRef>
+          <a:fillRef idx="1">
+            <a:schemeClr val="accent1"/>
+          </a:fillRef>
+          <a:effectRef idx="0">
+            <a:schemeClr val="accent1"/>
+          </a:effectRef>
+          <a:fontRef idx="minor">
+            <a:schemeClr val="lt1"/>
+          </a:fontRef>
+        </p:style>
+        <p:txBody>
+          <a:bodyPr rtlCol="0" anchor="ctr"/>
+          <a:lstStyle/>
+          <a:p>
+            <a:r>
+              <a:rPr lang="en-US" altLang="ko-KR" sz="800" dirty="0">
+                <a:solidFill>
+                  <a:srgbClr val="FAEBD3"/>
+                </a:solidFill>
+                <a:latin typeface="리디바탕" panose="020B0600000101010101" pitchFamily="34" charset="-127"/>
+                <a:ea typeface="리디바탕" panose="020B0600000101010101" pitchFamily="34" charset="-127"/>
+              </a:rPr>
+              <a:t>YES</a:t>
+            </a:r>
+            <a:endParaRPr lang="ko-KR" altLang="en-US" sz="800" dirty="0">
+              <a:solidFill>
+                <a:srgbClr val="FAEBD3"/>
+              </a:solidFill>
+              <a:latin typeface="리디바탕" panose="020B0600000101010101" pitchFamily="34" charset="-127"/>
+              <a:ea typeface="리디바탕" panose="020B0600000101010101" pitchFamily="34" charset="-127"/>
+            </a:endParaRPr>
+          </a:p>
+        </p:txBody>
+      </p:sp>
+      <p:sp>
+        <p:nvSpPr>
+          <p:cNvPr id="95" name="사각형: 둥근 모서리 94">
+            <a:extLst>
+              <a:ext uri="{FF2B5EF4-FFF2-40B4-BE49-F238E27FC236}">
+                <a16:creationId xmlns:a16="http://schemas.microsoft.com/office/drawing/2014/main" id="{DEBBD95C-96E3-8DB4-317C-638E188C29D0}"/>
+              </a:ext>
+            </a:extLst>
+          </p:cNvPr>
+          <p:cNvSpPr/>
+          <p:nvPr/>
+        </p:nvSpPr>
+        <p:spPr>
+          <a:xfrm>
+            <a:off x="4893867" y="4949728"/>
+            <a:ext cx="1253111" cy="400105"/>
+          </a:xfrm>
+          <a:prstGeom prst="roundRect">
+            <a:avLst>
+              <a:gd name="adj" fmla="val 5304"/>
+            </a:avLst>
+          </a:prstGeom>
+          <a:noFill/>
+          <a:ln>
+            <a:solidFill>
+              <a:srgbClr val="FAEBD3"/>
+            </a:solidFill>
+          </a:ln>
+        </p:spPr>
+        <p:style>
+          <a:lnRef idx="2">
+            <a:schemeClr val="accent1">
+              <a:shade val="50000"/>
+            </a:schemeClr>
+          </a:lnRef>
+          <a:fillRef idx="1">
+            <a:schemeClr val="accent1"/>
+          </a:fillRef>
+          <a:effectRef idx="0">
+            <a:schemeClr val="accent1"/>
+          </a:effectRef>
+          <a:fontRef idx="minor">
+            <a:schemeClr val="lt1"/>
+          </a:fontRef>
+        </p:style>
+        <p:txBody>
+          <a:bodyPr rtlCol="0" anchor="ctr"/>
+          <a:lstStyle/>
+          <a:p>
+            <a:pPr algn="ctr"/>
+            <a:r>
+              <a:rPr lang="ko-KR" altLang="en-US" sz="800" dirty="0">
+                <a:solidFill>
+                  <a:srgbClr val="FAEBD3"/>
+                </a:solidFill>
+                <a:latin typeface="리디바탕" panose="020B0600000101010101" pitchFamily="34" charset="-127"/>
+                <a:ea typeface="리디바탕" panose="020B0600000101010101" pitchFamily="34" charset="-127"/>
+              </a:rPr>
+              <a:t>해당 딜러</a:t>
+            </a:r>
+            <a:br>
+              <a:rPr lang="en-US" altLang="ko-KR" sz="800" dirty="0">
+                <a:solidFill>
+                  <a:srgbClr val="FAEBD3"/>
+                </a:solidFill>
+                <a:latin typeface="리디바탕" panose="020B0600000101010101" pitchFamily="34" charset="-127"/>
+                <a:ea typeface="리디바탕" panose="020B0600000101010101" pitchFamily="34" charset="-127"/>
+              </a:rPr>
+            </a:br>
+            <a:r>
+              <a:rPr lang="en-US" altLang="ko-KR" sz="800" dirty="0">
+                <a:solidFill>
+                  <a:srgbClr val="FAEBD3"/>
+                </a:solidFill>
+                <a:latin typeface="리디바탕" panose="020B0600000101010101" pitchFamily="34" charset="-127"/>
+                <a:ea typeface="리디바탕" panose="020B0600000101010101" pitchFamily="34" charset="-127"/>
+              </a:rPr>
+              <a:t>2</a:t>
+            </a:r>
+            <a:r>
+              <a:rPr lang="ko-KR" altLang="en-US" sz="800" dirty="0">
+                <a:solidFill>
+                  <a:srgbClr val="FAEBD3"/>
+                </a:solidFill>
+                <a:latin typeface="리디바탕" panose="020B0600000101010101" pitchFamily="34" charset="-127"/>
+                <a:ea typeface="리디바탕" panose="020B0600000101010101" pitchFamily="34" charset="-127"/>
+              </a:rPr>
+              <a:t>파티로 배정</a:t>
+            </a:r>
+          </a:p>
+        </p:txBody>
+      </p:sp>
+      <p:cxnSp>
+        <p:nvCxnSpPr>
+          <p:cNvPr id="96" name="직선 화살표 연결선 95">
+            <a:extLst>
+              <a:ext uri="{FF2B5EF4-FFF2-40B4-BE49-F238E27FC236}">
+                <a16:creationId xmlns:a16="http://schemas.microsoft.com/office/drawing/2014/main" id="{1581AC64-A9EA-2257-5F40-28AD989AC5EB}"/>
+              </a:ext>
+            </a:extLst>
+          </p:cNvPr>
+          <p:cNvCxnSpPr>
+            <a:cxnSpLocks/>
+            <a:stCxn id="89" idx="3"/>
+            <a:endCxn id="95" idx="1"/>
+          </p:cNvCxnSpPr>
+          <p:nvPr/>
+        </p:nvCxnSpPr>
+        <p:spPr>
+          <a:xfrm flipV="1">
+            <a:off x="4600037" y="5149781"/>
+            <a:ext cx="293830" cy="47"/>
+          </a:xfrm>
+          <a:prstGeom prst="straightConnector1">
+            <a:avLst/>
+          </a:prstGeom>
+          <a:ln>
+            <a:solidFill>
+              <a:srgbClr val="FAEBD3"/>
+            </a:solidFill>
+            <a:tailEnd type="triangle"/>
+          </a:ln>
+        </p:spPr>
+        <p:style>
+          <a:lnRef idx="1">
+            <a:schemeClr val="accent1"/>
+          </a:lnRef>
+          <a:fillRef idx="0">
+            <a:schemeClr val="accent1"/>
+          </a:fillRef>
+          <a:effectRef idx="0">
+            <a:schemeClr val="accent1"/>
+          </a:effectRef>
+          <a:fontRef idx="minor">
+            <a:schemeClr val="tx1"/>
+          </a:fontRef>
+        </p:style>
+      </p:cxnSp>
+      <p:sp>
+        <p:nvSpPr>
+          <p:cNvPr id="105" name="사각형: 둥근 모서리 104">
+            <a:extLst>
+              <a:ext uri="{FF2B5EF4-FFF2-40B4-BE49-F238E27FC236}">
+                <a16:creationId xmlns:a16="http://schemas.microsoft.com/office/drawing/2014/main" id="{8A058426-4092-A1DB-53A6-5DC8FF3B9161}"/>
+              </a:ext>
+            </a:extLst>
+          </p:cNvPr>
+          <p:cNvSpPr/>
+          <p:nvPr/>
+        </p:nvSpPr>
+        <p:spPr>
+          <a:xfrm>
+            <a:off x="6401181" y="4949728"/>
+            <a:ext cx="1253111" cy="400105"/>
+          </a:xfrm>
+          <a:prstGeom prst="roundRect">
+            <a:avLst>
+              <a:gd name="adj" fmla="val 5304"/>
+            </a:avLst>
+          </a:prstGeom>
+          <a:noFill/>
+          <a:ln>
+            <a:solidFill>
+              <a:srgbClr val="FAEBD3"/>
+            </a:solidFill>
+          </a:ln>
+        </p:spPr>
+        <p:style>
+          <a:lnRef idx="2">
+            <a:schemeClr val="accent1">
+              <a:shade val="50000"/>
+            </a:schemeClr>
+          </a:lnRef>
+          <a:fillRef idx="1">
+            <a:schemeClr val="accent1"/>
+          </a:fillRef>
+          <a:effectRef idx="0">
+            <a:schemeClr val="accent1"/>
+          </a:effectRef>
+          <a:fontRef idx="minor">
+            <a:schemeClr val="lt1"/>
+          </a:fontRef>
+        </p:style>
+        <p:txBody>
+          <a:bodyPr rtlCol="0" anchor="ctr"/>
+          <a:lstStyle/>
+          <a:p>
+            <a:pPr algn="ctr"/>
+            <a:r>
+              <a:rPr lang="ko-KR" altLang="en-US" sz="800" dirty="0">
+                <a:solidFill>
+                  <a:srgbClr val="FAEBD3"/>
+                </a:solidFill>
+                <a:latin typeface="리디바탕" panose="020B0600000101010101" pitchFamily="34" charset="-127"/>
+                <a:ea typeface="리디바탕" panose="020B0600000101010101" pitchFamily="34" charset="-127"/>
+              </a:rPr>
+              <a:t>파티 배정 되지 않은</a:t>
+            </a:r>
+            <a:br>
+              <a:rPr lang="en-US" altLang="ko-KR" sz="800" dirty="0">
+                <a:solidFill>
+                  <a:srgbClr val="FAEBD3"/>
+                </a:solidFill>
+                <a:latin typeface="리디바탕" panose="020B0600000101010101" pitchFamily="34" charset="-127"/>
+                <a:ea typeface="리디바탕" panose="020B0600000101010101" pitchFamily="34" charset="-127"/>
+              </a:rPr>
+            </a:br>
+            <a:r>
+              <a:rPr lang="ko-KR" altLang="en-US" sz="800" dirty="0">
+                <a:solidFill>
+                  <a:srgbClr val="FAEBD3"/>
+                </a:solidFill>
+                <a:latin typeface="리디바탕" panose="020B0600000101010101" pitchFamily="34" charset="-127"/>
+                <a:ea typeface="리디바탕" panose="020B0600000101010101" pitchFamily="34" charset="-127"/>
+              </a:rPr>
+              <a:t>모든 딜러 </a:t>
+            </a:r>
+            <a:r>
+              <a:rPr lang="en-US" altLang="ko-KR" sz="800" dirty="0">
+                <a:solidFill>
+                  <a:srgbClr val="FAEBD3"/>
+                </a:solidFill>
+                <a:latin typeface="리디바탕" panose="020B0600000101010101" pitchFamily="34" charset="-127"/>
+                <a:ea typeface="리디바탕" panose="020B0600000101010101" pitchFamily="34" charset="-127"/>
+              </a:rPr>
+              <a:t>2</a:t>
+            </a:r>
+            <a:r>
+              <a:rPr lang="ko-KR" altLang="en-US" sz="800" dirty="0">
+                <a:solidFill>
+                  <a:srgbClr val="FAEBD3"/>
+                </a:solidFill>
+                <a:latin typeface="리디바탕" panose="020B0600000101010101" pitchFamily="34" charset="-127"/>
+                <a:ea typeface="리디바탕" panose="020B0600000101010101" pitchFamily="34" charset="-127"/>
+              </a:rPr>
+              <a:t>파티로 배정</a:t>
+            </a:r>
+          </a:p>
+        </p:txBody>
+      </p:sp>
+      <p:cxnSp>
+        <p:nvCxnSpPr>
+          <p:cNvPr id="106" name="직선 화살표 연결선 105">
+            <a:extLst>
+              <a:ext uri="{FF2B5EF4-FFF2-40B4-BE49-F238E27FC236}">
+                <a16:creationId xmlns:a16="http://schemas.microsoft.com/office/drawing/2014/main" id="{5E52E09F-BA81-942B-9B23-50773214D61D}"/>
+              </a:ext>
+            </a:extLst>
+          </p:cNvPr>
+          <p:cNvCxnSpPr>
+            <a:cxnSpLocks/>
+            <a:stCxn id="95" idx="3"/>
+            <a:endCxn id="105" idx="1"/>
+          </p:cNvCxnSpPr>
+          <p:nvPr/>
+        </p:nvCxnSpPr>
+        <p:spPr>
+          <a:xfrm>
+            <a:off x="6146978" y="5149781"/>
+            <a:ext cx="254203" cy="0"/>
+          </a:xfrm>
+          <a:prstGeom prst="straightConnector1">
+            <a:avLst/>
+          </a:prstGeom>
+          <a:ln>
+            <a:solidFill>
+              <a:srgbClr val="FAEBD3"/>
+            </a:solidFill>
+            <a:tailEnd type="triangle"/>
+          </a:ln>
+        </p:spPr>
+        <p:style>
+          <a:lnRef idx="1">
+            <a:schemeClr val="accent1"/>
+          </a:lnRef>
+          <a:fillRef idx="0">
+            <a:schemeClr val="accent1"/>
+          </a:fillRef>
+          <a:effectRef idx="0">
+            <a:schemeClr val="accent1"/>
+          </a:effectRef>
+          <a:fontRef idx="minor">
+            <a:schemeClr val="tx1"/>
+          </a:fontRef>
+        </p:style>
+      </p:cxnSp>
+      <p:sp>
+        <p:nvSpPr>
+          <p:cNvPr id="109" name="사각형: 둥근 모서리 108">
+            <a:extLst>
+              <a:ext uri="{FF2B5EF4-FFF2-40B4-BE49-F238E27FC236}">
+                <a16:creationId xmlns:a16="http://schemas.microsoft.com/office/drawing/2014/main" id="{85E0F65F-F9AD-CB06-326D-99C6D64CEBA2}"/>
+              </a:ext>
+            </a:extLst>
+          </p:cNvPr>
+          <p:cNvSpPr/>
+          <p:nvPr/>
+        </p:nvSpPr>
+        <p:spPr>
+          <a:xfrm>
+            <a:off x="1956399" y="4948757"/>
+            <a:ext cx="1253111" cy="400105"/>
+          </a:xfrm>
+          <a:prstGeom prst="roundRect">
+            <a:avLst>
+              <a:gd name="adj" fmla="val 5304"/>
+            </a:avLst>
+          </a:prstGeom>
+          <a:noFill/>
+          <a:ln>
+            <a:solidFill>
+              <a:srgbClr val="FAEBD3"/>
+            </a:solidFill>
+          </a:ln>
+        </p:spPr>
+        <p:style>
+          <a:lnRef idx="2">
+            <a:schemeClr val="accent1">
+              <a:shade val="50000"/>
+            </a:schemeClr>
+          </a:lnRef>
+          <a:fillRef idx="1">
+            <a:schemeClr val="accent1"/>
+          </a:fillRef>
+          <a:effectRef idx="0">
+            <a:schemeClr val="accent1"/>
+          </a:effectRef>
+          <a:fontRef idx="minor">
+            <a:schemeClr val="lt1"/>
+          </a:fontRef>
+        </p:style>
+        <p:txBody>
+          <a:bodyPr rtlCol="0" anchor="ctr"/>
+          <a:lstStyle/>
+          <a:p>
+            <a:pPr algn="ctr"/>
+            <a:r>
+              <a:rPr lang="ko-KR" altLang="en-US" sz="800" dirty="0">
+                <a:solidFill>
+                  <a:srgbClr val="FAEBD3"/>
+                </a:solidFill>
+                <a:latin typeface="리디바탕" panose="020B0600000101010101" pitchFamily="34" charset="-127"/>
+                <a:ea typeface="리디바탕" panose="020B0600000101010101" pitchFamily="34" charset="-127"/>
+              </a:rPr>
+              <a:t>해당 딜러</a:t>
+            </a:r>
+            <a:br>
+              <a:rPr lang="en-US" altLang="ko-KR" sz="800" dirty="0">
+                <a:solidFill>
+                  <a:srgbClr val="FAEBD3"/>
+                </a:solidFill>
+                <a:latin typeface="리디바탕" panose="020B0600000101010101" pitchFamily="34" charset="-127"/>
+                <a:ea typeface="리디바탕" panose="020B0600000101010101" pitchFamily="34" charset="-127"/>
+              </a:rPr>
+            </a:br>
+            <a:r>
+              <a:rPr lang="en-US" altLang="ko-KR" sz="800" dirty="0">
+                <a:solidFill>
+                  <a:srgbClr val="FAEBD3"/>
+                </a:solidFill>
+                <a:latin typeface="리디바탕" panose="020B0600000101010101" pitchFamily="34" charset="-127"/>
+                <a:ea typeface="리디바탕" panose="020B0600000101010101" pitchFamily="34" charset="-127"/>
+              </a:rPr>
+              <a:t>1</a:t>
+            </a:r>
+            <a:r>
+              <a:rPr lang="ko-KR" altLang="en-US" sz="800" dirty="0">
+                <a:solidFill>
+                  <a:srgbClr val="FAEBD3"/>
+                </a:solidFill>
+                <a:latin typeface="리디바탕" panose="020B0600000101010101" pitchFamily="34" charset="-127"/>
+                <a:ea typeface="리디바탕" panose="020B0600000101010101" pitchFamily="34" charset="-127"/>
+              </a:rPr>
+              <a:t>파티로 배정</a:t>
+            </a:r>
+          </a:p>
+        </p:txBody>
+      </p:sp>
+      <p:cxnSp>
+        <p:nvCxnSpPr>
+          <p:cNvPr id="110" name="직선 화살표 연결선 109">
+            <a:extLst>
+              <a:ext uri="{FF2B5EF4-FFF2-40B4-BE49-F238E27FC236}">
+                <a16:creationId xmlns:a16="http://schemas.microsoft.com/office/drawing/2014/main" id="{DE5F7613-16BF-4776-D3AE-A9B2CD0970D3}"/>
+              </a:ext>
+            </a:extLst>
+          </p:cNvPr>
+          <p:cNvCxnSpPr>
+            <a:cxnSpLocks/>
+            <a:stCxn id="89" idx="1"/>
+            <a:endCxn id="109" idx="3"/>
+          </p:cNvCxnSpPr>
+          <p:nvPr/>
+        </p:nvCxnSpPr>
+        <p:spPr>
+          <a:xfrm flipH="1" flipV="1">
+            <a:off x="3209510" y="5148810"/>
+            <a:ext cx="289499" cy="1018"/>
+          </a:xfrm>
+          <a:prstGeom prst="straightConnector1">
+            <a:avLst/>
+          </a:prstGeom>
+          <a:ln>
+            <a:solidFill>
+              <a:srgbClr val="FAEBD3"/>
+            </a:solidFill>
+            <a:tailEnd type="triangle"/>
+          </a:ln>
+        </p:spPr>
+        <p:style>
+          <a:lnRef idx="1">
+            <a:schemeClr val="accent1"/>
+          </a:lnRef>
+          <a:fillRef idx="0">
+            <a:schemeClr val="accent1"/>
+          </a:fillRef>
+          <a:effectRef idx="0">
+            <a:schemeClr val="accent1"/>
+          </a:effectRef>
+          <a:fontRef idx="minor">
+            <a:schemeClr val="tx1"/>
+          </a:fontRef>
+        </p:style>
+      </p:cxnSp>
+      <p:sp>
+        <p:nvSpPr>
+          <p:cNvPr id="115" name="사각형: 둥근 모서리 114">
+            <a:extLst>
+              <a:ext uri="{FF2B5EF4-FFF2-40B4-BE49-F238E27FC236}">
+                <a16:creationId xmlns:a16="http://schemas.microsoft.com/office/drawing/2014/main" id="{1C9E56F4-64D3-FD31-5445-17EB233320B7}"/>
+              </a:ext>
+            </a:extLst>
+          </p:cNvPr>
+          <p:cNvSpPr/>
+          <p:nvPr/>
+        </p:nvSpPr>
+        <p:spPr>
+          <a:xfrm>
+            <a:off x="3047329" y="4937209"/>
+            <a:ext cx="695518" cy="237758"/>
+          </a:xfrm>
+          <a:prstGeom prst="roundRect">
+            <a:avLst>
+              <a:gd name="adj" fmla="val 5304"/>
+            </a:avLst>
+          </a:prstGeom>
+          <a:noFill/>
+          <a:ln>
+            <a:noFill/>
+          </a:ln>
+        </p:spPr>
+        <p:style>
+          <a:lnRef idx="2">
+            <a:schemeClr val="accent1">
+              <a:shade val="50000"/>
+            </a:schemeClr>
+          </a:lnRef>
+          <a:fillRef idx="1">
+            <a:schemeClr val="accent1"/>
+          </a:fillRef>
+          <a:effectRef idx="0">
+            <a:schemeClr val="accent1"/>
+          </a:effectRef>
+          <a:fontRef idx="minor">
+            <a:schemeClr val="lt1"/>
+          </a:fontRef>
+        </p:style>
+        <p:txBody>
+          <a:bodyPr rtlCol="0" anchor="ctr"/>
+          <a:lstStyle/>
+          <a:p>
+            <a:pPr algn="ctr"/>
+            <a:r>
+              <a:rPr lang="en-US" altLang="ko-KR" sz="800" dirty="0">
+                <a:solidFill>
+                  <a:srgbClr val="FAEBD3"/>
+                </a:solidFill>
+                <a:latin typeface="리디바탕" panose="020B0600000101010101" pitchFamily="34" charset="-127"/>
+                <a:ea typeface="리디바탕" panose="020B0600000101010101" pitchFamily="34" charset="-127"/>
+              </a:rPr>
+              <a:t>NO</a:t>
+            </a:r>
+            <a:endParaRPr lang="ko-KR" altLang="en-US" sz="800" dirty="0">
+              <a:solidFill>
+                <a:srgbClr val="FAEBD3"/>
+              </a:solidFill>
+              <a:latin typeface="리디바탕" panose="020B0600000101010101" pitchFamily="34" charset="-127"/>
+              <a:ea typeface="리디바탕" panose="020B0600000101010101" pitchFamily="34" charset="-127"/>
+            </a:endParaRPr>
+          </a:p>
+        </p:txBody>
+      </p:sp>
+      <p:cxnSp>
+        <p:nvCxnSpPr>
+          <p:cNvPr id="116" name="연결선: 꺾임 115">
+            <a:extLst>
+              <a:ext uri="{FF2B5EF4-FFF2-40B4-BE49-F238E27FC236}">
+                <a16:creationId xmlns:a16="http://schemas.microsoft.com/office/drawing/2014/main" id="{391383A1-EB37-9086-BB63-45A4A7CE0522}"/>
+              </a:ext>
+            </a:extLst>
+          </p:cNvPr>
+          <p:cNvCxnSpPr>
+            <a:cxnSpLocks/>
+            <a:stCxn id="109" idx="0"/>
+            <a:endCxn id="82" idx="1"/>
+          </p:cNvCxnSpPr>
+          <p:nvPr/>
+        </p:nvCxnSpPr>
+        <p:spPr>
+          <a:xfrm rot="5400000" flipH="1" flipV="1">
+            <a:off x="2772474" y="4222224"/>
+            <a:ext cx="537014" cy="916053"/>
+          </a:xfrm>
+          <a:prstGeom prst="bentConnector2">
+            <a:avLst/>
+          </a:prstGeom>
+          <a:ln>
+            <a:solidFill>
+              <a:srgbClr val="FAEBD3"/>
+            </a:solidFill>
+            <a:tailEnd type="triangle"/>
+          </a:ln>
+        </p:spPr>
+        <p:style>
+          <a:lnRef idx="1">
+            <a:schemeClr val="accent1"/>
+          </a:lnRef>
+          <a:fillRef idx="0">
+            <a:schemeClr val="accent1"/>
+          </a:fillRef>
+          <a:effectRef idx="0">
+            <a:schemeClr val="accent1"/>
+          </a:effectRef>
+          <a:fontRef idx="minor">
+            <a:schemeClr val="tx1"/>
+          </a:fontRef>
+        </p:style>
+      </p:cxnSp>
+      <p:sp>
+        <p:nvSpPr>
+          <p:cNvPr id="123" name="사각형: 둥근 모서리 122">
+            <a:extLst>
+              <a:ext uri="{FF2B5EF4-FFF2-40B4-BE49-F238E27FC236}">
+                <a16:creationId xmlns:a16="http://schemas.microsoft.com/office/drawing/2014/main" id="{D1119E81-3BB9-E939-1606-26D6D0D64EC6}"/>
+              </a:ext>
+            </a:extLst>
+          </p:cNvPr>
+          <p:cNvSpPr/>
+          <p:nvPr/>
+        </p:nvSpPr>
+        <p:spPr>
+          <a:xfrm>
+            <a:off x="7908495" y="4951711"/>
+            <a:ext cx="1253111" cy="400105"/>
+          </a:xfrm>
+          <a:prstGeom prst="roundRect">
+            <a:avLst>
+              <a:gd name="adj" fmla="val 5304"/>
+            </a:avLst>
+          </a:prstGeom>
+          <a:noFill/>
+          <a:ln>
+            <a:solidFill>
+              <a:srgbClr val="FAEBD3"/>
+            </a:solidFill>
+          </a:ln>
+        </p:spPr>
+        <p:style>
+          <a:lnRef idx="2">
+            <a:schemeClr val="accent1">
+              <a:shade val="50000"/>
+            </a:schemeClr>
+          </a:lnRef>
+          <a:fillRef idx="1">
+            <a:schemeClr val="accent1"/>
+          </a:fillRef>
+          <a:effectRef idx="0">
+            <a:schemeClr val="accent1"/>
+          </a:effectRef>
+          <a:fontRef idx="minor">
+            <a:schemeClr val="lt1"/>
+          </a:fontRef>
+        </p:style>
+        <p:txBody>
+          <a:bodyPr rtlCol="0" anchor="ctr"/>
+          <a:lstStyle/>
+          <a:p>
+            <a:pPr algn="ctr"/>
+            <a:r>
+              <a:rPr lang="ko-KR" altLang="en-US" sz="800" dirty="0">
+                <a:solidFill>
+                  <a:srgbClr val="FAEBD3"/>
+                </a:solidFill>
+                <a:latin typeface="리디바탕" panose="020B0600000101010101" pitchFamily="34" charset="-127"/>
+                <a:ea typeface="리디바탕" panose="020B0600000101010101" pitchFamily="34" charset="-127"/>
+              </a:rPr>
+              <a:t>서포터 각각</a:t>
+            </a:r>
+            <a:br>
+              <a:rPr lang="en-US" altLang="ko-KR" sz="800" dirty="0">
+                <a:solidFill>
+                  <a:srgbClr val="FAEBD3"/>
+                </a:solidFill>
+                <a:latin typeface="리디바탕" panose="020B0600000101010101" pitchFamily="34" charset="-127"/>
+                <a:ea typeface="리디바탕" panose="020B0600000101010101" pitchFamily="34" charset="-127"/>
+              </a:rPr>
+            </a:br>
+            <a:r>
+              <a:rPr lang="ko-KR" altLang="en-US" sz="800" dirty="0">
+                <a:solidFill>
+                  <a:srgbClr val="FAEBD3"/>
+                </a:solidFill>
+                <a:latin typeface="리디바탕" panose="020B0600000101010101" pitchFamily="34" charset="-127"/>
+                <a:ea typeface="리디바탕" panose="020B0600000101010101" pitchFamily="34" charset="-127"/>
+              </a:rPr>
+              <a:t>다른 파티로 배정</a:t>
+            </a:r>
+          </a:p>
+        </p:txBody>
+      </p:sp>
+      <p:sp>
+        <p:nvSpPr>
+          <p:cNvPr id="126" name="사각형: 둥근 모서리 125">
+            <a:extLst>
+              <a:ext uri="{FF2B5EF4-FFF2-40B4-BE49-F238E27FC236}">
+                <a16:creationId xmlns:a16="http://schemas.microsoft.com/office/drawing/2014/main" id="{8D84B824-7904-EB4D-A4C0-363BAF32B117}"/>
+              </a:ext>
+            </a:extLst>
+          </p:cNvPr>
+          <p:cNvSpPr/>
+          <p:nvPr/>
+        </p:nvSpPr>
+        <p:spPr>
+          <a:xfrm>
+            <a:off x="9415809" y="4951710"/>
+            <a:ext cx="1253111" cy="400105"/>
+          </a:xfrm>
+          <a:prstGeom prst="roundRect">
+            <a:avLst>
+              <a:gd name="adj" fmla="val 5304"/>
+            </a:avLst>
+          </a:prstGeom>
+          <a:solidFill>
+            <a:srgbClr val="CDC7B6"/>
+          </a:solidFill>
+          <a:ln>
+            <a:solidFill>
+              <a:srgbClr val="FAEBD3"/>
+            </a:solidFill>
+          </a:ln>
+        </p:spPr>
+        <p:style>
+          <a:lnRef idx="2">
+            <a:schemeClr val="accent1">
+              <a:shade val="50000"/>
+            </a:schemeClr>
+          </a:lnRef>
+          <a:fillRef idx="1">
+            <a:schemeClr val="accent1"/>
+          </a:fillRef>
+          <a:effectRef idx="0">
+            <a:schemeClr val="accent1"/>
+          </a:effectRef>
+          <a:fontRef idx="minor">
+            <a:schemeClr val="lt1"/>
+          </a:fontRef>
+        </p:style>
+        <p:txBody>
+          <a:bodyPr rtlCol="0" anchor="ctr"/>
+          <a:lstStyle/>
+          <a:p>
+            <a:pPr algn="ctr"/>
+            <a:r>
+              <a:rPr lang="ko-KR" altLang="en-US" sz="800" b="1" dirty="0">
+                <a:solidFill>
+                  <a:schemeClr val="tx1">
+                    <a:lumMod val="85000"/>
+                    <a:lumOff val="15000"/>
+                  </a:schemeClr>
+                </a:solidFill>
+                <a:latin typeface="리디바탕" panose="020B0600000101010101" pitchFamily="34" charset="-127"/>
+                <a:ea typeface="리디바탕" panose="020B0600000101010101" pitchFamily="34" charset="-127"/>
+              </a:rPr>
+              <a:t>파티 배정 종료</a:t>
+            </a:r>
+            <a:br>
+              <a:rPr lang="en-US" altLang="ko-KR" sz="800" b="1" dirty="0">
+                <a:solidFill>
+                  <a:schemeClr val="tx1">
+                    <a:lumMod val="85000"/>
+                    <a:lumOff val="15000"/>
+                  </a:schemeClr>
+                </a:solidFill>
+                <a:latin typeface="리디바탕" panose="020B0600000101010101" pitchFamily="34" charset="-127"/>
+                <a:ea typeface="리디바탕" panose="020B0600000101010101" pitchFamily="34" charset="-127"/>
+              </a:rPr>
+            </a:br>
+            <a:r>
+              <a:rPr lang="ko-KR" altLang="en-US" sz="800" b="1" dirty="0" err="1">
+                <a:solidFill>
+                  <a:schemeClr val="tx1">
+                    <a:lumMod val="85000"/>
+                    <a:lumOff val="15000"/>
+                  </a:schemeClr>
+                </a:solidFill>
+                <a:latin typeface="리디바탕" panose="020B0600000101010101" pitchFamily="34" charset="-127"/>
+                <a:ea typeface="리디바탕" panose="020B0600000101010101" pitchFamily="34" charset="-127"/>
+              </a:rPr>
+              <a:t>비브린</a:t>
+            </a:r>
+            <a:r>
+              <a:rPr lang="ko-KR" altLang="en-US" sz="800" b="1" dirty="0">
+                <a:solidFill>
+                  <a:schemeClr val="tx1">
+                    <a:lumMod val="85000"/>
+                    <a:lumOff val="15000"/>
+                  </a:schemeClr>
+                </a:solidFill>
+                <a:latin typeface="리디바탕" panose="020B0600000101010101" pitchFamily="34" charset="-127"/>
+                <a:ea typeface="리디바탕" panose="020B0600000101010101" pitchFamily="34" charset="-127"/>
+              </a:rPr>
+              <a:t> 큐브 입장</a:t>
+            </a:r>
+          </a:p>
+        </p:txBody>
+      </p:sp>
+      <p:cxnSp>
+        <p:nvCxnSpPr>
+          <p:cNvPr id="127" name="직선 화살표 연결선 126">
+            <a:extLst>
+              <a:ext uri="{FF2B5EF4-FFF2-40B4-BE49-F238E27FC236}">
+                <a16:creationId xmlns:a16="http://schemas.microsoft.com/office/drawing/2014/main" id="{AF77A98E-A9E9-2F11-3084-8C909056E3AE}"/>
+              </a:ext>
+            </a:extLst>
+          </p:cNvPr>
+          <p:cNvCxnSpPr>
+            <a:cxnSpLocks/>
+            <a:stCxn id="105" idx="3"/>
+            <a:endCxn id="123" idx="1"/>
+          </p:cNvCxnSpPr>
+          <p:nvPr/>
+        </p:nvCxnSpPr>
+        <p:spPr>
+          <a:xfrm>
+            <a:off x="7654292" y="5149781"/>
+            <a:ext cx="254203" cy="1983"/>
+          </a:xfrm>
+          <a:prstGeom prst="straightConnector1">
+            <a:avLst/>
+          </a:prstGeom>
+          <a:ln>
+            <a:solidFill>
+              <a:srgbClr val="FAEBD3"/>
+            </a:solidFill>
+            <a:tailEnd type="triangle"/>
+          </a:ln>
+        </p:spPr>
+        <p:style>
+          <a:lnRef idx="1">
+            <a:schemeClr val="accent1"/>
+          </a:lnRef>
+          <a:fillRef idx="0">
+            <a:schemeClr val="accent1"/>
+          </a:fillRef>
+          <a:effectRef idx="0">
+            <a:schemeClr val="accent1"/>
+          </a:effectRef>
+          <a:fontRef idx="minor">
+            <a:schemeClr val="tx1"/>
+          </a:fontRef>
+        </p:style>
+      </p:cxnSp>
+      <p:cxnSp>
+        <p:nvCxnSpPr>
+          <p:cNvPr id="130" name="직선 화살표 연결선 129">
+            <a:extLst>
+              <a:ext uri="{FF2B5EF4-FFF2-40B4-BE49-F238E27FC236}">
+                <a16:creationId xmlns:a16="http://schemas.microsoft.com/office/drawing/2014/main" id="{2825291F-EB5B-5714-D0ED-98B51849C369}"/>
+              </a:ext>
+            </a:extLst>
+          </p:cNvPr>
+          <p:cNvCxnSpPr>
+            <a:cxnSpLocks/>
+            <a:stCxn id="123" idx="3"/>
+            <a:endCxn id="126" idx="1"/>
+          </p:cNvCxnSpPr>
+          <p:nvPr/>
+        </p:nvCxnSpPr>
+        <p:spPr>
+          <a:xfrm flipV="1">
+            <a:off x="9161606" y="5151763"/>
+            <a:ext cx="254203" cy="1"/>
+          </a:xfrm>
+          <a:prstGeom prst="straightConnector1">
+            <a:avLst/>
+          </a:prstGeom>
+          <a:ln>
+            <a:solidFill>
+              <a:srgbClr val="FAEBD3"/>
+            </a:solidFill>
+            <a:tailEnd type="triangle"/>
+          </a:ln>
+        </p:spPr>
+        <p:style>
+          <a:lnRef idx="1">
+            <a:schemeClr val="accent1"/>
+          </a:lnRef>
+          <a:fillRef idx="0">
+            <a:schemeClr val="accent1"/>
+          </a:fillRef>
+          <a:effectRef idx="0">
+            <a:schemeClr val="accent1"/>
+          </a:effectRef>
+          <a:fontRef idx="minor">
+            <a:schemeClr val="tx1"/>
+          </a:fontRef>
+        </p:style>
+      </p:cxnSp>
+    </p:spTree>
+    <p:extLst>
+      <p:ext uri="{BB962C8B-B14F-4D97-AF65-F5344CB8AC3E}">
+        <p14:creationId xmlns:p14="http://schemas.microsoft.com/office/powerpoint/2010/main" val="1745565030"/>
+      </p:ext>
+    </p:extLst>
+  </p:cSld>
+  <p:clrMapOvr>
+    <a:masterClrMapping/>
+  </p:clrMapOvr>
+</p:sld>
+</file>
+
+<file path=ppt/slides/slide7.xml><?xml version="1.0" encoding="utf-8"?>
+<p:sld xmlns:a="http://schemas.openxmlformats.org/drawingml/2006/main" xmlns:r="http://schemas.openxmlformats.org/officeDocument/2006/relationships" xmlns:p="http://schemas.openxmlformats.org/presentationml/2006/main">
+  <p:cSld>
+    <p:spTree>
+      <p:nvGrpSpPr>
+        <p:cNvPr id="1" name="">
+          <a:extLst>
+            <a:ext uri="{FF2B5EF4-FFF2-40B4-BE49-F238E27FC236}">
+              <a16:creationId xmlns:a16="http://schemas.microsoft.com/office/drawing/2014/main" id="{AC0E2915-E3BC-512D-52D7-9DB3E35C417C}"/>
+            </a:ext>
+          </a:extLst>
+        </p:cNvPr>
+        <p:cNvGrpSpPr/>
+        <p:nvPr/>
+      </p:nvGrpSpPr>
+      <p:grpSpPr>
+        <a:xfrm>
+          <a:off x="0" y="0"/>
+          <a:ext cx="0" cy="0"/>
+          <a:chOff x="0" y="0"/>
+          <a:chExt cx="0" cy="0"/>
+        </a:xfrm>
+      </p:grpSpPr>
+      <p:sp>
+        <p:nvSpPr>
+          <p:cNvPr id="18" name="직사각형 17">
+            <a:extLst>
+              <a:ext uri="{FF2B5EF4-FFF2-40B4-BE49-F238E27FC236}">
+                <a16:creationId xmlns:a16="http://schemas.microsoft.com/office/drawing/2014/main" id="{2C646090-6C58-295D-4E8F-29BE44C0209B}"/>
+              </a:ext>
+            </a:extLst>
+          </p:cNvPr>
+          <p:cNvSpPr/>
+          <p:nvPr/>
+        </p:nvSpPr>
+        <p:spPr>
+          <a:xfrm>
+            <a:off x="266699" y="825234"/>
+            <a:ext cx="11658601" cy="400110"/>
+          </a:xfrm>
+          <a:prstGeom prst="rect">
+            <a:avLst/>
+          </a:prstGeom>
+          <a:gradFill flip="none" rotWithShape="1">
+            <a:gsLst>
+              <a:gs pos="50000">
+                <a:srgbClr val="FAEBD3">
+                  <a:alpha val="50000"/>
+                </a:srgbClr>
+              </a:gs>
+              <a:gs pos="0">
+                <a:srgbClr val="FAEBD3">
+                  <a:alpha val="0"/>
+                </a:srgbClr>
+              </a:gs>
+              <a:gs pos="100000">
+                <a:srgbClr val="FAEBD3"/>
+              </a:gs>
+            </a:gsLst>
+            <a:lin ang="10800000" scaled="1"/>
+            <a:tileRect/>
+          </a:gradFill>
+          <a:ln>
+            <a:noFill/>
+          </a:ln>
+        </p:spPr>
+        <p:style>
+          <a:lnRef idx="2">
+            <a:schemeClr val="accent1">
+              <a:shade val="15000"/>
+            </a:schemeClr>
+          </a:lnRef>
+          <a:fillRef idx="1">
+            <a:schemeClr val="accent1"/>
+          </a:fillRef>
+          <a:effectRef idx="0">
+            <a:schemeClr val="accent1"/>
+          </a:effectRef>
+          <a:fontRef idx="minor">
+            <a:schemeClr val="lt1"/>
+          </a:fontRef>
+        </p:style>
+        <p:txBody>
+          <a:bodyPr rtlCol="0" anchor="ctr"/>
+          <a:lstStyle/>
+          <a:p>
+            <a:pPr algn="ctr"/>
+            <a:endParaRPr lang="ko-KR" altLang="en-US"/>
+          </a:p>
+        </p:txBody>
+      </p:sp>
+      <p:sp>
+        <p:nvSpPr>
+          <p:cNvPr id="19" name="TextBox 18">
+            <a:extLst>
+              <a:ext uri="{FF2B5EF4-FFF2-40B4-BE49-F238E27FC236}">
+                <a16:creationId xmlns:a16="http://schemas.microsoft.com/office/drawing/2014/main" id="{930C0F3F-5760-36AE-E6A6-DA9BF3DC61C1}"/>
+              </a:ext>
+            </a:extLst>
+          </p:cNvPr>
+          <p:cNvSpPr txBox="1"/>
+          <p:nvPr/>
+        </p:nvSpPr>
+        <p:spPr>
+          <a:xfrm>
+            <a:off x="266698" y="1225344"/>
+            <a:ext cx="6858000" cy="500137"/>
+          </a:xfrm>
+          <a:prstGeom prst="rect">
+            <a:avLst/>
+          </a:prstGeom>
+          <a:noFill/>
+        </p:spPr>
+        <p:txBody>
+          <a:bodyPr wrap="square" rtlCol="0" anchor="t">
+            <a:spAutoFit/>
+          </a:bodyPr>
+          <a:lstStyle/>
+          <a:p>
+            <a:pPr>
+              <a:lnSpc>
+                <a:spcPct val="150000"/>
+              </a:lnSpc>
+            </a:pPr>
+            <a:r>
+              <a:rPr lang="ko-KR" altLang="en-US" sz="2000" dirty="0">
+                <a:solidFill>
+                  <a:srgbClr val="FAEBD3"/>
+                </a:solidFill>
+                <a:latin typeface="리디바탕" panose="020B0600000101010101" pitchFamily="34" charset="-127"/>
+                <a:ea typeface="리디바탕" panose="020B0600000101010101" pitchFamily="34" charset="-127"/>
+              </a:rPr>
+              <a:t>파티 배정 </a:t>
+            </a:r>
+            <a:r>
+              <a:rPr lang="ko-KR" altLang="en-US" sz="2000" dirty="0" err="1">
+                <a:solidFill>
+                  <a:srgbClr val="FAEBD3"/>
+                </a:solidFill>
+                <a:latin typeface="리디바탕" panose="020B0600000101010101" pitchFamily="34" charset="-127"/>
+                <a:ea typeface="리디바탕" panose="020B0600000101010101" pitchFamily="34" charset="-127"/>
+              </a:rPr>
+              <a:t>매커니즘</a:t>
+            </a:r>
+            <a:r>
+              <a:rPr lang="ko-KR" altLang="en-US" sz="2000" dirty="0">
+                <a:solidFill>
+                  <a:srgbClr val="FAEBD3"/>
+                </a:solidFill>
+                <a:latin typeface="리디바탕" panose="020B0600000101010101" pitchFamily="34" charset="-127"/>
+                <a:ea typeface="리디바탕" panose="020B0600000101010101" pitchFamily="34" charset="-127"/>
+              </a:rPr>
+              <a:t> 플로우 차트</a:t>
+            </a:r>
+            <a:endParaRPr lang="en-US" altLang="ko-KR" sz="1400" dirty="0">
+              <a:solidFill>
+                <a:srgbClr val="FAEBD3"/>
+              </a:solidFill>
+              <a:latin typeface="리디바탕" panose="020B0600000101010101" pitchFamily="34" charset="-127"/>
+              <a:ea typeface="리디바탕" panose="020B0600000101010101" pitchFamily="34" charset="-127"/>
+            </a:endParaRPr>
+          </a:p>
+        </p:txBody>
+      </p:sp>
+      <p:cxnSp>
+        <p:nvCxnSpPr>
+          <p:cNvPr id="20" name="직선 연결선 19">
+            <a:extLst>
+              <a:ext uri="{FF2B5EF4-FFF2-40B4-BE49-F238E27FC236}">
+                <a16:creationId xmlns:a16="http://schemas.microsoft.com/office/drawing/2014/main" id="{23DA2319-2956-7E5D-D6EF-1167B3B3B60B}"/>
+              </a:ext>
+            </a:extLst>
+          </p:cNvPr>
+          <p:cNvCxnSpPr>
+            <a:cxnSpLocks/>
+          </p:cNvCxnSpPr>
+          <p:nvPr/>
+        </p:nvCxnSpPr>
+        <p:spPr>
+          <a:xfrm>
+            <a:off x="1327212" y="6693300"/>
+            <a:ext cx="3060000" cy="0"/>
+          </a:xfrm>
+          <a:prstGeom prst="line">
+            <a:avLst/>
+          </a:prstGeom>
+          <a:ln>
+            <a:solidFill>
+              <a:schemeClr val="tx1">
+                <a:lumMod val="50000"/>
+                <a:lumOff val="50000"/>
+              </a:schemeClr>
+            </a:solidFill>
+          </a:ln>
+        </p:spPr>
+        <p:style>
+          <a:lnRef idx="1">
+            <a:schemeClr val="accent1"/>
+          </a:lnRef>
+          <a:fillRef idx="0">
+            <a:schemeClr val="accent1"/>
+          </a:fillRef>
+          <a:effectRef idx="0">
+            <a:schemeClr val="accent1"/>
+          </a:effectRef>
+          <a:fontRef idx="minor">
+            <a:schemeClr val="tx1"/>
+          </a:fontRef>
+        </p:style>
+      </p:cxnSp>
+      <p:sp>
+        <p:nvSpPr>
+          <p:cNvPr id="21" name="다이아몬드 20">
+            <a:extLst>
+              <a:ext uri="{FF2B5EF4-FFF2-40B4-BE49-F238E27FC236}">
+                <a16:creationId xmlns:a16="http://schemas.microsoft.com/office/drawing/2014/main" id="{9AE114C6-2A16-643A-F62E-AC19DB703B08}"/>
+              </a:ext>
+            </a:extLst>
+          </p:cNvPr>
+          <p:cNvSpPr/>
+          <p:nvPr/>
+        </p:nvSpPr>
+        <p:spPr>
+          <a:xfrm>
+            <a:off x="4389354" y="6603300"/>
+            <a:ext cx="180000" cy="180000"/>
+          </a:xfrm>
+          <a:prstGeom prst="diamond">
+            <a:avLst/>
+          </a:prstGeom>
+          <a:solidFill>
+            <a:schemeClr val="tx1">
+              <a:lumMod val="50000"/>
+              <a:lumOff val="50000"/>
+            </a:schemeClr>
+          </a:solidFill>
+          <a:ln>
+            <a:solidFill>
+              <a:schemeClr val="tx1">
+                <a:lumMod val="50000"/>
+                <a:lumOff val="50000"/>
+              </a:schemeClr>
+            </a:solidFill>
+          </a:ln>
+        </p:spPr>
+        <p:style>
+          <a:lnRef idx="2">
+            <a:schemeClr val="accent1">
+              <a:shade val="50000"/>
+            </a:schemeClr>
+          </a:lnRef>
+          <a:fillRef idx="1">
+            <a:schemeClr val="accent1"/>
+          </a:fillRef>
+          <a:effectRef idx="0">
+            <a:schemeClr val="accent1"/>
+          </a:effectRef>
+          <a:fontRef idx="minor">
+            <a:schemeClr val="lt1"/>
+          </a:fontRef>
+        </p:style>
+        <p:txBody>
+          <a:bodyPr rtlCol="0" anchor="ctr"/>
+          <a:lstStyle/>
+          <a:p>
+            <a:pPr algn="ctr"/>
+            <a:endParaRPr lang="ko-KR" altLang="en-US" sz="900" dirty="0">
+              <a:solidFill>
+                <a:schemeClr val="tx1">
+                  <a:lumMod val="50000"/>
+                  <a:lumOff val="50000"/>
+                </a:schemeClr>
+              </a:solidFill>
+              <a:latin typeface="리디바탕" panose="020B0600000101010101" pitchFamily="34" charset="-127"/>
+              <a:ea typeface="리디바탕" panose="020B0600000101010101" pitchFamily="34" charset="-127"/>
+            </a:endParaRPr>
+          </a:p>
+        </p:txBody>
+      </p:sp>
+      <p:sp>
+        <p:nvSpPr>
+          <p:cNvPr id="25" name="TextBox 24">
+            <a:extLst>
+              <a:ext uri="{FF2B5EF4-FFF2-40B4-BE49-F238E27FC236}">
+                <a16:creationId xmlns:a16="http://schemas.microsoft.com/office/drawing/2014/main" id="{5779D064-0722-A203-E7FC-B067F6A32CB3}"/>
+              </a:ext>
+            </a:extLst>
+          </p:cNvPr>
+          <p:cNvSpPr txBox="1"/>
+          <p:nvPr/>
+        </p:nvSpPr>
+        <p:spPr>
+          <a:xfrm>
+            <a:off x="2112560" y="6416301"/>
+            <a:ext cx="1626299" cy="276999"/>
+          </a:xfrm>
+          <a:prstGeom prst="rect">
+            <a:avLst/>
+          </a:prstGeom>
+          <a:noFill/>
+        </p:spPr>
+        <p:txBody>
+          <a:bodyPr wrap="square" rtlCol="0" anchor="ctr">
+            <a:spAutoFit/>
+          </a:bodyPr>
+          <a:lstStyle/>
+          <a:p>
+            <a:pPr algn="ctr"/>
+            <a:r>
+              <a:rPr lang="ko-KR" altLang="en-US" sz="1200" b="1" dirty="0" err="1">
+                <a:solidFill>
+                  <a:schemeClr val="tx1">
+                    <a:lumMod val="50000"/>
+                    <a:lumOff val="50000"/>
+                  </a:schemeClr>
+                </a:solidFill>
+                <a:latin typeface="리디바탕" panose="020B0600000101010101" pitchFamily="34" charset="-127"/>
+                <a:ea typeface="리디바탕" panose="020B0600000101010101" pitchFamily="34" charset="-127"/>
+              </a:rPr>
+              <a:t>비브린</a:t>
+            </a:r>
+            <a:r>
+              <a:rPr lang="ko-KR" altLang="en-US" sz="1200" b="1" dirty="0">
+                <a:solidFill>
+                  <a:schemeClr val="tx1">
+                    <a:lumMod val="50000"/>
+                    <a:lumOff val="50000"/>
+                  </a:schemeClr>
+                </a:solidFill>
+                <a:latin typeface="리디바탕" panose="020B0600000101010101" pitchFamily="34" charset="-127"/>
+                <a:ea typeface="리디바탕" panose="020B0600000101010101" pitchFamily="34" charset="-127"/>
+              </a:rPr>
+              <a:t> 큐브 개방</a:t>
+            </a:r>
+            <a:endParaRPr lang="en-US" altLang="ko-KR" sz="1200" b="1" dirty="0">
+              <a:solidFill>
+                <a:schemeClr val="tx1">
+                  <a:lumMod val="50000"/>
+                  <a:lumOff val="50000"/>
+                </a:schemeClr>
+              </a:solidFill>
+              <a:latin typeface="리디바탕" panose="020B0600000101010101" pitchFamily="34" charset="-127"/>
+              <a:ea typeface="리디바탕" panose="020B0600000101010101" pitchFamily="34" charset="-127"/>
+            </a:endParaRPr>
+          </a:p>
+        </p:txBody>
+      </p:sp>
+      <p:cxnSp>
+        <p:nvCxnSpPr>
+          <p:cNvPr id="26" name="직선 연결선 25">
+            <a:extLst>
+              <a:ext uri="{FF2B5EF4-FFF2-40B4-BE49-F238E27FC236}">
+                <a16:creationId xmlns:a16="http://schemas.microsoft.com/office/drawing/2014/main" id="{14809809-5506-55BD-767A-BC4B263EE0CE}"/>
+              </a:ext>
+            </a:extLst>
+          </p:cNvPr>
+          <p:cNvCxnSpPr>
+            <a:cxnSpLocks/>
+          </p:cNvCxnSpPr>
+          <p:nvPr/>
+        </p:nvCxnSpPr>
+        <p:spPr>
+          <a:xfrm>
+            <a:off x="4559829" y="6693300"/>
+            <a:ext cx="3060000" cy="0"/>
+          </a:xfrm>
+          <a:prstGeom prst="line">
+            <a:avLst/>
+          </a:prstGeom>
+          <a:ln>
+            <a:solidFill>
+              <a:schemeClr val="tx1">
+                <a:lumMod val="50000"/>
+                <a:lumOff val="50000"/>
+              </a:schemeClr>
+            </a:solidFill>
+          </a:ln>
+        </p:spPr>
+        <p:style>
+          <a:lnRef idx="1">
+            <a:schemeClr val="accent1"/>
+          </a:lnRef>
+          <a:fillRef idx="0">
+            <a:schemeClr val="accent1"/>
+          </a:fillRef>
+          <a:effectRef idx="0">
+            <a:schemeClr val="accent1"/>
+          </a:effectRef>
+          <a:fontRef idx="minor">
+            <a:schemeClr val="tx1"/>
+          </a:fontRef>
+        </p:style>
+      </p:cxnSp>
+      <p:sp>
+        <p:nvSpPr>
+          <p:cNvPr id="27" name="다이아몬드 26">
+            <a:extLst>
+              <a:ext uri="{FF2B5EF4-FFF2-40B4-BE49-F238E27FC236}">
+                <a16:creationId xmlns:a16="http://schemas.microsoft.com/office/drawing/2014/main" id="{3FE9B066-27B2-EA69-C6F3-58DBBA436992}"/>
+              </a:ext>
+            </a:extLst>
+          </p:cNvPr>
+          <p:cNvSpPr/>
+          <p:nvPr/>
+        </p:nvSpPr>
+        <p:spPr>
+          <a:xfrm>
+            <a:off x="7621971" y="6603300"/>
+            <a:ext cx="180000" cy="180000"/>
+          </a:xfrm>
+          <a:prstGeom prst="diamond">
+            <a:avLst/>
+          </a:prstGeom>
+          <a:solidFill>
+            <a:schemeClr val="tx1">
+              <a:lumMod val="50000"/>
+              <a:lumOff val="50000"/>
+            </a:schemeClr>
+          </a:solidFill>
+          <a:ln>
+            <a:solidFill>
+              <a:schemeClr val="tx1">
+                <a:lumMod val="50000"/>
+                <a:lumOff val="50000"/>
+              </a:schemeClr>
+            </a:solidFill>
+          </a:ln>
+        </p:spPr>
+        <p:style>
+          <a:lnRef idx="2">
+            <a:schemeClr val="accent1">
+              <a:shade val="50000"/>
+            </a:schemeClr>
+          </a:lnRef>
+          <a:fillRef idx="1">
+            <a:schemeClr val="accent1"/>
+          </a:fillRef>
+          <a:effectRef idx="0">
+            <a:schemeClr val="accent1"/>
+          </a:effectRef>
+          <a:fontRef idx="minor">
+            <a:schemeClr val="lt1"/>
+          </a:fontRef>
+        </p:style>
+        <p:txBody>
+          <a:bodyPr rtlCol="0" anchor="ctr"/>
+          <a:lstStyle/>
+          <a:p>
+            <a:pPr algn="ctr"/>
+            <a:endParaRPr lang="ko-KR" altLang="en-US" sz="900" dirty="0">
+              <a:solidFill>
+                <a:schemeClr val="tx1">
+                  <a:lumMod val="50000"/>
+                  <a:lumOff val="50000"/>
+                </a:schemeClr>
+              </a:solidFill>
+              <a:latin typeface="리디바탕" panose="020B0600000101010101" pitchFamily="34" charset="-127"/>
+              <a:ea typeface="리디바탕" panose="020B0600000101010101" pitchFamily="34" charset="-127"/>
+            </a:endParaRPr>
+          </a:p>
+        </p:txBody>
+      </p:sp>
+      <p:cxnSp>
+        <p:nvCxnSpPr>
+          <p:cNvPr id="28" name="직선 연결선 27">
+            <a:extLst>
+              <a:ext uri="{FF2B5EF4-FFF2-40B4-BE49-F238E27FC236}">
+                <a16:creationId xmlns:a16="http://schemas.microsoft.com/office/drawing/2014/main" id="{19C1F732-F253-4EE6-9DC3-894F6C229617}"/>
+              </a:ext>
+            </a:extLst>
+          </p:cNvPr>
+          <p:cNvCxnSpPr>
+            <a:cxnSpLocks/>
+          </p:cNvCxnSpPr>
+          <p:nvPr/>
+        </p:nvCxnSpPr>
+        <p:spPr>
+          <a:xfrm>
+            <a:off x="7794588" y="6693300"/>
+            <a:ext cx="3060000" cy="0"/>
+          </a:xfrm>
+          <a:prstGeom prst="line">
+            <a:avLst/>
+          </a:prstGeom>
+          <a:ln>
+            <a:solidFill>
+              <a:srgbClr val="FAEBD3"/>
+            </a:solidFill>
+          </a:ln>
+        </p:spPr>
+        <p:style>
+          <a:lnRef idx="1">
+            <a:schemeClr val="accent1"/>
+          </a:lnRef>
+          <a:fillRef idx="0">
+            <a:schemeClr val="accent1"/>
+          </a:fillRef>
+          <a:effectRef idx="0">
+            <a:schemeClr val="accent1"/>
+          </a:effectRef>
+          <a:fontRef idx="minor">
+            <a:schemeClr val="tx1"/>
+          </a:fontRef>
+        </p:style>
+      </p:cxnSp>
+      <p:sp>
+        <p:nvSpPr>
+          <p:cNvPr id="29" name="다이아몬드 28">
+            <a:extLst>
+              <a:ext uri="{FF2B5EF4-FFF2-40B4-BE49-F238E27FC236}">
+                <a16:creationId xmlns:a16="http://schemas.microsoft.com/office/drawing/2014/main" id="{47C2BD4C-8AAA-5C23-BAC9-012D126B8ACC}"/>
+              </a:ext>
+            </a:extLst>
+          </p:cNvPr>
+          <p:cNvSpPr/>
+          <p:nvPr/>
+        </p:nvSpPr>
+        <p:spPr>
+          <a:xfrm>
+            <a:off x="10856730" y="6603300"/>
+            <a:ext cx="180000" cy="180000"/>
+          </a:xfrm>
+          <a:prstGeom prst="diamond">
+            <a:avLst/>
+          </a:prstGeom>
+          <a:solidFill>
+            <a:srgbClr val="FAEBD3"/>
+          </a:solidFill>
+          <a:ln>
+            <a:solidFill>
+              <a:srgbClr val="FAEBD3"/>
+            </a:solidFill>
+          </a:ln>
+        </p:spPr>
+        <p:style>
+          <a:lnRef idx="2">
+            <a:schemeClr val="accent1">
+              <a:shade val="50000"/>
+            </a:schemeClr>
+          </a:lnRef>
+          <a:fillRef idx="1">
+            <a:schemeClr val="accent1"/>
+          </a:fillRef>
+          <a:effectRef idx="0">
+            <a:schemeClr val="accent1"/>
+          </a:effectRef>
+          <a:fontRef idx="minor">
+            <a:schemeClr val="lt1"/>
+          </a:fontRef>
+        </p:style>
+        <p:txBody>
+          <a:bodyPr rtlCol="0" anchor="ctr"/>
+          <a:lstStyle/>
+          <a:p>
+            <a:pPr algn="ctr"/>
+            <a:endParaRPr lang="ko-KR" altLang="en-US" sz="900" dirty="0">
+              <a:solidFill>
+                <a:schemeClr val="tx1">
+                  <a:lumMod val="50000"/>
+                  <a:lumOff val="50000"/>
+                </a:schemeClr>
+              </a:solidFill>
+              <a:latin typeface="리디바탕" panose="020B0600000101010101" pitchFamily="34" charset="-127"/>
+              <a:ea typeface="리디바탕" panose="020B0600000101010101" pitchFamily="34" charset="-127"/>
+            </a:endParaRPr>
+          </a:p>
+        </p:txBody>
+      </p:sp>
+      <p:sp>
+        <p:nvSpPr>
+          <p:cNvPr id="30" name="TextBox 29">
+            <a:extLst>
+              <a:ext uri="{FF2B5EF4-FFF2-40B4-BE49-F238E27FC236}">
+                <a16:creationId xmlns:a16="http://schemas.microsoft.com/office/drawing/2014/main" id="{DBD7BA67-3827-5732-A6F6-D7059D35CF4C}"/>
+              </a:ext>
+            </a:extLst>
+          </p:cNvPr>
+          <p:cNvSpPr txBox="1"/>
+          <p:nvPr/>
+        </p:nvSpPr>
+        <p:spPr>
+          <a:xfrm>
+            <a:off x="5350624" y="6416300"/>
+            <a:ext cx="1626299" cy="276999"/>
+          </a:xfrm>
+          <a:prstGeom prst="rect">
+            <a:avLst/>
+          </a:prstGeom>
+          <a:noFill/>
+        </p:spPr>
+        <p:txBody>
+          <a:bodyPr wrap="square" rtlCol="0" anchor="ctr">
+            <a:spAutoFit/>
+          </a:bodyPr>
+          <a:lstStyle/>
+          <a:p>
+            <a:pPr algn="ctr"/>
+            <a:r>
+              <a:rPr lang="ko-KR" altLang="en-US" sz="1200" b="1" dirty="0" err="1">
+                <a:solidFill>
+                  <a:schemeClr val="tx1">
+                    <a:lumMod val="50000"/>
+                    <a:lumOff val="50000"/>
+                  </a:schemeClr>
+                </a:solidFill>
+                <a:latin typeface="리디바탕" panose="020B0600000101010101" pitchFamily="34" charset="-127"/>
+                <a:ea typeface="리디바탕" panose="020B0600000101010101" pitchFamily="34" charset="-127"/>
+              </a:rPr>
+              <a:t>비브린</a:t>
+            </a:r>
+            <a:r>
+              <a:rPr lang="ko-KR" altLang="en-US" sz="1200" b="1" dirty="0">
+                <a:solidFill>
+                  <a:schemeClr val="tx1">
+                    <a:lumMod val="50000"/>
+                    <a:lumOff val="50000"/>
+                  </a:schemeClr>
+                </a:solidFill>
+                <a:latin typeface="리디바탕" panose="020B0600000101010101" pitchFamily="34" charset="-127"/>
+                <a:ea typeface="리디바탕" panose="020B0600000101010101" pitchFamily="34" charset="-127"/>
+              </a:rPr>
+              <a:t> 큐브 입장</a:t>
+            </a:r>
+            <a:endParaRPr lang="en-US" altLang="ko-KR" sz="1200" b="1" dirty="0">
+              <a:solidFill>
+                <a:schemeClr val="tx1">
+                  <a:lumMod val="50000"/>
+                  <a:lumOff val="50000"/>
+                </a:schemeClr>
+              </a:solidFill>
+              <a:latin typeface="리디바탕" panose="020B0600000101010101" pitchFamily="34" charset="-127"/>
+              <a:ea typeface="리디바탕" panose="020B0600000101010101" pitchFamily="34" charset="-127"/>
+            </a:endParaRPr>
+          </a:p>
+        </p:txBody>
+      </p:sp>
+      <p:sp>
+        <p:nvSpPr>
+          <p:cNvPr id="31" name="TextBox 30">
+            <a:extLst>
+              <a:ext uri="{FF2B5EF4-FFF2-40B4-BE49-F238E27FC236}">
+                <a16:creationId xmlns:a16="http://schemas.microsoft.com/office/drawing/2014/main" id="{6012F9D6-6B32-1F0E-C198-8D381D334841}"/>
+              </a:ext>
+            </a:extLst>
+          </p:cNvPr>
+          <p:cNvSpPr txBox="1"/>
+          <p:nvPr/>
+        </p:nvSpPr>
+        <p:spPr>
+          <a:xfrm>
+            <a:off x="8582533" y="6422275"/>
+            <a:ext cx="1926912" cy="276999"/>
+          </a:xfrm>
+          <a:prstGeom prst="rect">
+            <a:avLst/>
+          </a:prstGeom>
+          <a:noFill/>
+        </p:spPr>
+        <p:txBody>
+          <a:bodyPr wrap="square" rtlCol="0" anchor="ctr">
+            <a:spAutoFit/>
+          </a:bodyPr>
+          <a:lstStyle/>
+          <a:p>
+            <a:pPr algn="ctr"/>
+            <a:r>
+              <a:rPr lang="ko-KR" altLang="en-US" sz="1200" b="1">
+                <a:solidFill>
+                  <a:srgbClr val="FAEBD3"/>
+                </a:solidFill>
+                <a:latin typeface="리디바탕" panose="020B0600000101010101" pitchFamily="34" charset="-127"/>
+                <a:ea typeface="리디바탕" panose="020B0600000101010101" pitchFamily="34" charset="-127"/>
+              </a:rPr>
+              <a:t>입장 </a:t>
+            </a:r>
+            <a:r>
+              <a:rPr lang="ko-KR" altLang="en-US" sz="1200" b="1" dirty="0">
+                <a:solidFill>
+                  <a:srgbClr val="FAEBD3"/>
+                </a:solidFill>
+                <a:latin typeface="리디바탕" panose="020B0600000101010101" pitchFamily="34" charset="-127"/>
+                <a:ea typeface="리디바탕" panose="020B0600000101010101" pitchFamily="34" charset="-127"/>
+              </a:rPr>
+              <a:t>규칙</a:t>
+            </a:r>
+            <a:endParaRPr lang="en-US" altLang="ko-KR" sz="1200" b="1" dirty="0">
+              <a:solidFill>
+                <a:srgbClr val="FAEBD3"/>
+              </a:solidFill>
+              <a:latin typeface="리디바탕" panose="020B0600000101010101" pitchFamily="34" charset="-127"/>
+              <a:ea typeface="리디바탕" panose="020B0600000101010101" pitchFamily="34" charset="-127"/>
+            </a:endParaRPr>
+          </a:p>
+        </p:txBody>
+      </p:sp>
+      <p:sp>
+        <p:nvSpPr>
+          <p:cNvPr id="2" name="사각형: 둥근 모서리 1">
+            <a:extLst>
+              <a:ext uri="{FF2B5EF4-FFF2-40B4-BE49-F238E27FC236}">
+                <a16:creationId xmlns:a16="http://schemas.microsoft.com/office/drawing/2014/main" id="{078CE97C-B25F-AEA7-3D11-7AF7E8B2130E}"/>
+              </a:ext>
+            </a:extLst>
+          </p:cNvPr>
+          <p:cNvSpPr/>
+          <p:nvPr/>
+        </p:nvSpPr>
+        <p:spPr>
+          <a:xfrm>
+            <a:off x="2128847" y="2200282"/>
+            <a:ext cx="1296829" cy="400105"/>
+          </a:xfrm>
+          <a:prstGeom prst="roundRect">
+            <a:avLst>
+              <a:gd name="adj" fmla="val 5304"/>
+            </a:avLst>
+          </a:prstGeom>
+          <a:solidFill>
+            <a:srgbClr val="CDC7B6"/>
+          </a:solidFill>
+          <a:ln>
+            <a:solidFill>
+              <a:srgbClr val="FAEBD3"/>
+            </a:solidFill>
+          </a:ln>
+        </p:spPr>
+        <p:style>
+          <a:lnRef idx="2">
+            <a:schemeClr val="accent1">
+              <a:shade val="50000"/>
+            </a:schemeClr>
+          </a:lnRef>
+          <a:fillRef idx="1">
+            <a:schemeClr val="accent1"/>
+          </a:fillRef>
+          <a:effectRef idx="0">
+            <a:schemeClr val="accent1"/>
+          </a:effectRef>
+          <a:fontRef idx="minor">
+            <a:schemeClr val="lt1"/>
+          </a:fontRef>
+        </p:style>
+        <p:txBody>
+          <a:bodyPr rtlCol="0" anchor="ctr"/>
+          <a:lstStyle/>
+          <a:p>
+            <a:pPr algn="ctr"/>
+            <a:r>
+              <a:rPr lang="ko-KR" altLang="en-US" sz="1000" b="1" dirty="0">
+                <a:solidFill>
+                  <a:schemeClr val="tx1">
+                    <a:lumMod val="85000"/>
+                    <a:lumOff val="15000"/>
+                  </a:schemeClr>
+                </a:solidFill>
+                <a:latin typeface="리디바탕" panose="020B0600000101010101" pitchFamily="34" charset="-127"/>
+                <a:ea typeface="리디바탕" panose="020B0600000101010101" pitchFamily="34" charset="-127"/>
+              </a:rPr>
+              <a:t>매칭 그룹 </a:t>
+            </a:r>
+            <a:r>
+              <a:rPr lang="en-US" altLang="ko-KR" sz="1000" b="1" dirty="0">
+                <a:solidFill>
+                  <a:schemeClr val="tx1">
+                    <a:lumMod val="85000"/>
+                    <a:lumOff val="15000"/>
+                  </a:schemeClr>
+                </a:solidFill>
+                <a:latin typeface="리디바탕" panose="020B0600000101010101" pitchFamily="34" charset="-127"/>
+                <a:ea typeface="리디바탕" panose="020B0600000101010101" pitchFamily="34" charset="-127"/>
+              </a:rPr>
+              <a:t>8</a:t>
+            </a:r>
+            <a:r>
+              <a:rPr lang="ko-KR" altLang="en-US" sz="1000" b="1" dirty="0">
+                <a:solidFill>
+                  <a:schemeClr val="tx1">
+                    <a:lumMod val="85000"/>
+                    <a:lumOff val="15000"/>
+                  </a:schemeClr>
+                </a:solidFill>
+                <a:latin typeface="리디바탕" panose="020B0600000101010101" pitchFamily="34" charset="-127"/>
+                <a:ea typeface="리디바탕" panose="020B0600000101010101" pitchFamily="34" charset="-127"/>
+              </a:rPr>
+              <a:t>명</a:t>
+            </a:r>
+          </a:p>
+        </p:txBody>
+      </p:sp>
+      <p:sp>
+        <p:nvSpPr>
+          <p:cNvPr id="4" name="다이아몬드 3">
+            <a:extLst>
+              <a:ext uri="{FF2B5EF4-FFF2-40B4-BE49-F238E27FC236}">
+                <a16:creationId xmlns:a16="http://schemas.microsoft.com/office/drawing/2014/main" id="{1A69348D-A6C4-DAF6-85EE-B0CE9A00F776}"/>
+              </a:ext>
+            </a:extLst>
+          </p:cNvPr>
+          <p:cNvSpPr/>
+          <p:nvPr/>
+        </p:nvSpPr>
+        <p:spPr>
+          <a:xfrm>
+            <a:off x="2128848" y="3370700"/>
+            <a:ext cx="1296829" cy="770314"/>
+          </a:xfrm>
+          <a:prstGeom prst="diamond">
+            <a:avLst/>
+          </a:prstGeom>
+          <a:noFill/>
+          <a:ln>
+            <a:solidFill>
+              <a:srgbClr val="FAEBD3"/>
+            </a:solidFill>
+          </a:ln>
+        </p:spPr>
+        <p:style>
+          <a:lnRef idx="2">
+            <a:schemeClr val="accent1">
+              <a:shade val="50000"/>
+            </a:schemeClr>
+          </a:lnRef>
+          <a:fillRef idx="1">
+            <a:schemeClr val="accent1"/>
+          </a:fillRef>
+          <a:effectRef idx="0">
+            <a:schemeClr val="accent1"/>
+          </a:effectRef>
+          <a:fontRef idx="minor">
+            <a:schemeClr val="lt1"/>
+          </a:fontRef>
+        </p:style>
+        <p:txBody>
+          <a:bodyPr rtlCol="0" anchor="ctr"/>
+          <a:lstStyle/>
+          <a:p>
+            <a:pPr algn="ctr"/>
+            <a:endParaRPr lang="ko-KR" altLang="en-US" sz="1000" dirty="0">
+              <a:solidFill>
+                <a:srgbClr val="FAEBD3"/>
+              </a:solidFill>
+              <a:latin typeface="리디바탕" panose="020B0600000101010101" pitchFamily="34" charset="-127"/>
+              <a:ea typeface="리디바탕" panose="020B0600000101010101" pitchFamily="34" charset="-127"/>
+            </a:endParaRPr>
+          </a:p>
+        </p:txBody>
+      </p:sp>
+      <p:sp>
+        <p:nvSpPr>
+          <p:cNvPr id="5" name="사각형: 둥근 모서리 4">
+            <a:extLst>
+              <a:ext uri="{FF2B5EF4-FFF2-40B4-BE49-F238E27FC236}">
+                <a16:creationId xmlns:a16="http://schemas.microsoft.com/office/drawing/2014/main" id="{E4F1E411-8FA9-B4B9-8B7B-80B3805B7811}"/>
+              </a:ext>
+            </a:extLst>
+          </p:cNvPr>
+          <p:cNvSpPr/>
+          <p:nvPr/>
+        </p:nvSpPr>
+        <p:spPr>
+          <a:xfrm>
+            <a:off x="2147354" y="3555804"/>
+            <a:ext cx="1278323" cy="400105"/>
+          </a:xfrm>
+          <a:prstGeom prst="roundRect">
+            <a:avLst>
+              <a:gd name="adj" fmla="val 5304"/>
+            </a:avLst>
+          </a:prstGeom>
+          <a:noFill/>
+          <a:ln>
+            <a:noFill/>
+          </a:ln>
+        </p:spPr>
+        <p:style>
+          <a:lnRef idx="2">
+            <a:schemeClr val="accent1">
+              <a:shade val="50000"/>
+            </a:schemeClr>
+          </a:lnRef>
+          <a:fillRef idx="1">
+            <a:schemeClr val="accent1"/>
+          </a:fillRef>
+          <a:effectRef idx="0">
+            <a:schemeClr val="accent1"/>
+          </a:effectRef>
+          <a:fontRef idx="minor">
+            <a:schemeClr val="lt1"/>
+          </a:fontRef>
+        </p:style>
+        <p:txBody>
+          <a:bodyPr rtlCol="0" anchor="ctr"/>
+          <a:lstStyle/>
+          <a:p>
+            <a:pPr algn="ctr"/>
+            <a:r>
+              <a:rPr lang="ko-KR" altLang="en-US" sz="1000" dirty="0">
+                <a:solidFill>
+                  <a:srgbClr val="FAEBD3"/>
+                </a:solidFill>
+                <a:latin typeface="리디바탕" panose="020B0600000101010101" pitchFamily="34" charset="-127"/>
+                <a:ea typeface="리디바탕" panose="020B0600000101010101" pitchFamily="34" charset="-127"/>
+              </a:rPr>
+              <a:t>모든 플레이어가</a:t>
+            </a:r>
+            <a:br>
+              <a:rPr lang="en-US" altLang="ko-KR" sz="1000" dirty="0">
+                <a:solidFill>
+                  <a:srgbClr val="FAEBD3"/>
+                </a:solidFill>
+                <a:latin typeface="리디바탕" panose="020B0600000101010101" pitchFamily="34" charset="-127"/>
+                <a:ea typeface="리디바탕" panose="020B0600000101010101" pitchFamily="34" charset="-127"/>
+              </a:rPr>
+            </a:br>
+            <a:r>
+              <a:rPr lang="ko-KR" altLang="en-US" sz="1000" dirty="0">
+                <a:solidFill>
+                  <a:srgbClr val="FAEBD3"/>
+                </a:solidFill>
+                <a:latin typeface="리디바탕" panose="020B0600000101010101" pitchFamily="34" charset="-127"/>
+                <a:ea typeface="리디바탕" panose="020B0600000101010101" pitchFamily="34" charset="-127"/>
+              </a:rPr>
+              <a:t>입장 수락</a:t>
+            </a:r>
+            <a:r>
+              <a:rPr lang="en-US" altLang="ko-KR" sz="1000" dirty="0">
+                <a:solidFill>
+                  <a:srgbClr val="FAEBD3"/>
+                </a:solidFill>
+                <a:latin typeface="리디바탕" panose="020B0600000101010101" pitchFamily="34" charset="-127"/>
+                <a:ea typeface="리디바탕" panose="020B0600000101010101" pitchFamily="34" charset="-127"/>
+              </a:rPr>
+              <a:t>?</a:t>
+            </a:r>
+            <a:endParaRPr lang="ko-KR" altLang="en-US" sz="1000" dirty="0">
+              <a:solidFill>
+                <a:srgbClr val="FAEBD3"/>
+              </a:solidFill>
+              <a:latin typeface="리디바탕" panose="020B0600000101010101" pitchFamily="34" charset="-127"/>
+              <a:ea typeface="리디바탕" panose="020B0600000101010101" pitchFamily="34" charset="-127"/>
+            </a:endParaRPr>
+          </a:p>
+        </p:txBody>
+      </p:sp>
+      <p:sp>
+        <p:nvSpPr>
+          <p:cNvPr id="6" name="사각형: 둥근 모서리 5">
+            <a:extLst>
+              <a:ext uri="{FF2B5EF4-FFF2-40B4-BE49-F238E27FC236}">
+                <a16:creationId xmlns:a16="http://schemas.microsoft.com/office/drawing/2014/main" id="{23E758E4-3814-3601-F156-AB9D91532C58}"/>
+              </a:ext>
+            </a:extLst>
+          </p:cNvPr>
+          <p:cNvSpPr/>
+          <p:nvPr/>
+        </p:nvSpPr>
+        <p:spPr>
+          <a:xfrm>
+            <a:off x="2131066" y="2785491"/>
+            <a:ext cx="1296829" cy="400105"/>
+          </a:xfrm>
+          <a:prstGeom prst="roundRect">
+            <a:avLst>
+              <a:gd name="adj" fmla="val 5304"/>
+            </a:avLst>
+          </a:prstGeom>
+          <a:noFill/>
+          <a:ln>
+            <a:solidFill>
+              <a:srgbClr val="FAEBD3"/>
+            </a:solidFill>
+          </a:ln>
+        </p:spPr>
+        <p:style>
+          <a:lnRef idx="2">
+            <a:schemeClr val="accent1">
+              <a:shade val="50000"/>
+            </a:schemeClr>
+          </a:lnRef>
+          <a:fillRef idx="1">
+            <a:schemeClr val="accent1"/>
+          </a:fillRef>
+          <a:effectRef idx="0">
+            <a:schemeClr val="accent1"/>
+          </a:effectRef>
+          <a:fontRef idx="minor">
+            <a:schemeClr val="lt1"/>
+          </a:fontRef>
+        </p:style>
+        <p:txBody>
+          <a:bodyPr rtlCol="0" anchor="ctr"/>
+          <a:lstStyle/>
+          <a:p>
+            <a:pPr algn="ctr"/>
+            <a:r>
+              <a:rPr lang="ko-KR" altLang="en-US" sz="1000" dirty="0">
+                <a:solidFill>
+                  <a:srgbClr val="FAEBD3"/>
+                </a:solidFill>
+                <a:latin typeface="리디바탕" panose="020B0600000101010101" pitchFamily="34" charset="-127"/>
+                <a:ea typeface="리디바탕" panose="020B0600000101010101" pitchFamily="34" charset="-127"/>
+              </a:rPr>
+              <a:t>입장 수락</a:t>
+            </a:r>
+          </a:p>
+        </p:txBody>
+      </p:sp>
+      <p:sp>
+        <p:nvSpPr>
+          <p:cNvPr id="7" name="사각형: 둥근 모서리 6">
+            <a:extLst>
+              <a:ext uri="{FF2B5EF4-FFF2-40B4-BE49-F238E27FC236}">
+                <a16:creationId xmlns:a16="http://schemas.microsoft.com/office/drawing/2014/main" id="{2E4C2D57-6C24-52EB-4C09-DB40C784F7DF}"/>
+              </a:ext>
+            </a:extLst>
+          </p:cNvPr>
+          <p:cNvSpPr/>
+          <p:nvPr/>
+        </p:nvSpPr>
+        <p:spPr>
+          <a:xfrm>
+            <a:off x="630157" y="3555803"/>
+            <a:ext cx="1296829" cy="400105"/>
+          </a:xfrm>
+          <a:prstGeom prst="roundRect">
+            <a:avLst>
+              <a:gd name="adj" fmla="val 5304"/>
+            </a:avLst>
+          </a:prstGeom>
+          <a:noFill/>
+          <a:ln>
+            <a:solidFill>
+              <a:srgbClr val="FAEBD3"/>
+            </a:solidFill>
+          </a:ln>
+        </p:spPr>
+        <p:style>
+          <a:lnRef idx="2">
+            <a:schemeClr val="accent1">
+              <a:shade val="50000"/>
+            </a:schemeClr>
+          </a:lnRef>
+          <a:fillRef idx="1">
+            <a:schemeClr val="accent1"/>
+          </a:fillRef>
+          <a:effectRef idx="0">
+            <a:schemeClr val="accent1"/>
+          </a:effectRef>
+          <a:fontRef idx="minor">
+            <a:schemeClr val="lt1"/>
+          </a:fontRef>
+        </p:style>
+        <p:txBody>
+          <a:bodyPr rtlCol="0" anchor="ctr"/>
+          <a:lstStyle/>
+          <a:p>
+            <a:pPr algn="ctr"/>
+            <a:r>
+              <a:rPr lang="ko-KR" altLang="en-US" sz="1000" dirty="0">
+                <a:solidFill>
+                  <a:srgbClr val="FAEBD3"/>
+                </a:solidFill>
+                <a:latin typeface="리디바탕" panose="020B0600000101010101" pitchFamily="34" charset="-127"/>
+                <a:ea typeface="리디바탕" panose="020B0600000101010101" pitchFamily="34" charset="-127"/>
+              </a:rPr>
+              <a:t>입장 거절 유저</a:t>
+            </a:r>
+            <a:br>
+              <a:rPr lang="en-US" altLang="ko-KR" sz="1000" dirty="0">
+                <a:solidFill>
+                  <a:srgbClr val="FAEBD3"/>
+                </a:solidFill>
+                <a:latin typeface="리디바탕" panose="020B0600000101010101" pitchFamily="34" charset="-127"/>
+                <a:ea typeface="리디바탕" panose="020B0600000101010101" pitchFamily="34" charset="-127"/>
+              </a:rPr>
+            </a:br>
+            <a:r>
+              <a:rPr lang="ko-KR" altLang="en-US" sz="1000" dirty="0">
+                <a:solidFill>
+                  <a:srgbClr val="FAEBD3"/>
+                </a:solidFill>
+                <a:latin typeface="리디바탕" panose="020B0600000101010101" pitchFamily="34" charset="-127"/>
+                <a:ea typeface="리디바탕" panose="020B0600000101010101" pitchFamily="34" charset="-127"/>
+              </a:rPr>
+              <a:t>매칭 그룹에서 제외</a:t>
+            </a:r>
+          </a:p>
+        </p:txBody>
+      </p:sp>
+      <p:sp>
+        <p:nvSpPr>
+          <p:cNvPr id="8" name="사각형: 둥근 모서리 7">
+            <a:extLst>
+              <a:ext uri="{FF2B5EF4-FFF2-40B4-BE49-F238E27FC236}">
+                <a16:creationId xmlns:a16="http://schemas.microsoft.com/office/drawing/2014/main" id="{848AE4F6-5016-67F4-1AAE-A1EEC0337617}"/>
+              </a:ext>
+            </a:extLst>
+          </p:cNvPr>
+          <p:cNvSpPr/>
+          <p:nvPr/>
+        </p:nvSpPr>
+        <p:spPr>
+          <a:xfrm>
+            <a:off x="630157" y="2785490"/>
+            <a:ext cx="1296829" cy="400105"/>
+          </a:xfrm>
+          <a:prstGeom prst="roundRect">
+            <a:avLst>
+              <a:gd name="adj" fmla="val 5304"/>
+            </a:avLst>
+          </a:prstGeom>
+          <a:noFill/>
+          <a:ln>
+            <a:solidFill>
+              <a:srgbClr val="FAEBD3"/>
+            </a:solidFill>
+          </a:ln>
+        </p:spPr>
+        <p:style>
+          <a:lnRef idx="2">
+            <a:schemeClr val="accent1">
+              <a:shade val="50000"/>
+            </a:schemeClr>
+          </a:lnRef>
+          <a:fillRef idx="1">
+            <a:schemeClr val="accent1"/>
+          </a:fillRef>
+          <a:effectRef idx="0">
+            <a:schemeClr val="accent1"/>
+          </a:effectRef>
+          <a:fontRef idx="minor">
+            <a:schemeClr val="lt1"/>
+          </a:fontRef>
+        </p:style>
+        <p:txBody>
+          <a:bodyPr rtlCol="0" anchor="ctr"/>
+          <a:lstStyle/>
+          <a:p>
+            <a:pPr algn="ctr"/>
+            <a:r>
+              <a:rPr lang="ko-KR" altLang="en-US" sz="1000" dirty="0" err="1">
+                <a:solidFill>
+                  <a:srgbClr val="FAEBD3"/>
+                </a:solidFill>
+                <a:latin typeface="리디바탕" panose="020B0600000101010101" pitchFamily="34" charset="-127"/>
+                <a:ea typeface="리디바탕" panose="020B0600000101010101" pitchFamily="34" charset="-127"/>
+              </a:rPr>
+              <a:t>재매칭</a:t>
+            </a:r>
+            <a:endParaRPr lang="ko-KR" altLang="en-US" sz="1000" dirty="0">
+              <a:solidFill>
+                <a:srgbClr val="FAEBD3"/>
+              </a:solidFill>
+              <a:latin typeface="리디바탕" panose="020B0600000101010101" pitchFamily="34" charset="-127"/>
+              <a:ea typeface="리디바탕" panose="020B0600000101010101" pitchFamily="34" charset="-127"/>
+            </a:endParaRPr>
+          </a:p>
+        </p:txBody>
+      </p:sp>
+      <p:sp>
+        <p:nvSpPr>
+          <p:cNvPr id="9" name="다이아몬드 8">
+            <a:extLst>
+              <a:ext uri="{FF2B5EF4-FFF2-40B4-BE49-F238E27FC236}">
+                <a16:creationId xmlns:a16="http://schemas.microsoft.com/office/drawing/2014/main" id="{07E1AA18-CF51-3D13-510E-C4A64E69C586}"/>
+              </a:ext>
+            </a:extLst>
+          </p:cNvPr>
+          <p:cNvSpPr/>
+          <p:nvPr/>
+        </p:nvSpPr>
+        <p:spPr>
+          <a:xfrm>
+            <a:off x="3627539" y="3370700"/>
+            <a:ext cx="1296829" cy="770314"/>
+          </a:xfrm>
+          <a:prstGeom prst="diamond">
+            <a:avLst/>
+          </a:prstGeom>
+          <a:noFill/>
+          <a:ln>
+            <a:solidFill>
+              <a:srgbClr val="FAEBD3"/>
+            </a:solidFill>
+          </a:ln>
+        </p:spPr>
+        <p:style>
+          <a:lnRef idx="2">
+            <a:schemeClr val="accent1">
+              <a:shade val="50000"/>
+            </a:schemeClr>
+          </a:lnRef>
+          <a:fillRef idx="1">
+            <a:schemeClr val="accent1"/>
+          </a:fillRef>
+          <a:effectRef idx="0">
+            <a:schemeClr val="accent1"/>
+          </a:effectRef>
+          <a:fontRef idx="minor">
+            <a:schemeClr val="lt1"/>
+          </a:fontRef>
+        </p:style>
+        <p:txBody>
+          <a:bodyPr rtlCol="0" anchor="ctr"/>
+          <a:lstStyle/>
+          <a:p>
+            <a:pPr algn="ctr"/>
+            <a:endParaRPr lang="ko-KR" altLang="en-US" sz="1000" dirty="0">
+              <a:solidFill>
+                <a:srgbClr val="FAEBD3"/>
+              </a:solidFill>
+              <a:latin typeface="리디바탕" panose="020B0600000101010101" pitchFamily="34" charset="-127"/>
+              <a:ea typeface="리디바탕" panose="020B0600000101010101" pitchFamily="34" charset="-127"/>
+            </a:endParaRPr>
+          </a:p>
+        </p:txBody>
+      </p:sp>
+      <p:sp>
+        <p:nvSpPr>
+          <p:cNvPr id="11" name="사각형: 둥근 모서리 10">
+            <a:extLst>
+              <a:ext uri="{FF2B5EF4-FFF2-40B4-BE49-F238E27FC236}">
+                <a16:creationId xmlns:a16="http://schemas.microsoft.com/office/drawing/2014/main" id="{2DEC2EC5-B12C-E9D7-0548-166FE18FD878}"/>
+              </a:ext>
+            </a:extLst>
+          </p:cNvPr>
+          <p:cNvSpPr/>
+          <p:nvPr/>
+        </p:nvSpPr>
+        <p:spPr>
+          <a:xfrm>
+            <a:off x="3646045" y="3555804"/>
+            <a:ext cx="1278323" cy="400105"/>
+          </a:xfrm>
+          <a:prstGeom prst="roundRect">
+            <a:avLst>
+              <a:gd name="adj" fmla="val 5304"/>
+            </a:avLst>
+          </a:prstGeom>
+          <a:noFill/>
+          <a:ln>
+            <a:noFill/>
+          </a:ln>
+        </p:spPr>
+        <p:style>
+          <a:lnRef idx="2">
+            <a:schemeClr val="accent1">
+              <a:shade val="50000"/>
+            </a:schemeClr>
+          </a:lnRef>
+          <a:fillRef idx="1">
+            <a:schemeClr val="accent1"/>
+          </a:fillRef>
+          <a:effectRef idx="0">
+            <a:schemeClr val="accent1"/>
+          </a:effectRef>
+          <a:fontRef idx="minor">
+            <a:schemeClr val="lt1"/>
+          </a:fontRef>
+        </p:style>
+        <p:txBody>
+          <a:bodyPr rtlCol="0" anchor="ctr"/>
+          <a:lstStyle/>
+          <a:p>
+            <a:pPr algn="ctr"/>
+            <a:r>
+              <a:rPr lang="ko-KR" altLang="en-US" sz="1000" dirty="0">
+                <a:solidFill>
+                  <a:srgbClr val="FAEBD3"/>
+                </a:solidFill>
+                <a:latin typeface="리디바탕" panose="020B0600000101010101" pitchFamily="34" charset="-127"/>
+                <a:ea typeface="리디바탕" panose="020B0600000101010101" pitchFamily="34" charset="-127"/>
+              </a:rPr>
+              <a:t>매칭 그룹에서</a:t>
+            </a:r>
+            <a:br>
+              <a:rPr lang="en-US" altLang="ko-KR" sz="1000" dirty="0">
+                <a:solidFill>
+                  <a:srgbClr val="FAEBD3"/>
+                </a:solidFill>
+                <a:latin typeface="리디바탕" panose="020B0600000101010101" pitchFamily="34" charset="-127"/>
+                <a:ea typeface="리디바탕" panose="020B0600000101010101" pitchFamily="34" charset="-127"/>
+              </a:rPr>
+            </a:br>
+            <a:r>
+              <a:rPr lang="ko-KR" altLang="en-US" sz="1000" dirty="0">
+                <a:solidFill>
+                  <a:srgbClr val="FAEBD3"/>
+                </a:solidFill>
+                <a:latin typeface="리디바탕" panose="020B0600000101010101" pitchFamily="34" charset="-127"/>
+                <a:ea typeface="리디바탕" panose="020B0600000101010101" pitchFamily="34" charset="-127"/>
+              </a:rPr>
+              <a:t>동일 클래스 존재</a:t>
+            </a:r>
+            <a:r>
+              <a:rPr lang="en-US" altLang="ko-KR" sz="1000" dirty="0">
+                <a:solidFill>
+                  <a:srgbClr val="FAEBD3"/>
+                </a:solidFill>
+                <a:latin typeface="리디바탕" panose="020B0600000101010101" pitchFamily="34" charset="-127"/>
+                <a:ea typeface="리디바탕" panose="020B0600000101010101" pitchFamily="34" charset="-127"/>
+              </a:rPr>
+              <a:t>?</a:t>
+            </a:r>
+            <a:endParaRPr lang="ko-KR" altLang="en-US" sz="1000" dirty="0">
+              <a:solidFill>
+                <a:srgbClr val="FAEBD3"/>
+              </a:solidFill>
+              <a:latin typeface="리디바탕" panose="020B0600000101010101" pitchFamily="34" charset="-127"/>
+              <a:ea typeface="리디바탕" panose="020B0600000101010101" pitchFamily="34" charset="-127"/>
+            </a:endParaRPr>
+          </a:p>
+        </p:txBody>
+      </p:sp>
+      <p:sp>
+        <p:nvSpPr>
+          <p:cNvPr id="12" name="사각형: 둥근 모서리 11">
+            <a:extLst>
+              <a:ext uri="{FF2B5EF4-FFF2-40B4-BE49-F238E27FC236}">
+                <a16:creationId xmlns:a16="http://schemas.microsoft.com/office/drawing/2014/main" id="{4595A1A7-06A6-3358-D035-219B4E13DA64}"/>
+              </a:ext>
+            </a:extLst>
+          </p:cNvPr>
+          <p:cNvSpPr/>
+          <p:nvPr/>
+        </p:nvSpPr>
+        <p:spPr>
+          <a:xfrm>
+            <a:off x="5138236" y="3555802"/>
+            <a:ext cx="1296829" cy="400105"/>
+          </a:xfrm>
+          <a:prstGeom prst="roundRect">
+            <a:avLst>
+              <a:gd name="adj" fmla="val 5304"/>
+            </a:avLst>
+          </a:prstGeom>
+          <a:noFill/>
+          <a:ln>
+            <a:solidFill>
+              <a:srgbClr val="FAEBD3"/>
+            </a:solidFill>
+          </a:ln>
+        </p:spPr>
+        <p:style>
+          <a:lnRef idx="2">
+            <a:schemeClr val="accent1">
+              <a:shade val="50000"/>
+            </a:schemeClr>
+          </a:lnRef>
+          <a:fillRef idx="1">
+            <a:schemeClr val="accent1"/>
+          </a:fillRef>
+          <a:effectRef idx="0">
+            <a:schemeClr val="accent1"/>
+          </a:effectRef>
+          <a:fontRef idx="minor">
+            <a:schemeClr val="lt1"/>
+          </a:fontRef>
+        </p:style>
+        <p:txBody>
+          <a:bodyPr rtlCol="0" anchor="ctr"/>
+          <a:lstStyle/>
+          <a:p>
+            <a:pPr algn="ctr"/>
+            <a:r>
+              <a:rPr lang="ko-KR" altLang="en-US" sz="1000" dirty="0">
+                <a:solidFill>
+                  <a:srgbClr val="FAEBD3"/>
+                </a:solidFill>
+                <a:latin typeface="리디바탕" panose="020B0600000101010101" pitchFamily="34" charset="-127"/>
+                <a:ea typeface="리디바탕" panose="020B0600000101010101" pitchFamily="34" charset="-127"/>
+              </a:rPr>
+              <a:t>해당 유저들을 각각</a:t>
+            </a:r>
+            <a:br>
+              <a:rPr lang="en-US" altLang="ko-KR" sz="1000" dirty="0">
+                <a:solidFill>
+                  <a:srgbClr val="FAEBD3"/>
+                </a:solidFill>
+                <a:latin typeface="리디바탕" panose="020B0600000101010101" pitchFamily="34" charset="-127"/>
+                <a:ea typeface="리디바탕" panose="020B0600000101010101" pitchFamily="34" charset="-127"/>
+              </a:rPr>
+            </a:br>
+            <a:r>
+              <a:rPr lang="ko-KR" altLang="en-US" sz="1000" dirty="0">
+                <a:solidFill>
+                  <a:srgbClr val="FAEBD3"/>
+                </a:solidFill>
+                <a:latin typeface="리디바탕" panose="020B0600000101010101" pitchFamily="34" charset="-127"/>
+                <a:ea typeface="리디바탕" panose="020B0600000101010101" pitchFamily="34" charset="-127"/>
+              </a:rPr>
+              <a:t>다른 파티로 배정</a:t>
+            </a:r>
+          </a:p>
+        </p:txBody>
+      </p:sp>
+      <p:sp>
+        <p:nvSpPr>
+          <p:cNvPr id="23" name="사각형: 둥근 모서리 22">
+            <a:extLst>
+              <a:ext uri="{FF2B5EF4-FFF2-40B4-BE49-F238E27FC236}">
+                <a16:creationId xmlns:a16="http://schemas.microsoft.com/office/drawing/2014/main" id="{41ACED35-EB2A-E72D-3ABD-18983DE7E9C3}"/>
+              </a:ext>
+            </a:extLst>
+          </p:cNvPr>
+          <p:cNvSpPr/>
+          <p:nvPr/>
+        </p:nvSpPr>
+        <p:spPr>
+          <a:xfrm>
+            <a:off x="3627538" y="4326117"/>
+            <a:ext cx="1296829" cy="400105"/>
+          </a:xfrm>
+          <a:prstGeom prst="roundRect">
+            <a:avLst>
+              <a:gd name="adj" fmla="val 5304"/>
+            </a:avLst>
+          </a:prstGeom>
+          <a:noFill/>
+          <a:ln>
+            <a:solidFill>
+              <a:srgbClr val="FAEBD3"/>
+            </a:solidFill>
+          </a:ln>
+        </p:spPr>
+        <p:style>
+          <a:lnRef idx="2">
+            <a:schemeClr val="accent1">
+              <a:shade val="50000"/>
+            </a:schemeClr>
+          </a:lnRef>
+          <a:fillRef idx="1">
+            <a:schemeClr val="accent1"/>
+          </a:fillRef>
+          <a:effectRef idx="0">
+            <a:schemeClr val="accent1"/>
+          </a:effectRef>
+          <a:fontRef idx="minor">
+            <a:schemeClr val="lt1"/>
+          </a:fontRef>
+        </p:style>
+        <p:txBody>
+          <a:bodyPr rtlCol="0" anchor="ctr"/>
+          <a:lstStyle/>
+          <a:p>
+            <a:pPr algn="ctr"/>
+            <a:r>
+              <a:rPr lang="ko-KR" altLang="en-US" sz="1000" dirty="0">
+                <a:solidFill>
+                  <a:srgbClr val="FAEBD3"/>
+                </a:solidFill>
+                <a:latin typeface="리디바탕" panose="020B0600000101010101" pitchFamily="34" charset="-127"/>
+                <a:ea typeface="리디바탕" panose="020B0600000101010101" pitchFamily="34" charset="-127"/>
+              </a:rPr>
+              <a:t>파티 배정 되지 않은</a:t>
+            </a:r>
+            <a:br>
+              <a:rPr lang="en-US" altLang="ko-KR" sz="1000" dirty="0">
+                <a:solidFill>
+                  <a:srgbClr val="FAEBD3"/>
+                </a:solidFill>
+                <a:latin typeface="리디바탕" panose="020B0600000101010101" pitchFamily="34" charset="-127"/>
+                <a:ea typeface="리디바탕" panose="020B0600000101010101" pitchFamily="34" charset="-127"/>
+              </a:rPr>
+            </a:br>
+            <a:r>
+              <a:rPr lang="ko-KR" altLang="en-US" sz="1000" dirty="0">
+                <a:solidFill>
+                  <a:srgbClr val="FAEBD3"/>
+                </a:solidFill>
+                <a:latin typeface="리디바탕" panose="020B0600000101010101" pitchFamily="34" charset="-127"/>
+                <a:ea typeface="리디바탕" panose="020B0600000101010101" pitchFamily="34" charset="-127"/>
+              </a:rPr>
+              <a:t>딜러 </a:t>
+            </a:r>
+            <a:r>
+              <a:rPr lang="en-US" altLang="ko-KR" sz="1000" dirty="0">
+                <a:solidFill>
+                  <a:srgbClr val="FAEBD3"/>
+                </a:solidFill>
+                <a:latin typeface="리디바탕" panose="020B0600000101010101" pitchFamily="34" charset="-127"/>
+                <a:ea typeface="리디바탕" panose="020B0600000101010101" pitchFamily="34" charset="-127"/>
+              </a:rPr>
+              <a:t>1</a:t>
+            </a:r>
+            <a:r>
+              <a:rPr lang="ko-KR" altLang="en-US" sz="1000" dirty="0">
+                <a:solidFill>
+                  <a:srgbClr val="FAEBD3"/>
+                </a:solidFill>
+                <a:latin typeface="리디바탕" panose="020B0600000101010101" pitchFamily="34" charset="-127"/>
+                <a:ea typeface="리디바탕" panose="020B0600000101010101" pitchFamily="34" charset="-127"/>
+              </a:rPr>
+              <a:t>명 랜덤 선택</a:t>
+            </a:r>
+          </a:p>
+        </p:txBody>
+      </p:sp>
+      <p:sp>
+        <p:nvSpPr>
+          <p:cNvPr id="24" name="다이아몬드 23">
+            <a:extLst>
+              <a:ext uri="{FF2B5EF4-FFF2-40B4-BE49-F238E27FC236}">
+                <a16:creationId xmlns:a16="http://schemas.microsoft.com/office/drawing/2014/main" id="{4B26A1B6-E989-46B8-E4A5-261832CAF3DC}"/>
+              </a:ext>
+            </a:extLst>
+          </p:cNvPr>
+          <p:cNvSpPr/>
+          <p:nvPr/>
+        </p:nvSpPr>
+        <p:spPr>
+          <a:xfrm>
+            <a:off x="3627538" y="4911325"/>
+            <a:ext cx="1296829" cy="770314"/>
+          </a:xfrm>
+          <a:prstGeom prst="diamond">
+            <a:avLst/>
+          </a:prstGeom>
+          <a:noFill/>
+          <a:ln>
+            <a:solidFill>
+              <a:srgbClr val="FAEBD3"/>
+            </a:solidFill>
+          </a:ln>
+        </p:spPr>
+        <p:style>
+          <a:lnRef idx="2">
+            <a:schemeClr val="accent1">
+              <a:shade val="50000"/>
+            </a:schemeClr>
+          </a:lnRef>
+          <a:fillRef idx="1">
+            <a:schemeClr val="accent1"/>
+          </a:fillRef>
+          <a:effectRef idx="0">
+            <a:schemeClr val="accent1"/>
+          </a:effectRef>
+          <a:fontRef idx="minor">
+            <a:schemeClr val="lt1"/>
+          </a:fontRef>
+        </p:style>
+        <p:txBody>
+          <a:bodyPr rtlCol="0" anchor="ctr"/>
+          <a:lstStyle/>
+          <a:p>
+            <a:pPr algn="ctr"/>
+            <a:endParaRPr lang="ko-KR" altLang="en-US" sz="1000" dirty="0">
+              <a:solidFill>
+                <a:srgbClr val="FAEBD3"/>
+              </a:solidFill>
+              <a:latin typeface="리디바탕" panose="020B0600000101010101" pitchFamily="34" charset="-127"/>
+              <a:ea typeface="리디바탕" panose="020B0600000101010101" pitchFamily="34" charset="-127"/>
+            </a:endParaRPr>
+          </a:p>
+        </p:txBody>
+      </p:sp>
+      <p:sp>
+        <p:nvSpPr>
+          <p:cNvPr id="35" name="사각형: 둥근 모서리 34">
+            <a:extLst>
+              <a:ext uri="{FF2B5EF4-FFF2-40B4-BE49-F238E27FC236}">
+                <a16:creationId xmlns:a16="http://schemas.microsoft.com/office/drawing/2014/main" id="{E6E9EBDD-5F22-80AC-6E5F-F38D613F013F}"/>
+              </a:ext>
+            </a:extLst>
+          </p:cNvPr>
+          <p:cNvSpPr/>
+          <p:nvPr/>
+        </p:nvSpPr>
+        <p:spPr>
+          <a:xfrm>
+            <a:off x="3646044" y="5096429"/>
+            <a:ext cx="1278323" cy="400105"/>
+          </a:xfrm>
+          <a:prstGeom prst="roundRect">
+            <a:avLst>
+              <a:gd name="adj" fmla="val 5304"/>
+            </a:avLst>
+          </a:prstGeom>
+          <a:noFill/>
+          <a:ln>
+            <a:noFill/>
+          </a:ln>
+        </p:spPr>
+        <p:style>
+          <a:lnRef idx="2">
+            <a:schemeClr val="accent1">
+              <a:shade val="50000"/>
+            </a:schemeClr>
+          </a:lnRef>
+          <a:fillRef idx="1">
+            <a:schemeClr val="accent1"/>
+          </a:fillRef>
+          <a:effectRef idx="0">
+            <a:schemeClr val="accent1"/>
+          </a:effectRef>
+          <a:fontRef idx="minor">
+            <a:schemeClr val="lt1"/>
+          </a:fontRef>
+        </p:style>
+        <p:txBody>
+          <a:bodyPr rtlCol="0" anchor="ctr"/>
+          <a:lstStyle/>
+          <a:p>
+            <a:pPr algn="ctr"/>
+            <a:r>
+              <a:rPr lang="en-US" altLang="ko-KR" sz="1000" dirty="0">
+                <a:solidFill>
+                  <a:srgbClr val="FAEBD3"/>
+                </a:solidFill>
+                <a:latin typeface="리디바탕" panose="020B0600000101010101" pitchFamily="34" charset="-127"/>
+                <a:ea typeface="리디바탕" panose="020B0600000101010101" pitchFamily="34" charset="-127"/>
+              </a:rPr>
+              <a:t>1</a:t>
+            </a:r>
+            <a:r>
+              <a:rPr lang="ko-KR" altLang="en-US" sz="1000" dirty="0">
+                <a:solidFill>
+                  <a:srgbClr val="FAEBD3"/>
+                </a:solidFill>
+                <a:latin typeface="리디바탕" panose="020B0600000101010101" pitchFamily="34" charset="-127"/>
+                <a:ea typeface="리디바탕" panose="020B0600000101010101" pitchFamily="34" charset="-127"/>
+              </a:rPr>
+              <a:t>파티에</a:t>
+            </a:r>
+            <a:br>
+              <a:rPr lang="en-US" altLang="ko-KR" sz="1000" dirty="0">
+                <a:solidFill>
+                  <a:srgbClr val="FAEBD3"/>
+                </a:solidFill>
+                <a:latin typeface="리디바탕" panose="020B0600000101010101" pitchFamily="34" charset="-127"/>
+                <a:ea typeface="리디바탕" panose="020B0600000101010101" pitchFamily="34" charset="-127"/>
+              </a:rPr>
+            </a:br>
+            <a:r>
+              <a:rPr lang="ko-KR" altLang="en-US" sz="1000" dirty="0">
+                <a:solidFill>
+                  <a:srgbClr val="FAEBD3"/>
+                </a:solidFill>
+                <a:latin typeface="리디바탕" panose="020B0600000101010101" pitchFamily="34" charset="-127"/>
+                <a:ea typeface="리디바탕" panose="020B0600000101010101" pitchFamily="34" charset="-127"/>
+              </a:rPr>
+              <a:t>딜러 </a:t>
+            </a:r>
+            <a:r>
+              <a:rPr lang="en-US" altLang="ko-KR" sz="1000" dirty="0">
+                <a:solidFill>
+                  <a:srgbClr val="FAEBD3"/>
+                </a:solidFill>
+                <a:latin typeface="리디바탕" panose="020B0600000101010101" pitchFamily="34" charset="-127"/>
+                <a:ea typeface="리디바탕" panose="020B0600000101010101" pitchFamily="34" charset="-127"/>
+              </a:rPr>
+              <a:t>3</a:t>
+            </a:r>
+            <a:r>
+              <a:rPr lang="ko-KR" altLang="en-US" sz="1000" dirty="0">
+                <a:solidFill>
+                  <a:srgbClr val="FAEBD3"/>
+                </a:solidFill>
+                <a:latin typeface="리디바탕" panose="020B0600000101010101" pitchFamily="34" charset="-127"/>
+                <a:ea typeface="리디바탕" panose="020B0600000101010101" pitchFamily="34" charset="-127"/>
+              </a:rPr>
+              <a:t>명</a:t>
+            </a:r>
+            <a:r>
+              <a:rPr lang="en-US" altLang="ko-KR" sz="1000" dirty="0">
+                <a:solidFill>
+                  <a:srgbClr val="FAEBD3"/>
+                </a:solidFill>
+                <a:latin typeface="리디바탕" panose="020B0600000101010101" pitchFamily="34" charset="-127"/>
+                <a:ea typeface="리디바탕" panose="020B0600000101010101" pitchFamily="34" charset="-127"/>
+              </a:rPr>
+              <a:t>?</a:t>
+            </a:r>
+            <a:endParaRPr lang="ko-KR" altLang="en-US" sz="1000" dirty="0">
+              <a:solidFill>
+                <a:srgbClr val="FAEBD3"/>
+              </a:solidFill>
+              <a:latin typeface="리디바탕" panose="020B0600000101010101" pitchFamily="34" charset="-127"/>
+              <a:ea typeface="리디바탕" panose="020B0600000101010101" pitchFamily="34" charset="-127"/>
+            </a:endParaRPr>
+          </a:p>
+        </p:txBody>
+      </p:sp>
+      <p:sp>
+        <p:nvSpPr>
+          <p:cNvPr id="36" name="사각형: 둥근 모서리 35">
+            <a:extLst>
+              <a:ext uri="{FF2B5EF4-FFF2-40B4-BE49-F238E27FC236}">
+                <a16:creationId xmlns:a16="http://schemas.microsoft.com/office/drawing/2014/main" id="{4DA14749-4106-0A19-A6D6-422F9099980D}"/>
+              </a:ext>
+            </a:extLst>
+          </p:cNvPr>
+          <p:cNvSpPr/>
+          <p:nvPr/>
+        </p:nvSpPr>
+        <p:spPr>
+          <a:xfrm>
+            <a:off x="2112560" y="5096429"/>
+            <a:ext cx="1296829" cy="400105"/>
+          </a:xfrm>
+          <a:prstGeom prst="roundRect">
+            <a:avLst>
+              <a:gd name="adj" fmla="val 5304"/>
+            </a:avLst>
+          </a:prstGeom>
+          <a:noFill/>
+          <a:ln>
+            <a:solidFill>
+              <a:srgbClr val="FAEBD3"/>
+            </a:solidFill>
+          </a:ln>
+        </p:spPr>
+        <p:style>
+          <a:lnRef idx="2">
+            <a:schemeClr val="accent1">
+              <a:shade val="50000"/>
+            </a:schemeClr>
+          </a:lnRef>
+          <a:fillRef idx="1">
+            <a:schemeClr val="accent1"/>
+          </a:fillRef>
+          <a:effectRef idx="0">
+            <a:schemeClr val="accent1"/>
+          </a:effectRef>
+          <a:fontRef idx="minor">
+            <a:schemeClr val="lt1"/>
+          </a:fontRef>
+        </p:style>
+        <p:txBody>
+          <a:bodyPr rtlCol="0" anchor="ctr"/>
+          <a:lstStyle/>
+          <a:p>
+            <a:pPr algn="ctr"/>
+            <a:r>
+              <a:rPr lang="ko-KR" altLang="en-US" sz="1000" dirty="0">
+                <a:solidFill>
+                  <a:srgbClr val="FAEBD3"/>
+                </a:solidFill>
+                <a:latin typeface="리디바탕" panose="020B0600000101010101" pitchFamily="34" charset="-127"/>
+                <a:ea typeface="리디바탕" panose="020B0600000101010101" pitchFamily="34" charset="-127"/>
+              </a:rPr>
+              <a:t>해당 딜러</a:t>
+            </a:r>
+            <a:br>
+              <a:rPr lang="en-US" altLang="ko-KR" sz="1000" dirty="0">
+                <a:solidFill>
+                  <a:srgbClr val="FAEBD3"/>
+                </a:solidFill>
+                <a:latin typeface="리디바탕" panose="020B0600000101010101" pitchFamily="34" charset="-127"/>
+                <a:ea typeface="리디바탕" panose="020B0600000101010101" pitchFamily="34" charset="-127"/>
+              </a:rPr>
+            </a:br>
+            <a:r>
+              <a:rPr lang="en-US" altLang="ko-KR" sz="1000" dirty="0">
+                <a:solidFill>
+                  <a:srgbClr val="FAEBD3"/>
+                </a:solidFill>
+                <a:latin typeface="리디바탕" panose="020B0600000101010101" pitchFamily="34" charset="-127"/>
+                <a:ea typeface="리디바탕" panose="020B0600000101010101" pitchFamily="34" charset="-127"/>
+              </a:rPr>
+              <a:t>1</a:t>
+            </a:r>
+            <a:r>
+              <a:rPr lang="ko-KR" altLang="en-US" sz="1000" dirty="0">
+                <a:solidFill>
+                  <a:srgbClr val="FAEBD3"/>
+                </a:solidFill>
+                <a:latin typeface="리디바탕" panose="020B0600000101010101" pitchFamily="34" charset="-127"/>
+                <a:ea typeface="리디바탕" panose="020B0600000101010101" pitchFamily="34" charset="-127"/>
+              </a:rPr>
+              <a:t>파티로 배정</a:t>
+            </a:r>
+          </a:p>
+        </p:txBody>
+      </p:sp>
+      <p:sp>
+        <p:nvSpPr>
+          <p:cNvPr id="37" name="사각형: 둥근 모서리 36">
+            <a:extLst>
+              <a:ext uri="{FF2B5EF4-FFF2-40B4-BE49-F238E27FC236}">
+                <a16:creationId xmlns:a16="http://schemas.microsoft.com/office/drawing/2014/main" id="{0CBAD19C-4841-E5A3-8B9A-93A8AEFDB597}"/>
+              </a:ext>
+            </a:extLst>
+          </p:cNvPr>
+          <p:cNvSpPr/>
+          <p:nvPr/>
+        </p:nvSpPr>
+        <p:spPr>
+          <a:xfrm>
+            <a:off x="5138236" y="5096428"/>
+            <a:ext cx="1296829" cy="400105"/>
+          </a:xfrm>
+          <a:prstGeom prst="roundRect">
+            <a:avLst>
+              <a:gd name="adj" fmla="val 5304"/>
+            </a:avLst>
+          </a:prstGeom>
+          <a:noFill/>
+          <a:ln>
+            <a:solidFill>
+              <a:srgbClr val="FAEBD3"/>
+            </a:solidFill>
+          </a:ln>
+        </p:spPr>
+        <p:style>
+          <a:lnRef idx="2">
+            <a:schemeClr val="accent1">
+              <a:shade val="50000"/>
+            </a:schemeClr>
+          </a:lnRef>
+          <a:fillRef idx="1">
+            <a:schemeClr val="accent1"/>
+          </a:fillRef>
+          <a:effectRef idx="0">
+            <a:schemeClr val="accent1"/>
+          </a:effectRef>
+          <a:fontRef idx="minor">
+            <a:schemeClr val="lt1"/>
+          </a:fontRef>
+        </p:style>
+        <p:txBody>
+          <a:bodyPr rtlCol="0" anchor="ctr"/>
+          <a:lstStyle/>
+          <a:p>
+            <a:pPr algn="ctr"/>
+            <a:r>
+              <a:rPr lang="ko-KR" altLang="en-US" sz="1000" dirty="0">
+                <a:solidFill>
+                  <a:srgbClr val="FAEBD3"/>
+                </a:solidFill>
+                <a:latin typeface="리디바탕" panose="020B0600000101010101" pitchFamily="34" charset="-127"/>
+                <a:ea typeface="리디바탕" panose="020B0600000101010101" pitchFamily="34" charset="-127"/>
+              </a:rPr>
+              <a:t>해당 딜러</a:t>
+            </a:r>
+            <a:br>
+              <a:rPr lang="en-US" altLang="ko-KR" sz="1000" dirty="0">
+                <a:solidFill>
+                  <a:srgbClr val="FAEBD3"/>
+                </a:solidFill>
+                <a:latin typeface="리디바탕" panose="020B0600000101010101" pitchFamily="34" charset="-127"/>
+                <a:ea typeface="리디바탕" panose="020B0600000101010101" pitchFamily="34" charset="-127"/>
+              </a:rPr>
+            </a:br>
+            <a:r>
+              <a:rPr lang="en-US" altLang="ko-KR" sz="1000" dirty="0">
+                <a:solidFill>
+                  <a:srgbClr val="FAEBD3"/>
+                </a:solidFill>
+                <a:latin typeface="리디바탕" panose="020B0600000101010101" pitchFamily="34" charset="-127"/>
+                <a:ea typeface="리디바탕" panose="020B0600000101010101" pitchFamily="34" charset="-127"/>
+              </a:rPr>
+              <a:t>2</a:t>
+            </a:r>
+            <a:r>
+              <a:rPr lang="ko-KR" altLang="en-US" sz="1000" dirty="0">
+                <a:solidFill>
+                  <a:srgbClr val="FAEBD3"/>
+                </a:solidFill>
+                <a:latin typeface="리디바탕" panose="020B0600000101010101" pitchFamily="34" charset="-127"/>
+                <a:ea typeface="리디바탕" panose="020B0600000101010101" pitchFamily="34" charset="-127"/>
+              </a:rPr>
+              <a:t>파티로 배정</a:t>
+            </a:r>
+          </a:p>
+        </p:txBody>
+      </p:sp>
+      <p:sp>
+        <p:nvSpPr>
+          <p:cNvPr id="38" name="사각형: 둥근 모서리 37">
+            <a:extLst>
+              <a:ext uri="{FF2B5EF4-FFF2-40B4-BE49-F238E27FC236}">
+                <a16:creationId xmlns:a16="http://schemas.microsoft.com/office/drawing/2014/main" id="{BA7375BB-B8E4-F4FB-2AE7-46129B7CE598}"/>
+              </a:ext>
+            </a:extLst>
+          </p:cNvPr>
+          <p:cNvSpPr/>
+          <p:nvPr/>
+        </p:nvSpPr>
+        <p:spPr>
+          <a:xfrm>
+            <a:off x="6648934" y="5096427"/>
+            <a:ext cx="1460593" cy="400105"/>
+          </a:xfrm>
+          <a:prstGeom prst="roundRect">
+            <a:avLst>
+              <a:gd name="adj" fmla="val 5304"/>
+            </a:avLst>
+          </a:prstGeom>
+          <a:noFill/>
+          <a:ln>
+            <a:solidFill>
+              <a:srgbClr val="FAEBD3"/>
+            </a:solidFill>
+          </a:ln>
+        </p:spPr>
+        <p:style>
+          <a:lnRef idx="2">
+            <a:schemeClr val="accent1">
+              <a:shade val="50000"/>
+            </a:schemeClr>
+          </a:lnRef>
+          <a:fillRef idx="1">
+            <a:schemeClr val="accent1"/>
+          </a:fillRef>
+          <a:effectRef idx="0">
+            <a:schemeClr val="accent1"/>
+          </a:effectRef>
+          <a:fontRef idx="minor">
+            <a:schemeClr val="lt1"/>
+          </a:fontRef>
+        </p:style>
+        <p:txBody>
+          <a:bodyPr rtlCol="0" anchor="ctr"/>
+          <a:lstStyle/>
+          <a:p>
+            <a:pPr algn="ctr"/>
+            <a:r>
+              <a:rPr lang="ko-KR" altLang="en-US" sz="1000" dirty="0">
+                <a:solidFill>
+                  <a:srgbClr val="FAEBD3"/>
+                </a:solidFill>
+                <a:latin typeface="리디바탕" panose="020B0600000101010101" pitchFamily="34" charset="-127"/>
+                <a:ea typeface="리디바탕" panose="020B0600000101010101" pitchFamily="34" charset="-127"/>
+              </a:rPr>
+              <a:t>파티 배정 되지 않은</a:t>
+            </a:r>
+            <a:br>
+              <a:rPr lang="en-US" altLang="ko-KR" sz="1000" dirty="0">
+                <a:solidFill>
+                  <a:srgbClr val="FAEBD3"/>
+                </a:solidFill>
+                <a:latin typeface="리디바탕" panose="020B0600000101010101" pitchFamily="34" charset="-127"/>
+                <a:ea typeface="리디바탕" panose="020B0600000101010101" pitchFamily="34" charset="-127"/>
+              </a:rPr>
+            </a:br>
+            <a:r>
+              <a:rPr lang="ko-KR" altLang="en-US" sz="1000" dirty="0">
+                <a:solidFill>
+                  <a:srgbClr val="FAEBD3"/>
+                </a:solidFill>
+                <a:latin typeface="리디바탕" panose="020B0600000101010101" pitchFamily="34" charset="-127"/>
+                <a:ea typeface="리디바탕" panose="020B0600000101010101" pitchFamily="34" charset="-127"/>
+              </a:rPr>
+              <a:t>모든 딜러 </a:t>
+            </a:r>
+            <a:r>
+              <a:rPr lang="en-US" altLang="ko-KR" sz="1000" dirty="0">
+                <a:solidFill>
+                  <a:srgbClr val="FAEBD3"/>
+                </a:solidFill>
+                <a:latin typeface="리디바탕" panose="020B0600000101010101" pitchFamily="34" charset="-127"/>
+                <a:ea typeface="리디바탕" panose="020B0600000101010101" pitchFamily="34" charset="-127"/>
+              </a:rPr>
+              <a:t>2</a:t>
+            </a:r>
+            <a:r>
+              <a:rPr lang="ko-KR" altLang="en-US" sz="1000" dirty="0">
+                <a:solidFill>
+                  <a:srgbClr val="FAEBD3"/>
+                </a:solidFill>
+                <a:latin typeface="리디바탕" panose="020B0600000101010101" pitchFamily="34" charset="-127"/>
+                <a:ea typeface="리디바탕" panose="020B0600000101010101" pitchFamily="34" charset="-127"/>
+              </a:rPr>
+              <a:t>파티로 배정</a:t>
+            </a:r>
+          </a:p>
+        </p:txBody>
+      </p:sp>
+      <p:sp>
+        <p:nvSpPr>
+          <p:cNvPr id="39" name="사각형: 둥근 모서리 38">
+            <a:extLst>
+              <a:ext uri="{FF2B5EF4-FFF2-40B4-BE49-F238E27FC236}">
+                <a16:creationId xmlns:a16="http://schemas.microsoft.com/office/drawing/2014/main" id="{988A65A5-F3E2-62A9-698F-DFAF9FD16167}"/>
+              </a:ext>
+            </a:extLst>
+          </p:cNvPr>
+          <p:cNvSpPr/>
+          <p:nvPr/>
+        </p:nvSpPr>
+        <p:spPr>
+          <a:xfrm>
+            <a:off x="8323396" y="5094901"/>
+            <a:ext cx="1296829" cy="400105"/>
+          </a:xfrm>
+          <a:prstGeom prst="roundRect">
+            <a:avLst>
+              <a:gd name="adj" fmla="val 5304"/>
+            </a:avLst>
+          </a:prstGeom>
+          <a:noFill/>
+          <a:ln>
+            <a:solidFill>
+              <a:srgbClr val="FAEBD3"/>
+            </a:solidFill>
+          </a:ln>
+        </p:spPr>
+        <p:style>
+          <a:lnRef idx="2">
+            <a:schemeClr val="accent1">
+              <a:shade val="50000"/>
+            </a:schemeClr>
+          </a:lnRef>
+          <a:fillRef idx="1">
+            <a:schemeClr val="accent1"/>
+          </a:fillRef>
+          <a:effectRef idx="0">
+            <a:schemeClr val="accent1"/>
+          </a:effectRef>
+          <a:fontRef idx="minor">
+            <a:schemeClr val="lt1"/>
+          </a:fontRef>
+        </p:style>
+        <p:txBody>
+          <a:bodyPr rtlCol="0" anchor="ctr"/>
+          <a:lstStyle/>
+          <a:p>
+            <a:pPr algn="ctr"/>
+            <a:r>
+              <a:rPr lang="ko-KR" altLang="en-US" sz="1000" dirty="0">
+                <a:solidFill>
+                  <a:srgbClr val="FAEBD3"/>
+                </a:solidFill>
+                <a:latin typeface="리디바탕" panose="020B0600000101010101" pitchFamily="34" charset="-127"/>
+                <a:ea typeface="리디바탕" panose="020B0600000101010101" pitchFamily="34" charset="-127"/>
+              </a:rPr>
+              <a:t>서포터들을 각각</a:t>
+            </a:r>
+            <a:br>
+              <a:rPr lang="en-US" altLang="ko-KR" sz="1000" dirty="0">
+                <a:solidFill>
+                  <a:srgbClr val="FAEBD3"/>
+                </a:solidFill>
+                <a:latin typeface="리디바탕" panose="020B0600000101010101" pitchFamily="34" charset="-127"/>
+                <a:ea typeface="리디바탕" panose="020B0600000101010101" pitchFamily="34" charset="-127"/>
+              </a:rPr>
+            </a:br>
+            <a:r>
+              <a:rPr lang="ko-KR" altLang="en-US" sz="1000" dirty="0">
+                <a:solidFill>
+                  <a:srgbClr val="FAEBD3"/>
+                </a:solidFill>
+                <a:latin typeface="리디바탕" panose="020B0600000101010101" pitchFamily="34" charset="-127"/>
+                <a:ea typeface="리디바탕" panose="020B0600000101010101" pitchFamily="34" charset="-127"/>
+              </a:rPr>
+              <a:t>다른 파티로 배정</a:t>
+            </a:r>
+          </a:p>
+        </p:txBody>
+      </p:sp>
+      <p:sp>
+        <p:nvSpPr>
+          <p:cNvPr id="41" name="사각형: 둥근 모서리 40">
+            <a:extLst>
+              <a:ext uri="{FF2B5EF4-FFF2-40B4-BE49-F238E27FC236}">
+                <a16:creationId xmlns:a16="http://schemas.microsoft.com/office/drawing/2014/main" id="{BDF1A952-E03F-A667-45CE-3F5E11F807A0}"/>
+              </a:ext>
+            </a:extLst>
+          </p:cNvPr>
+          <p:cNvSpPr/>
+          <p:nvPr/>
+        </p:nvSpPr>
+        <p:spPr>
+          <a:xfrm>
+            <a:off x="9834094" y="5098574"/>
+            <a:ext cx="1296829" cy="400105"/>
+          </a:xfrm>
+          <a:prstGeom prst="roundRect">
+            <a:avLst>
+              <a:gd name="adj" fmla="val 5304"/>
+            </a:avLst>
+          </a:prstGeom>
+          <a:solidFill>
+            <a:srgbClr val="CDC7B6"/>
+          </a:solidFill>
+          <a:ln>
+            <a:solidFill>
+              <a:srgbClr val="FAEBD3"/>
+            </a:solidFill>
+          </a:ln>
+        </p:spPr>
+        <p:style>
+          <a:lnRef idx="2">
+            <a:schemeClr val="accent1">
+              <a:shade val="50000"/>
+            </a:schemeClr>
+          </a:lnRef>
+          <a:fillRef idx="1">
+            <a:schemeClr val="accent1"/>
+          </a:fillRef>
+          <a:effectRef idx="0">
+            <a:schemeClr val="accent1"/>
+          </a:effectRef>
+          <a:fontRef idx="minor">
+            <a:schemeClr val="lt1"/>
+          </a:fontRef>
+        </p:style>
+        <p:txBody>
+          <a:bodyPr rtlCol="0" anchor="ctr"/>
+          <a:lstStyle/>
+          <a:p>
+            <a:pPr algn="ctr"/>
+            <a:r>
+              <a:rPr lang="ko-KR" altLang="en-US" sz="1000" b="1" dirty="0">
+                <a:solidFill>
+                  <a:schemeClr val="tx1">
+                    <a:lumMod val="85000"/>
+                    <a:lumOff val="15000"/>
+                  </a:schemeClr>
+                </a:solidFill>
+                <a:latin typeface="리디바탕" panose="020B0600000101010101" pitchFamily="34" charset="-127"/>
+                <a:ea typeface="리디바탕" panose="020B0600000101010101" pitchFamily="34" charset="-127"/>
+              </a:rPr>
+              <a:t>파티 배정 종료</a:t>
+            </a:r>
+            <a:br>
+              <a:rPr lang="en-US" altLang="ko-KR" sz="1000" b="1" dirty="0">
+                <a:solidFill>
+                  <a:schemeClr val="tx1">
+                    <a:lumMod val="85000"/>
+                    <a:lumOff val="15000"/>
+                  </a:schemeClr>
+                </a:solidFill>
+                <a:latin typeface="리디바탕" panose="020B0600000101010101" pitchFamily="34" charset="-127"/>
+                <a:ea typeface="리디바탕" panose="020B0600000101010101" pitchFamily="34" charset="-127"/>
+              </a:rPr>
+            </a:br>
+            <a:r>
+              <a:rPr lang="ko-KR" altLang="en-US" sz="1000" b="1" dirty="0" err="1">
+                <a:solidFill>
+                  <a:schemeClr val="tx1">
+                    <a:lumMod val="85000"/>
+                    <a:lumOff val="15000"/>
+                  </a:schemeClr>
+                </a:solidFill>
+                <a:latin typeface="리디바탕" panose="020B0600000101010101" pitchFamily="34" charset="-127"/>
+                <a:ea typeface="리디바탕" panose="020B0600000101010101" pitchFamily="34" charset="-127"/>
+              </a:rPr>
+              <a:t>비브린</a:t>
+            </a:r>
+            <a:r>
+              <a:rPr lang="ko-KR" altLang="en-US" sz="1000" b="1" dirty="0">
+                <a:solidFill>
+                  <a:schemeClr val="tx1">
+                    <a:lumMod val="85000"/>
+                    <a:lumOff val="15000"/>
+                  </a:schemeClr>
+                </a:solidFill>
+                <a:latin typeface="리디바탕" panose="020B0600000101010101" pitchFamily="34" charset="-127"/>
+                <a:ea typeface="리디바탕" panose="020B0600000101010101" pitchFamily="34" charset="-127"/>
+              </a:rPr>
+              <a:t> 큐브 입장</a:t>
+            </a:r>
+          </a:p>
+        </p:txBody>
+      </p:sp>
+      <p:cxnSp>
+        <p:nvCxnSpPr>
+          <p:cNvPr id="42" name="직선 화살표 연결선 41">
+            <a:extLst>
+              <a:ext uri="{FF2B5EF4-FFF2-40B4-BE49-F238E27FC236}">
+                <a16:creationId xmlns:a16="http://schemas.microsoft.com/office/drawing/2014/main" id="{ED693098-B8B3-E754-D3A8-35EC569A6912}"/>
+              </a:ext>
+            </a:extLst>
+          </p:cNvPr>
+          <p:cNvCxnSpPr>
+            <a:cxnSpLocks/>
+            <a:stCxn id="2" idx="2"/>
+            <a:endCxn id="6" idx="0"/>
+          </p:cNvCxnSpPr>
+          <p:nvPr/>
+        </p:nvCxnSpPr>
+        <p:spPr>
+          <a:xfrm>
+            <a:off x="2777262" y="2600387"/>
+            <a:ext cx="2219" cy="185104"/>
+          </a:xfrm>
+          <a:prstGeom prst="straightConnector1">
+            <a:avLst/>
+          </a:prstGeom>
+          <a:ln>
+            <a:solidFill>
+              <a:srgbClr val="FAEBD3"/>
+            </a:solidFill>
+            <a:tailEnd type="triangle"/>
+          </a:ln>
+        </p:spPr>
+        <p:style>
+          <a:lnRef idx="1">
+            <a:schemeClr val="accent1"/>
+          </a:lnRef>
+          <a:fillRef idx="0">
+            <a:schemeClr val="accent1"/>
+          </a:fillRef>
+          <a:effectRef idx="0">
+            <a:schemeClr val="accent1"/>
+          </a:effectRef>
+          <a:fontRef idx="minor">
+            <a:schemeClr val="tx1"/>
+          </a:fontRef>
+        </p:style>
+      </p:cxnSp>
+      <p:cxnSp>
+        <p:nvCxnSpPr>
+          <p:cNvPr id="47" name="직선 화살표 연결선 46">
+            <a:extLst>
+              <a:ext uri="{FF2B5EF4-FFF2-40B4-BE49-F238E27FC236}">
+                <a16:creationId xmlns:a16="http://schemas.microsoft.com/office/drawing/2014/main" id="{3C5F2B56-F98C-9126-F44B-E1818A20645C}"/>
+              </a:ext>
+            </a:extLst>
+          </p:cNvPr>
+          <p:cNvCxnSpPr>
+            <a:cxnSpLocks/>
+            <a:stCxn id="6" idx="2"/>
+            <a:endCxn id="4" idx="0"/>
+          </p:cNvCxnSpPr>
+          <p:nvPr/>
+        </p:nvCxnSpPr>
+        <p:spPr>
+          <a:xfrm flipH="1">
+            <a:off x="2777263" y="3185596"/>
+            <a:ext cx="2218" cy="185104"/>
+          </a:xfrm>
+          <a:prstGeom prst="straightConnector1">
+            <a:avLst/>
+          </a:prstGeom>
+          <a:ln>
+            <a:solidFill>
+              <a:srgbClr val="FAEBD3"/>
+            </a:solidFill>
+            <a:tailEnd type="triangle"/>
+          </a:ln>
+        </p:spPr>
+        <p:style>
+          <a:lnRef idx="1">
+            <a:schemeClr val="accent1"/>
+          </a:lnRef>
+          <a:fillRef idx="0">
+            <a:schemeClr val="accent1"/>
+          </a:fillRef>
+          <a:effectRef idx="0">
+            <a:schemeClr val="accent1"/>
+          </a:effectRef>
+          <a:fontRef idx="minor">
+            <a:schemeClr val="tx1"/>
+          </a:fontRef>
+        </p:style>
+      </p:cxnSp>
+      <p:cxnSp>
+        <p:nvCxnSpPr>
+          <p:cNvPr id="50" name="직선 화살표 연결선 49">
+            <a:extLst>
+              <a:ext uri="{FF2B5EF4-FFF2-40B4-BE49-F238E27FC236}">
+                <a16:creationId xmlns:a16="http://schemas.microsoft.com/office/drawing/2014/main" id="{55E3F3AE-4922-5559-91B1-D041D48B5BED}"/>
+              </a:ext>
+            </a:extLst>
+          </p:cNvPr>
+          <p:cNvCxnSpPr>
+            <a:cxnSpLocks/>
+            <a:stCxn id="4" idx="3"/>
+            <a:endCxn id="9" idx="1"/>
+          </p:cNvCxnSpPr>
+          <p:nvPr/>
+        </p:nvCxnSpPr>
+        <p:spPr>
+          <a:xfrm>
+            <a:off x="3425677" y="3755857"/>
+            <a:ext cx="201862" cy="0"/>
+          </a:xfrm>
+          <a:prstGeom prst="straightConnector1">
+            <a:avLst/>
+          </a:prstGeom>
+          <a:ln>
+            <a:solidFill>
+              <a:srgbClr val="FAEBD3"/>
+            </a:solidFill>
+            <a:tailEnd type="triangle"/>
+          </a:ln>
+        </p:spPr>
+        <p:style>
+          <a:lnRef idx="1">
+            <a:schemeClr val="accent1"/>
+          </a:lnRef>
+          <a:fillRef idx="0">
+            <a:schemeClr val="accent1"/>
+          </a:fillRef>
+          <a:effectRef idx="0">
+            <a:schemeClr val="accent1"/>
+          </a:effectRef>
+          <a:fontRef idx="minor">
+            <a:schemeClr val="tx1"/>
+          </a:fontRef>
+        </p:style>
+      </p:cxnSp>
+      <p:cxnSp>
+        <p:nvCxnSpPr>
+          <p:cNvPr id="53" name="직선 화살표 연결선 52">
+            <a:extLst>
+              <a:ext uri="{FF2B5EF4-FFF2-40B4-BE49-F238E27FC236}">
+                <a16:creationId xmlns:a16="http://schemas.microsoft.com/office/drawing/2014/main" id="{B5E853E7-733D-48FB-0822-58598232D464}"/>
+              </a:ext>
+            </a:extLst>
+          </p:cNvPr>
+          <p:cNvCxnSpPr>
+            <a:cxnSpLocks/>
+            <a:stCxn id="9" idx="3"/>
+            <a:endCxn id="12" idx="1"/>
+          </p:cNvCxnSpPr>
+          <p:nvPr/>
+        </p:nvCxnSpPr>
+        <p:spPr>
+          <a:xfrm flipV="1">
+            <a:off x="4924368" y="3755855"/>
+            <a:ext cx="213868" cy="2"/>
+          </a:xfrm>
+          <a:prstGeom prst="straightConnector1">
+            <a:avLst/>
+          </a:prstGeom>
+          <a:ln>
+            <a:solidFill>
+              <a:srgbClr val="FAEBD3"/>
+            </a:solidFill>
+            <a:tailEnd type="triangle"/>
+          </a:ln>
+        </p:spPr>
+        <p:style>
+          <a:lnRef idx="1">
+            <a:schemeClr val="accent1"/>
+          </a:lnRef>
+          <a:fillRef idx="0">
+            <a:schemeClr val="accent1"/>
+          </a:fillRef>
+          <a:effectRef idx="0">
+            <a:schemeClr val="accent1"/>
+          </a:effectRef>
+          <a:fontRef idx="minor">
+            <a:schemeClr val="tx1"/>
+          </a:fontRef>
+        </p:style>
+      </p:cxnSp>
+      <p:cxnSp>
+        <p:nvCxnSpPr>
+          <p:cNvPr id="56" name="연결선: 꺾임 55">
+            <a:extLst>
+              <a:ext uri="{FF2B5EF4-FFF2-40B4-BE49-F238E27FC236}">
+                <a16:creationId xmlns:a16="http://schemas.microsoft.com/office/drawing/2014/main" id="{057CA75C-78D7-53B9-90BF-1E1709849B8A}"/>
+              </a:ext>
+            </a:extLst>
+          </p:cNvPr>
+          <p:cNvCxnSpPr>
+            <a:cxnSpLocks/>
+            <a:stCxn id="12" idx="3"/>
+            <a:endCxn id="9" idx="0"/>
+          </p:cNvCxnSpPr>
+          <p:nvPr/>
+        </p:nvCxnSpPr>
+        <p:spPr>
+          <a:xfrm flipH="1" flipV="1">
+            <a:off x="4275954" y="3370700"/>
+            <a:ext cx="2159111" cy="385155"/>
+          </a:xfrm>
+          <a:prstGeom prst="bentConnector4">
+            <a:avLst>
+              <a:gd name="adj1" fmla="val -10588"/>
+              <a:gd name="adj2" fmla="val 159353"/>
+            </a:avLst>
+          </a:prstGeom>
+          <a:ln>
+            <a:solidFill>
+              <a:srgbClr val="FAEBD3"/>
+            </a:solidFill>
+            <a:tailEnd type="triangle"/>
+          </a:ln>
+        </p:spPr>
+        <p:style>
+          <a:lnRef idx="1">
+            <a:schemeClr val="accent1"/>
+          </a:lnRef>
+          <a:fillRef idx="0">
+            <a:schemeClr val="accent1"/>
+          </a:fillRef>
+          <a:effectRef idx="0">
+            <a:schemeClr val="accent1"/>
+          </a:effectRef>
+          <a:fontRef idx="minor">
+            <a:schemeClr val="tx1"/>
+          </a:fontRef>
+        </p:style>
+      </p:cxnSp>
+      <p:cxnSp>
+        <p:nvCxnSpPr>
+          <p:cNvPr id="60" name="직선 화살표 연결선 59">
+            <a:extLst>
+              <a:ext uri="{FF2B5EF4-FFF2-40B4-BE49-F238E27FC236}">
+                <a16:creationId xmlns:a16="http://schemas.microsoft.com/office/drawing/2014/main" id="{9BB4C2C1-911B-43F7-F1CD-9F03CF3FA0E9}"/>
+              </a:ext>
+            </a:extLst>
+          </p:cNvPr>
+          <p:cNvCxnSpPr>
+            <a:cxnSpLocks/>
+            <a:stCxn id="4" idx="1"/>
+            <a:endCxn id="7" idx="3"/>
+          </p:cNvCxnSpPr>
+          <p:nvPr/>
+        </p:nvCxnSpPr>
+        <p:spPr>
+          <a:xfrm flipH="1" flipV="1">
+            <a:off x="1926986" y="3755856"/>
+            <a:ext cx="201862" cy="1"/>
+          </a:xfrm>
+          <a:prstGeom prst="straightConnector1">
+            <a:avLst/>
+          </a:prstGeom>
+          <a:ln>
+            <a:solidFill>
+              <a:srgbClr val="FAEBD3"/>
+            </a:solidFill>
+            <a:tailEnd type="triangle"/>
+          </a:ln>
+        </p:spPr>
+        <p:style>
+          <a:lnRef idx="1">
+            <a:schemeClr val="accent1"/>
+          </a:lnRef>
+          <a:fillRef idx="0">
+            <a:schemeClr val="accent1"/>
+          </a:fillRef>
+          <a:effectRef idx="0">
+            <a:schemeClr val="accent1"/>
+          </a:effectRef>
+          <a:fontRef idx="minor">
+            <a:schemeClr val="tx1"/>
+          </a:fontRef>
+        </p:style>
+      </p:cxnSp>
+      <p:cxnSp>
+        <p:nvCxnSpPr>
+          <p:cNvPr id="65" name="직선 화살표 연결선 64">
+            <a:extLst>
+              <a:ext uri="{FF2B5EF4-FFF2-40B4-BE49-F238E27FC236}">
+                <a16:creationId xmlns:a16="http://schemas.microsoft.com/office/drawing/2014/main" id="{C5DD009E-E219-54CB-E05E-2A3287183762}"/>
+              </a:ext>
+            </a:extLst>
+          </p:cNvPr>
+          <p:cNvCxnSpPr>
+            <a:cxnSpLocks/>
+            <a:stCxn id="7" idx="0"/>
+            <a:endCxn id="8" idx="2"/>
+          </p:cNvCxnSpPr>
+          <p:nvPr/>
+        </p:nvCxnSpPr>
+        <p:spPr>
+          <a:xfrm flipV="1">
+            <a:off x="1278572" y="3185595"/>
+            <a:ext cx="0" cy="370208"/>
+          </a:xfrm>
+          <a:prstGeom prst="straightConnector1">
+            <a:avLst/>
+          </a:prstGeom>
+          <a:ln>
+            <a:solidFill>
+              <a:srgbClr val="FAEBD3"/>
+            </a:solidFill>
+            <a:tailEnd type="triangle"/>
+          </a:ln>
+        </p:spPr>
+        <p:style>
+          <a:lnRef idx="1">
+            <a:schemeClr val="accent1"/>
+          </a:lnRef>
+          <a:fillRef idx="0">
+            <a:schemeClr val="accent1"/>
+          </a:fillRef>
+          <a:effectRef idx="0">
+            <a:schemeClr val="accent1"/>
+          </a:effectRef>
+          <a:fontRef idx="minor">
+            <a:schemeClr val="tx1"/>
+          </a:fontRef>
+        </p:style>
+      </p:cxnSp>
+      <p:cxnSp>
+        <p:nvCxnSpPr>
+          <p:cNvPr id="71" name="연결선: 꺾임 70">
+            <a:extLst>
+              <a:ext uri="{FF2B5EF4-FFF2-40B4-BE49-F238E27FC236}">
+                <a16:creationId xmlns:a16="http://schemas.microsoft.com/office/drawing/2014/main" id="{87183361-05CE-CA43-D675-72FF60C8DE7A}"/>
+              </a:ext>
+            </a:extLst>
+          </p:cNvPr>
+          <p:cNvCxnSpPr>
+            <a:cxnSpLocks/>
+            <a:stCxn id="8" idx="0"/>
+            <a:endCxn id="2" idx="1"/>
+          </p:cNvCxnSpPr>
+          <p:nvPr/>
+        </p:nvCxnSpPr>
+        <p:spPr>
+          <a:xfrm rot="5400000" flipH="1" flipV="1">
+            <a:off x="1511132" y="2167776"/>
+            <a:ext cx="385155" cy="850275"/>
+          </a:xfrm>
+          <a:prstGeom prst="bentConnector2">
+            <a:avLst/>
+          </a:prstGeom>
+          <a:ln>
+            <a:solidFill>
+              <a:srgbClr val="FAEBD3"/>
+            </a:solidFill>
+            <a:tailEnd type="triangle"/>
+          </a:ln>
+        </p:spPr>
+        <p:style>
+          <a:lnRef idx="1">
+            <a:schemeClr val="accent1"/>
+          </a:lnRef>
+          <a:fillRef idx="0">
+            <a:schemeClr val="accent1"/>
+          </a:fillRef>
+          <a:effectRef idx="0">
+            <a:schemeClr val="accent1"/>
+          </a:effectRef>
+          <a:fontRef idx="minor">
+            <a:schemeClr val="tx1"/>
+          </a:fontRef>
+        </p:style>
+      </p:cxnSp>
+      <p:cxnSp>
+        <p:nvCxnSpPr>
+          <p:cNvPr id="77" name="직선 화살표 연결선 76">
+            <a:extLst>
+              <a:ext uri="{FF2B5EF4-FFF2-40B4-BE49-F238E27FC236}">
+                <a16:creationId xmlns:a16="http://schemas.microsoft.com/office/drawing/2014/main" id="{C37CBA47-F7C0-43B1-A2FD-B858BAFC7D2D}"/>
+              </a:ext>
+            </a:extLst>
+          </p:cNvPr>
+          <p:cNvCxnSpPr>
+            <a:cxnSpLocks/>
+            <a:stCxn id="9" idx="2"/>
+            <a:endCxn id="23" idx="0"/>
+          </p:cNvCxnSpPr>
+          <p:nvPr/>
+        </p:nvCxnSpPr>
+        <p:spPr>
+          <a:xfrm flipH="1">
+            <a:off x="4275953" y="4141014"/>
+            <a:ext cx="1" cy="185103"/>
+          </a:xfrm>
+          <a:prstGeom prst="straightConnector1">
+            <a:avLst/>
+          </a:prstGeom>
+          <a:ln>
+            <a:solidFill>
+              <a:srgbClr val="FAEBD3"/>
+            </a:solidFill>
+            <a:tailEnd type="triangle"/>
+          </a:ln>
+        </p:spPr>
+        <p:style>
+          <a:lnRef idx="1">
+            <a:schemeClr val="accent1"/>
+          </a:lnRef>
+          <a:fillRef idx="0">
+            <a:schemeClr val="accent1"/>
+          </a:fillRef>
+          <a:effectRef idx="0">
+            <a:schemeClr val="accent1"/>
+          </a:effectRef>
+          <a:fontRef idx="minor">
+            <a:schemeClr val="tx1"/>
+          </a:fontRef>
+        </p:style>
+      </p:cxnSp>
+      <p:cxnSp>
+        <p:nvCxnSpPr>
+          <p:cNvPr id="84" name="직선 화살표 연결선 83">
+            <a:extLst>
+              <a:ext uri="{FF2B5EF4-FFF2-40B4-BE49-F238E27FC236}">
+                <a16:creationId xmlns:a16="http://schemas.microsoft.com/office/drawing/2014/main" id="{0C9A72C0-2B02-A643-B7E5-851C8C494766}"/>
+              </a:ext>
+            </a:extLst>
+          </p:cNvPr>
+          <p:cNvCxnSpPr>
+            <a:cxnSpLocks/>
+            <a:stCxn id="23" idx="2"/>
+            <a:endCxn id="24" idx="0"/>
+          </p:cNvCxnSpPr>
+          <p:nvPr/>
+        </p:nvCxnSpPr>
+        <p:spPr>
+          <a:xfrm>
+            <a:off x="4275953" y="4726222"/>
+            <a:ext cx="0" cy="185103"/>
+          </a:xfrm>
+          <a:prstGeom prst="straightConnector1">
+            <a:avLst/>
+          </a:prstGeom>
+          <a:ln>
+            <a:solidFill>
+              <a:srgbClr val="FAEBD3"/>
+            </a:solidFill>
+            <a:tailEnd type="triangle"/>
+          </a:ln>
+        </p:spPr>
+        <p:style>
+          <a:lnRef idx="1">
+            <a:schemeClr val="accent1"/>
+          </a:lnRef>
+          <a:fillRef idx="0">
+            <a:schemeClr val="accent1"/>
+          </a:fillRef>
+          <a:effectRef idx="0">
+            <a:schemeClr val="accent1"/>
+          </a:effectRef>
+          <a:fontRef idx="minor">
+            <a:schemeClr val="tx1"/>
+          </a:fontRef>
+        </p:style>
+      </p:cxnSp>
+      <p:cxnSp>
+        <p:nvCxnSpPr>
+          <p:cNvPr id="87" name="직선 화살표 연결선 86">
+            <a:extLst>
+              <a:ext uri="{FF2B5EF4-FFF2-40B4-BE49-F238E27FC236}">
+                <a16:creationId xmlns:a16="http://schemas.microsoft.com/office/drawing/2014/main" id="{0577A9F0-FA98-B3B7-67A3-01A7DE121C0F}"/>
+              </a:ext>
+            </a:extLst>
+          </p:cNvPr>
+          <p:cNvCxnSpPr>
+            <a:cxnSpLocks/>
+            <a:stCxn id="24" idx="1"/>
+            <a:endCxn id="36" idx="3"/>
+          </p:cNvCxnSpPr>
+          <p:nvPr/>
+        </p:nvCxnSpPr>
+        <p:spPr>
+          <a:xfrm flipH="1">
+            <a:off x="3409389" y="5296482"/>
+            <a:ext cx="218149" cy="0"/>
+          </a:xfrm>
+          <a:prstGeom prst="straightConnector1">
+            <a:avLst/>
+          </a:prstGeom>
+          <a:ln>
+            <a:solidFill>
+              <a:srgbClr val="FAEBD3"/>
+            </a:solidFill>
+            <a:tailEnd type="triangle"/>
+          </a:ln>
+        </p:spPr>
+        <p:style>
+          <a:lnRef idx="1">
+            <a:schemeClr val="accent1"/>
+          </a:lnRef>
+          <a:fillRef idx="0">
+            <a:schemeClr val="accent1"/>
+          </a:fillRef>
+          <a:effectRef idx="0">
+            <a:schemeClr val="accent1"/>
+          </a:effectRef>
+          <a:fontRef idx="minor">
+            <a:schemeClr val="tx1"/>
+          </a:fontRef>
+        </p:style>
+      </p:cxnSp>
+      <p:cxnSp>
+        <p:nvCxnSpPr>
+          <p:cNvPr id="93" name="연결선: 꺾임 92">
+            <a:extLst>
+              <a:ext uri="{FF2B5EF4-FFF2-40B4-BE49-F238E27FC236}">
+                <a16:creationId xmlns:a16="http://schemas.microsoft.com/office/drawing/2014/main" id="{AE4C19F7-C8A0-A0DB-DD9C-D71CD6D7C5D4}"/>
+              </a:ext>
+            </a:extLst>
+          </p:cNvPr>
+          <p:cNvCxnSpPr>
+            <a:cxnSpLocks/>
+            <a:stCxn id="36" idx="0"/>
+            <a:endCxn id="23" idx="1"/>
+          </p:cNvCxnSpPr>
+          <p:nvPr/>
+        </p:nvCxnSpPr>
+        <p:spPr>
+          <a:xfrm rot="5400000" flipH="1" flipV="1">
+            <a:off x="2909127" y="4378019"/>
+            <a:ext cx="570259" cy="866563"/>
+          </a:xfrm>
+          <a:prstGeom prst="bentConnector2">
+            <a:avLst/>
+          </a:prstGeom>
+          <a:ln>
+            <a:solidFill>
+              <a:srgbClr val="FAEBD3"/>
+            </a:solidFill>
+            <a:tailEnd type="triangle"/>
+          </a:ln>
+        </p:spPr>
+        <p:style>
+          <a:lnRef idx="1">
+            <a:schemeClr val="accent1"/>
+          </a:lnRef>
+          <a:fillRef idx="0">
+            <a:schemeClr val="accent1"/>
+          </a:fillRef>
+          <a:effectRef idx="0">
+            <a:schemeClr val="accent1"/>
+          </a:effectRef>
+          <a:fontRef idx="minor">
+            <a:schemeClr val="tx1"/>
+          </a:fontRef>
+        </p:style>
+      </p:cxnSp>
+      <p:cxnSp>
+        <p:nvCxnSpPr>
+          <p:cNvPr id="99" name="직선 화살표 연결선 98">
+            <a:extLst>
+              <a:ext uri="{FF2B5EF4-FFF2-40B4-BE49-F238E27FC236}">
+                <a16:creationId xmlns:a16="http://schemas.microsoft.com/office/drawing/2014/main" id="{9CD2BF42-307C-33DA-E01C-1A503A972B17}"/>
+              </a:ext>
+            </a:extLst>
+          </p:cNvPr>
+          <p:cNvCxnSpPr>
+            <a:cxnSpLocks/>
+            <a:stCxn id="35" idx="3"/>
+            <a:endCxn id="37" idx="1"/>
+          </p:cNvCxnSpPr>
+          <p:nvPr/>
+        </p:nvCxnSpPr>
+        <p:spPr>
+          <a:xfrm flipV="1">
+            <a:off x="4924367" y="5296481"/>
+            <a:ext cx="213869" cy="1"/>
+          </a:xfrm>
+          <a:prstGeom prst="straightConnector1">
+            <a:avLst/>
+          </a:prstGeom>
+          <a:ln>
+            <a:solidFill>
+              <a:srgbClr val="FAEBD3"/>
+            </a:solidFill>
+            <a:tailEnd type="triangle"/>
+          </a:ln>
+        </p:spPr>
+        <p:style>
+          <a:lnRef idx="1">
+            <a:schemeClr val="accent1"/>
+          </a:lnRef>
+          <a:fillRef idx="0">
+            <a:schemeClr val="accent1"/>
+          </a:fillRef>
+          <a:effectRef idx="0">
+            <a:schemeClr val="accent1"/>
+          </a:effectRef>
+          <a:fontRef idx="minor">
+            <a:schemeClr val="tx1"/>
+          </a:fontRef>
+        </p:style>
+      </p:cxnSp>
+      <p:cxnSp>
+        <p:nvCxnSpPr>
+          <p:cNvPr id="102" name="직선 화살표 연결선 101">
+            <a:extLst>
+              <a:ext uri="{FF2B5EF4-FFF2-40B4-BE49-F238E27FC236}">
+                <a16:creationId xmlns:a16="http://schemas.microsoft.com/office/drawing/2014/main" id="{D019A604-60F4-0CBB-CE95-AD4D873A37AE}"/>
+              </a:ext>
+            </a:extLst>
+          </p:cNvPr>
+          <p:cNvCxnSpPr>
+            <a:cxnSpLocks/>
+            <a:stCxn id="37" idx="3"/>
+            <a:endCxn id="38" idx="1"/>
+          </p:cNvCxnSpPr>
+          <p:nvPr/>
+        </p:nvCxnSpPr>
+        <p:spPr>
+          <a:xfrm flipV="1">
+            <a:off x="6435065" y="5296480"/>
+            <a:ext cx="213869" cy="1"/>
+          </a:xfrm>
+          <a:prstGeom prst="straightConnector1">
+            <a:avLst/>
+          </a:prstGeom>
+          <a:ln>
+            <a:solidFill>
+              <a:srgbClr val="FAEBD3"/>
+            </a:solidFill>
+            <a:tailEnd type="triangle"/>
+          </a:ln>
+        </p:spPr>
+        <p:style>
+          <a:lnRef idx="1">
+            <a:schemeClr val="accent1"/>
+          </a:lnRef>
+          <a:fillRef idx="0">
+            <a:schemeClr val="accent1"/>
+          </a:fillRef>
+          <a:effectRef idx="0">
+            <a:schemeClr val="accent1"/>
+          </a:effectRef>
+          <a:fontRef idx="minor">
+            <a:schemeClr val="tx1"/>
+          </a:fontRef>
+        </p:style>
+      </p:cxnSp>
+      <p:cxnSp>
+        <p:nvCxnSpPr>
+          <p:cNvPr id="107" name="직선 화살표 연결선 106">
+            <a:extLst>
+              <a:ext uri="{FF2B5EF4-FFF2-40B4-BE49-F238E27FC236}">
+                <a16:creationId xmlns:a16="http://schemas.microsoft.com/office/drawing/2014/main" id="{6A9B0DD1-44F5-4BBD-81B7-2EC22BC6AC4C}"/>
+              </a:ext>
+            </a:extLst>
+          </p:cNvPr>
+          <p:cNvCxnSpPr>
+            <a:cxnSpLocks/>
+            <a:stCxn id="38" idx="3"/>
+            <a:endCxn id="39" idx="1"/>
+          </p:cNvCxnSpPr>
+          <p:nvPr/>
+        </p:nvCxnSpPr>
+        <p:spPr>
+          <a:xfrm flipV="1">
+            <a:off x="8109527" y="5294954"/>
+            <a:ext cx="213869" cy="1526"/>
+          </a:xfrm>
+          <a:prstGeom prst="straightConnector1">
+            <a:avLst/>
+          </a:prstGeom>
+          <a:ln>
+            <a:solidFill>
+              <a:srgbClr val="FAEBD3"/>
+            </a:solidFill>
+            <a:tailEnd type="triangle"/>
+          </a:ln>
+        </p:spPr>
+        <p:style>
+          <a:lnRef idx="1">
+            <a:schemeClr val="accent1"/>
+          </a:lnRef>
+          <a:fillRef idx="0">
+            <a:schemeClr val="accent1"/>
+          </a:fillRef>
+          <a:effectRef idx="0">
+            <a:schemeClr val="accent1"/>
+          </a:effectRef>
+          <a:fontRef idx="minor">
+            <a:schemeClr val="tx1"/>
+          </a:fontRef>
+        </p:style>
+      </p:cxnSp>
+      <p:cxnSp>
+        <p:nvCxnSpPr>
+          <p:cNvPr id="112" name="직선 화살표 연결선 111">
+            <a:extLst>
+              <a:ext uri="{FF2B5EF4-FFF2-40B4-BE49-F238E27FC236}">
+                <a16:creationId xmlns:a16="http://schemas.microsoft.com/office/drawing/2014/main" id="{A4E64108-116B-CFB3-46B1-042931012364}"/>
+              </a:ext>
+            </a:extLst>
+          </p:cNvPr>
+          <p:cNvCxnSpPr>
+            <a:cxnSpLocks/>
+            <a:stCxn id="39" idx="3"/>
+            <a:endCxn id="41" idx="1"/>
+          </p:cNvCxnSpPr>
+          <p:nvPr/>
+        </p:nvCxnSpPr>
+        <p:spPr>
+          <a:xfrm>
+            <a:off x="9620225" y="5294954"/>
+            <a:ext cx="213869" cy="3673"/>
+          </a:xfrm>
+          <a:prstGeom prst="straightConnector1">
+            <a:avLst/>
+          </a:prstGeom>
+          <a:ln>
+            <a:solidFill>
+              <a:srgbClr val="FAEBD3"/>
+            </a:solidFill>
+            <a:tailEnd type="triangle"/>
+          </a:ln>
+        </p:spPr>
+        <p:style>
+          <a:lnRef idx="1">
+            <a:schemeClr val="accent1"/>
+          </a:lnRef>
+          <a:fillRef idx="0">
+            <a:schemeClr val="accent1"/>
+          </a:fillRef>
+          <a:effectRef idx="0">
+            <a:schemeClr val="accent1"/>
+          </a:effectRef>
+          <a:fontRef idx="minor">
+            <a:schemeClr val="tx1"/>
+          </a:fontRef>
+        </p:style>
+      </p:cxnSp>
+    </p:spTree>
+    <p:extLst>
+      <p:ext uri="{BB962C8B-B14F-4D97-AF65-F5344CB8AC3E}">
+        <p14:creationId xmlns:p14="http://schemas.microsoft.com/office/powerpoint/2010/main" val="3646022189"/>
+      </p:ext>
+    </p:extLst>
+  </p:cSld>
+  <p:clrMapOvr>
+    <a:masterClrMapping/>
+  </p:clrMapOvr>
+</p:sld>
+</file>
+
+<file path=ppt/slides/slide8.xml><?xml version="1.0" encoding="utf-8"?>
+<p:sld xmlns:a="http://schemas.openxmlformats.org/drawingml/2006/main" xmlns:r="http://schemas.openxmlformats.org/officeDocument/2006/relationships" xmlns:p="http://schemas.openxmlformats.org/presentationml/2006/main">
+  <p:cSld>
+    <p:spTree>
+      <p:nvGrpSpPr>
+        <p:cNvPr id="1" name="">
+          <a:extLst>
+            <a:ext uri="{FF2B5EF4-FFF2-40B4-BE49-F238E27FC236}">
+              <a16:creationId xmlns:a16="http://schemas.microsoft.com/office/drawing/2014/main" id="{D2589639-4A1C-8A3A-1A6A-10E56DC1F0C0}"/>
+            </a:ext>
+          </a:extLst>
+        </p:cNvPr>
+        <p:cNvGrpSpPr/>
+        <p:nvPr/>
+      </p:nvGrpSpPr>
+      <p:grpSpPr>
+        <a:xfrm>
+          <a:off x="0" y="0"/>
+          <a:ext cx="0" cy="0"/>
+          <a:chOff x="0" y="0"/>
+          <a:chExt cx="0" cy="0"/>
+        </a:xfrm>
+      </p:grpSpPr>
+      <p:sp>
+        <p:nvSpPr>
+          <p:cNvPr id="2" name="사각형: 둥근 모서리 1">
+            <a:extLst>
+              <a:ext uri="{FF2B5EF4-FFF2-40B4-BE49-F238E27FC236}">
+                <a16:creationId xmlns:a16="http://schemas.microsoft.com/office/drawing/2014/main" id="{F8615144-9806-20CC-04E2-3B58863AB04E}"/>
+              </a:ext>
+            </a:extLst>
+          </p:cNvPr>
+          <p:cNvSpPr/>
+          <p:nvPr/>
+        </p:nvSpPr>
+        <p:spPr>
+          <a:xfrm>
+            <a:off x="2112560" y="2200282"/>
+            <a:ext cx="1296829" cy="400105"/>
+          </a:xfrm>
+          <a:prstGeom prst="roundRect">
+            <a:avLst>
+              <a:gd name="adj" fmla="val 5304"/>
+            </a:avLst>
+          </a:prstGeom>
+          <a:solidFill>
+            <a:srgbClr val="CDC7B6"/>
+          </a:solidFill>
+          <a:ln>
+            <a:solidFill>
+              <a:srgbClr val="FAEBD3"/>
+            </a:solidFill>
+          </a:ln>
+        </p:spPr>
+        <p:style>
+          <a:lnRef idx="2">
+            <a:schemeClr val="accent1">
+              <a:shade val="50000"/>
+            </a:schemeClr>
+          </a:lnRef>
+          <a:fillRef idx="1">
+            <a:schemeClr val="accent1"/>
+          </a:fillRef>
+          <a:effectRef idx="0">
+            <a:schemeClr val="accent1"/>
+          </a:effectRef>
+          <a:fontRef idx="minor">
+            <a:schemeClr val="lt1"/>
+          </a:fontRef>
+        </p:style>
+        <p:txBody>
+          <a:bodyPr rtlCol="0" anchor="ctr"/>
+          <a:lstStyle/>
+          <a:p>
+            <a:pPr algn="ctr"/>
+            <a:r>
+              <a:rPr lang="ko-KR" altLang="en-US" sz="1000" b="1" dirty="0">
+                <a:solidFill>
+                  <a:schemeClr val="tx1">
+                    <a:lumMod val="85000"/>
+                    <a:lumOff val="15000"/>
+                  </a:schemeClr>
+                </a:solidFill>
+                <a:latin typeface="리디바탕" panose="020B0600000101010101" pitchFamily="34" charset="-127"/>
+                <a:ea typeface="리디바탕" panose="020B0600000101010101" pitchFamily="34" charset="-127"/>
+              </a:rPr>
+              <a:t>매칭 그룹 </a:t>
+            </a:r>
+            <a:r>
+              <a:rPr lang="en-US" altLang="ko-KR" sz="1000" b="1" dirty="0">
+                <a:solidFill>
+                  <a:schemeClr val="tx1">
+                    <a:lumMod val="85000"/>
+                    <a:lumOff val="15000"/>
+                  </a:schemeClr>
+                </a:solidFill>
+                <a:latin typeface="리디바탕" panose="020B0600000101010101" pitchFamily="34" charset="-127"/>
+                <a:ea typeface="리디바탕" panose="020B0600000101010101" pitchFamily="34" charset="-127"/>
+              </a:rPr>
+              <a:t>8</a:t>
+            </a:r>
+            <a:r>
+              <a:rPr lang="ko-KR" altLang="en-US" sz="1000" b="1" dirty="0">
+                <a:solidFill>
+                  <a:schemeClr val="tx1">
+                    <a:lumMod val="85000"/>
+                    <a:lumOff val="15000"/>
+                  </a:schemeClr>
+                </a:solidFill>
+                <a:latin typeface="리디바탕" panose="020B0600000101010101" pitchFamily="34" charset="-127"/>
+                <a:ea typeface="리디바탕" panose="020B0600000101010101" pitchFamily="34" charset="-127"/>
+              </a:rPr>
+              <a:t>명</a:t>
+            </a:r>
+          </a:p>
+        </p:txBody>
+      </p:sp>
+      <p:sp>
+        <p:nvSpPr>
+          <p:cNvPr id="4" name="다이아몬드 3">
+            <a:extLst>
+              <a:ext uri="{FF2B5EF4-FFF2-40B4-BE49-F238E27FC236}">
+                <a16:creationId xmlns:a16="http://schemas.microsoft.com/office/drawing/2014/main" id="{9C3E2E8F-44AC-36A2-0506-962487A8F48B}"/>
+              </a:ext>
+            </a:extLst>
+          </p:cNvPr>
+          <p:cNvSpPr/>
+          <p:nvPr/>
+        </p:nvSpPr>
+        <p:spPr>
+          <a:xfrm>
+            <a:off x="2128848" y="3370700"/>
+            <a:ext cx="1296829" cy="770314"/>
+          </a:xfrm>
+          <a:prstGeom prst="diamond">
+            <a:avLst/>
+          </a:prstGeom>
+          <a:noFill/>
+          <a:ln>
+            <a:solidFill>
+              <a:srgbClr val="FAEBD3"/>
+            </a:solidFill>
+          </a:ln>
+        </p:spPr>
+        <p:style>
+          <a:lnRef idx="2">
+            <a:schemeClr val="accent1">
+              <a:shade val="50000"/>
+            </a:schemeClr>
+          </a:lnRef>
+          <a:fillRef idx="1">
+            <a:schemeClr val="accent1"/>
+          </a:fillRef>
+          <a:effectRef idx="0">
+            <a:schemeClr val="accent1"/>
+          </a:effectRef>
+          <a:fontRef idx="minor">
+            <a:schemeClr val="lt1"/>
+          </a:fontRef>
+        </p:style>
+        <p:txBody>
+          <a:bodyPr rtlCol="0" anchor="ctr"/>
+          <a:lstStyle/>
+          <a:p>
+            <a:pPr algn="ctr"/>
+            <a:endParaRPr lang="ko-KR" altLang="en-US" sz="1000" dirty="0">
+              <a:solidFill>
+                <a:srgbClr val="FAEBD3"/>
+              </a:solidFill>
+              <a:latin typeface="리디바탕" panose="020B0600000101010101" pitchFamily="34" charset="-127"/>
+              <a:ea typeface="리디바탕" panose="020B0600000101010101" pitchFamily="34" charset="-127"/>
+            </a:endParaRPr>
+          </a:p>
+        </p:txBody>
+      </p:sp>
+      <p:sp>
+        <p:nvSpPr>
+          <p:cNvPr id="5" name="사각형: 둥근 모서리 4">
+            <a:extLst>
+              <a:ext uri="{FF2B5EF4-FFF2-40B4-BE49-F238E27FC236}">
+                <a16:creationId xmlns:a16="http://schemas.microsoft.com/office/drawing/2014/main" id="{8FFDD62F-19A3-4CC1-1695-9262AFFA15DF}"/>
+              </a:ext>
+            </a:extLst>
+          </p:cNvPr>
+          <p:cNvSpPr/>
+          <p:nvPr/>
+        </p:nvSpPr>
+        <p:spPr>
+          <a:xfrm>
+            <a:off x="2147354" y="3555804"/>
+            <a:ext cx="1278323" cy="400105"/>
+          </a:xfrm>
+          <a:prstGeom prst="roundRect">
+            <a:avLst>
+              <a:gd name="adj" fmla="val 5304"/>
+            </a:avLst>
+          </a:prstGeom>
+          <a:noFill/>
+          <a:ln>
+            <a:noFill/>
+          </a:ln>
+        </p:spPr>
+        <p:style>
+          <a:lnRef idx="2">
+            <a:schemeClr val="accent1">
+              <a:shade val="50000"/>
+            </a:schemeClr>
+          </a:lnRef>
+          <a:fillRef idx="1">
+            <a:schemeClr val="accent1"/>
+          </a:fillRef>
+          <a:effectRef idx="0">
+            <a:schemeClr val="accent1"/>
+          </a:effectRef>
+          <a:fontRef idx="minor">
+            <a:schemeClr val="lt1"/>
+          </a:fontRef>
+        </p:style>
+        <p:txBody>
+          <a:bodyPr rtlCol="0" anchor="ctr"/>
+          <a:lstStyle/>
+          <a:p>
+            <a:pPr algn="ctr"/>
+            <a:r>
+              <a:rPr lang="ko-KR" altLang="en-US" sz="1000" dirty="0">
+                <a:solidFill>
+                  <a:srgbClr val="FAEBD3"/>
+                </a:solidFill>
+                <a:latin typeface="리디바탕" panose="020B0600000101010101" pitchFamily="34" charset="-127"/>
+                <a:ea typeface="리디바탕" panose="020B0600000101010101" pitchFamily="34" charset="-127"/>
+              </a:rPr>
+              <a:t>모든 플레이어가</a:t>
+            </a:r>
+            <a:br>
+              <a:rPr lang="en-US" altLang="ko-KR" sz="1000" dirty="0">
+                <a:solidFill>
+                  <a:srgbClr val="FAEBD3"/>
+                </a:solidFill>
+                <a:latin typeface="리디바탕" panose="020B0600000101010101" pitchFamily="34" charset="-127"/>
+                <a:ea typeface="리디바탕" panose="020B0600000101010101" pitchFamily="34" charset="-127"/>
+              </a:rPr>
+            </a:br>
+            <a:r>
+              <a:rPr lang="ko-KR" altLang="en-US" sz="1000" dirty="0">
+                <a:solidFill>
+                  <a:srgbClr val="FAEBD3"/>
+                </a:solidFill>
+                <a:latin typeface="리디바탕" panose="020B0600000101010101" pitchFamily="34" charset="-127"/>
+                <a:ea typeface="리디바탕" panose="020B0600000101010101" pitchFamily="34" charset="-127"/>
+              </a:rPr>
+              <a:t>입장 수락</a:t>
+            </a:r>
+            <a:r>
+              <a:rPr lang="en-US" altLang="ko-KR" sz="1000" dirty="0">
+                <a:solidFill>
+                  <a:srgbClr val="FAEBD3"/>
+                </a:solidFill>
+                <a:latin typeface="리디바탕" panose="020B0600000101010101" pitchFamily="34" charset="-127"/>
+                <a:ea typeface="리디바탕" panose="020B0600000101010101" pitchFamily="34" charset="-127"/>
+              </a:rPr>
+              <a:t>?</a:t>
+            </a:r>
+            <a:endParaRPr lang="ko-KR" altLang="en-US" sz="1000" dirty="0">
+              <a:solidFill>
+                <a:srgbClr val="FAEBD3"/>
+              </a:solidFill>
+              <a:latin typeface="리디바탕" panose="020B0600000101010101" pitchFamily="34" charset="-127"/>
+              <a:ea typeface="리디바탕" panose="020B0600000101010101" pitchFamily="34" charset="-127"/>
+            </a:endParaRPr>
+          </a:p>
+        </p:txBody>
+      </p:sp>
+      <p:sp>
+        <p:nvSpPr>
+          <p:cNvPr id="6" name="사각형: 둥근 모서리 5">
+            <a:extLst>
+              <a:ext uri="{FF2B5EF4-FFF2-40B4-BE49-F238E27FC236}">
+                <a16:creationId xmlns:a16="http://schemas.microsoft.com/office/drawing/2014/main" id="{670D7A5A-AC47-F49F-8032-6DBF6F55B9C0}"/>
+              </a:ext>
+            </a:extLst>
+          </p:cNvPr>
+          <p:cNvSpPr/>
+          <p:nvPr/>
+        </p:nvSpPr>
+        <p:spPr>
+          <a:xfrm>
+            <a:off x="2131066" y="2785491"/>
+            <a:ext cx="1296829" cy="400105"/>
+          </a:xfrm>
+          <a:prstGeom prst="roundRect">
+            <a:avLst>
+              <a:gd name="adj" fmla="val 5304"/>
+            </a:avLst>
+          </a:prstGeom>
+          <a:noFill/>
+          <a:ln>
+            <a:solidFill>
+              <a:srgbClr val="FAEBD3"/>
+            </a:solidFill>
+          </a:ln>
+        </p:spPr>
+        <p:style>
+          <a:lnRef idx="2">
+            <a:schemeClr val="accent1">
+              <a:shade val="50000"/>
+            </a:schemeClr>
+          </a:lnRef>
+          <a:fillRef idx="1">
+            <a:schemeClr val="accent1"/>
+          </a:fillRef>
+          <a:effectRef idx="0">
+            <a:schemeClr val="accent1"/>
+          </a:effectRef>
+          <a:fontRef idx="minor">
+            <a:schemeClr val="lt1"/>
+          </a:fontRef>
+        </p:style>
+        <p:txBody>
+          <a:bodyPr rtlCol="0" anchor="ctr"/>
+          <a:lstStyle/>
+          <a:p>
+            <a:pPr algn="ctr"/>
+            <a:r>
+              <a:rPr lang="ko-KR" altLang="en-US" sz="1000" dirty="0">
+                <a:solidFill>
+                  <a:srgbClr val="FAEBD3"/>
+                </a:solidFill>
+                <a:latin typeface="리디바탕" panose="020B0600000101010101" pitchFamily="34" charset="-127"/>
+                <a:ea typeface="리디바탕" panose="020B0600000101010101" pitchFamily="34" charset="-127"/>
+              </a:rPr>
+              <a:t>입장 수락</a:t>
+            </a:r>
+          </a:p>
+        </p:txBody>
+      </p:sp>
+      <p:sp>
+        <p:nvSpPr>
+          <p:cNvPr id="7" name="사각형: 둥근 모서리 6">
+            <a:extLst>
+              <a:ext uri="{FF2B5EF4-FFF2-40B4-BE49-F238E27FC236}">
+                <a16:creationId xmlns:a16="http://schemas.microsoft.com/office/drawing/2014/main" id="{9280984A-D3E4-192D-6793-2CC038AA772D}"/>
+              </a:ext>
+            </a:extLst>
+          </p:cNvPr>
+          <p:cNvSpPr/>
+          <p:nvPr/>
+        </p:nvSpPr>
+        <p:spPr>
+          <a:xfrm>
+            <a:off x="630157" y="3555803"/>
+            <a:ext cx="1296829" cy="400105"/>
+          </a:xfrm>
+          <a:prstGeom prst="roundRect">
+            <a:avLst>
+              <a:gd name="adj" fmla="val 5304"/>
+            </a:avLst>
+          </a:prstGeom>
+          <a:noFill/>
+          <a:ln>
+            <a:solidFill>
+              <a:srgbClr val="FAEBD3"/>
+            </a:solidFill>
+          </a:ln>
+        </p:spPr>
+        <p:style>
+          <a:lnRef idx="2">
+            <a:schemeClr val="accent1">
+              <a:shade val="50000"/>
+            </a:schemeClr>
+          </a:lnRef>
+          <a:fillRef idx="1">
+            <a:schemeClr val="accent1"/>
+          </a:fillRef>
+          <a:effectRef idx="0">
+            <a:schemeClr val="accent1"/>
+          </a:effectRef>
+          <a:fontRef idx="minor">
+            <a:schemeClr val="lt1"/>
+          </a:fontRef>
+        </p:style>
+        <p:txBody>
+          <a:bodyPr rtlCol="0" anchor="ctr"/>
+          <a:lstStyle/>
+          <a:p>
+            <a:pPr algn="ctr"/>
+            <a:r>
+              <a:rPr lang="ko-KR" altLang="en-US" sz="1000" dirty="0">
+                <a:solidFill>
+                  <a:srgbClr val="FAEBD3"/>
+                </a:solidFill>
+                <a:latin typeface="리디바탕" panose="020B0600000101010101" pitchFamily="34" charset="-127"/>
+                <a:ea typeface="리디바탕" panose="020B0600000101010101" pitchFamily="34" charset="-127"/>
+              </a:rPr>
+              <a:t>입장 거절 유저</a:t>
+            </a:r>
+            <a:br>
+              <a:rPr lang="en-US" altLang="ko-KR" sz="1000" dirty="0">
+                <a:solidFill>
+                  <a:srgbClr val="FAEBD3"/>
+                </a:solidFill>
+                <a:latin typeface="리디바탕" panose="020B0600000101010101" pitchFamily="34" charset="-127"/>
+                <a:ea typeface="리디바탕" panose="020B0600000101010101" pitchFamily="34" charset="-127"/>
+              </a:rPr>
+            </a:br>
+            <a:r>
+              <a:rPr lang="ko-KR" altLang="en-US" sz="1000" dirty="0">
+                <a:solidFill>
+                  <a:srgbClr val="FAEBD3"/>
+                </a:solidFill>
+                <a:latin typeface="리디바탕" panose="020B0600000101010101" pitchFamily="34" charset="-127"/>
+                <a:ea typeface="리디바탕" panose="020B0600000101010101" pitchFamily="34" charset="-127"/>
+              </a:rPr>
+              <a:t>매칭 그룹에서 제외</a:t>
+            </a:r>
+          </a:p>
+        </p:txBody>
+      </p:sp>
+      <p:sp>
+        <p:nvSpPr>
+          <p:cNvPr id="8" name="사각형: 둥근 모서리 7">
+            <a:extLst>
+              <a:ext uri="{FF2B5EF4-FFF2-40B4-BE49-F238E27FC236}">
+                <a16:creationId xmlns:a16="http://schemas.microsoft.com/office/drawing/2014/main" id="{B1620B5F-F931-0255-47F6-500263A314E7}"/>
+              </a:ext>
+            </a:extLst>
+          </p:cNvPr>
+          <p:cNvSpPr/>
+          <p:nvPr/>
+        </p:nvSpPr>
+        <p:spPr>
+          <a:xfrm>
+            <a:off x="630157" y="2785490"/>
+            <a:ext cx="1296829" cy="400105"/>
+          </a:xfrm>
+          <a:prstGeom prst="roundRect">
+            <a:avLst>
+              <a:gd name="adj" fmla="val 5304"/>
+            </a:avLst>
+          </a:prstGeom>
+          <a:noFill/>
+          <a:ln>
+            <a:solidFill>
+              <a:srgbClr val="FAEBD3"/>
+            </a:solidFill>
+          </a:ln>
+        </p:spPr>
+        <p:style>
+          <a:lnRef idx="2">
+            <a:schemeClr val="accent1">
+              <a:shade val="50000"/>
+            </a:schemeClr>
+          </a:lnRef>
+          <a:fillRef idx="1">
+            <a:schemeClr val="accent1"/>
+          </a:fillRef>
+          <a:effectRef idx="0">
+            <a:schemeClr val="accent1"/>
+          </a:effectRef>
+          <a:fontRef idx="minor">
+            <a:schemeClr val="lt1"/>
+          </a:fontRef>
+        </p:style>
+        <p:txBody>
+          <a:bodyPr rtlCol="0" anchor="ctr"/>
+          <a:lstStyle/>
+          <a:p>
+            <a:pPr algn="ctr"/>
+            <a:r>
+              <a:rPr lang="ko-KR" altLang="en-US" sz="1000" dirty="0" err="1">
+                <a:solidFill>
+                  <a:srgbClr val="FAEBD3"/>
+                </a:solidFill>
+                <a:latin typeface="리디바탕" panose="020B0600000101010101" pitchFamily="34" charset="-127"/>
+                <a:ea typeface="리디바탕" panose="020B0600000101010101" pitchFamily="34" charset="-127"/>
+              </a:rPr>
+              <a:t>재매칭</a:t>
+            </a:r>
+            <a:endParaRPr lang="ko-KR" altLang="en-US" sz="1000" dirty="0">
+              <a:solidFill>
+                <a:srgbClr val="FAEBD3"/>
+              </a:solidFill>
+              <a:latin typeface="리디바탕" panose="020B0600000101010101" pitchFamily="34" charset="-127"/>
+              <a:ea typeface="리디바탕" panose="020B0600000101010101" pitchFamily="34" charset="-127"/>
+            </a:endParaRPr>
+          </a:p>
+        </p:txBody>
+      </p:sp>
+      <p:sp>
+        <p:nvSpPr>
+          <p:cNvPr id="9" name="다이아몬드 8">
+            <a:extLst>
+              <a:ext uri="{FF2B5EF4-FFF2-40B4-BE49-F238E27FC236}">
+                <a16:creationId xmlns:a16="http://schemas.microsoft.com/office/drawing/2014/main" id="{DB2EF3D2-6E35-FB3E-BF10-E5AD355B5F94}"/>
+              </a:ext>
+            </a:extLst>
+          </p:cNvPr>
+          <p:cNvSpPr/>
+          <p:nvPr/>
+        </p:nvSpPr>
+        <p:spPr>
+          <a:xfrm>
+            <a:off x="3627539" y="3370700"/>
+            <a:ext cx="1296829" cy="770314"/>
+          </a:xfrm>
+          <a:prstGeom prst="diamond">
+            <a:avLst/>
+          </a:prstGeom>
+          <a:noFill/>
+          <a:ln>
+            <a:solidFill>
+              <a:srgbClr val="FAEBD3"/>
+            </a:solidFill>
+          </a:ln>
+        </p:spPr>
+        <p:style>
+          <a:lnRef idx="2">
+            <a:schemeClr val="accent1">
+              <a:shade val="50000"/>
+            </a:schemeClr>
+          </a:lnRef>
+          <a:fillRef idx="1">
+            <a:schemeClr val="accent1"/>
+          </a:fillRef>
+          <a:effectRef idx="0">
+            <a:schemeClr val="accent1"/>
+          </a:effectRef>
+          <a:fontRef idx="minor">
+            <a:schemeClr val="lt1"/>
+          </a:fontRef>
+        </p:style>
+        <p:txBody>
+          <a:bodyPr rtlCol="0" anchor="ctr"/>
+          <a:lstStyle/>
+          <a:p>
+            <a:pPr algn="ctr"/>
+            <a:endParaRPr lang="ko-KR" altLang="en-US" sz="1000" dirty="0">
+              <a:solidFill>
+                <a:srgbClr val="FAEBD3"/>
+              </a:solidFill>
+              <a:latin typeface="리디바탕" panose="020B0600000101010101" pitchFamily="34" charset="-127"/>
+              <a:ea typeface="리디바탕" panose="020B0600000101010101" pitchFamily="34" charset="-127"/>
+            </a:endParaRPr>
+          </a:p>
+        </p:txBody>
+      </p:sp>
+      <p:sp>
+        <p:nvSpPr>
+          <p:cNvPr id="11" name="사각형: 둥근 모서리 10">
+            <a:extLst>
+              <a:ext uri="{FF2B5EF4-FFF2-40B4-BE49-F238E27FC236}">
+                <a16:creationId xmlns:a16="http://schemas.microsoft.com/office/drawing/2014/main" id="{A0BB88AE-0F61-8BDB-AB61-11B26A1C0013}"/>
+              </a:ext>
+            </a:extLst>
+          </p:cNvPr>
+          <p:cNvSpPr/>
+          <p:nvPr/>
+        </p:nvSpPr>
+        <p:spPr>
+          <a:xfrm>
+            <a:off x="3646045" y="3555804"/>
+            <a:ext cx="1278323" cy="400105"/>
+          </a:xfrm>
+          <a:prstGeom prst="roundRect">
+            <a:avLst>
+              <a:gd name="adj" fmla="val 5304"/>
+            </a:avLst>
+          </a:prstGeom>
+          <a:noFill/>
+          <a:ln>
+            <a:noFill/>
+          </a:ln>
+        </p:spPr>
+        <p:style>
+          <a:lnRef idx="2">
+            <a:schemeClr val="accent1">
+              <a:shade val="50000"/>
+            </a:schemeClr>
+          </a:lnRef>
+          <a:fillRef idx="1">
+            <a:schemeClr val="accent1"/>
+          </a:fillRef>
+          <a:effectRef idx="0">
+            <a:schemeClr val="accent1"/>
+          </a:effectRef>
+          <a:fontRef idx="minor">
+            <a:schemeClr val="lt1"/>
+          </a:fontRef>
+        </p:style>
+        <p:txBody>
+          <a:bodyPr rtlCol="0" anchor="ctr"/>
+          <a:lstStyle/>
+          <a:p>
+            <a:pPr algn="ctr"/>
+            <a:r>
+              <a:rPr lang="ko-KR" altLang="en-US" sz="1000" dirty="0">
+                <a:solidFill>
+                  <a:srgbClr val="FAEBD3"/>
+                </a:solidFill>
+                <a:latin typeface="리디바탕" panose="020B0600000101010101" pitchFamily="34" charset="-127"/>
+                <a:ea typeface="리디바탕" panose="020B0600000101010101" pitchFamily="34" charset="-127"/>
+              </a:rPr>
+              <a:t>매칭 그룹에서</a:t>
+            </a:r>
+            <a:br>
+              <a:rPr lang="en-US" altLang="ko-KR" sz="1000" dirty="0">
+                <a:solidFill>
+                  <a:srgbClr val="FAEBD3"/>
+                </a:solidFill>
+                <a:latin typeface="리디바탕" panose="020B0600000101010101" pitchFamily="34" charset="-127"/>
+                <a:ea typeface="리디바탕" panose="020B0600000101010101" pitchFamily="34" charset="-127"/>
+              </a:rPr>
+            </a:br>
+            <a:r>
+              <a:rPr lang="ko-KR" altLang="en-US" sz="1000" dirty="0">
+                <a:solidFill>
+                  <a:srgbClr val="FAEBD3"/>
+                </a:solidFill>
+                <a:latin typeface="리디바탕" panose="020B0600000101010101" pitchFamily="34" charset="-127"/>
+                <a:ea typeface="리디바탕" panose="020B0600000101010101" pitchFamily="34" charset="-127"/>
+              </a:rPr>
+              <a:t>동일 클래스 존재</a:t>
+            </a:r>
+            <a:r>
+              <a:rPr lang="en-US" altLang="ko-KR" sz="1000" dirty="0">
+                <a:solidFill>
+                  <a:srgbClr val="FAEBD3"/>
+                </a:solidFill>
+                <a:latin typeface="리디바탕" panose="020B0600000101010101" pitchFamily="34" charset="-127"/>
+                <a:ea typeface="리디바탕" panose="020B0600000101010101" pitchFamily="34" charset="-127"/>
+              </a:rPr>
+              <a:t>?</a:t>
+            </a:r>
+            <a:endParaRPr lang="ko-KR" altLang="en-US" sz="1000" dirty="0">
+              <a:solidFill>
+                <a:srgbClr val="FAEBD3"/>
+              </a:solidFill>
+              <a:latin typeface="리디바탕" panose="020B0600000101010101" pitchFamily="34" charset="-127"/>
+              <a:ea typeface="리디바탕" panose="020B0600000101010101" pitchFamily="34" charset="-127"/>
+            </a:endParaRPr>
+          </a:p>
+        </p:txBody>
+      </p:sp>
+      <p:sp>
+        <p:nvSpPr>
+          <p:cNvPr id="12" name="사각형: 둥근 모서리 11">
+            <a:extLst>
+              <a:ext uri="{FF2B5EF4-FFF2-40B4-BE49-F238E27FC236}">
+                <a16:creationId xmlns:a16="http://schemas.microsoft.com/office/drawing/2014/main" id="{F4220CB2-64F2-43CF-E615-CF4E41ED6C8F}"/>
+              </a:ext>
+            </a:extLst>
+          </p:cNvPr>
+          <p:cNvSpPr/>
+          <p:nvPr/>
+        </p:nvSpPr>
+        <p:spPr>
+          <a:xfrm>
+            <a:off x="5126230" y="3555802"/>
+            <a:ext cx="1296829" cy="400105"/>
+          </a:xfrm>
+          <a:prstGeom prst="roundRect">
+            <a:avLst>
+              <a:gd name="adj" fmla="val 5304"/>
+            </a:avLst>
+          </a:prstGeom>
+          <a:noFill/>
+          <a:ln>
+            <a:solidFill>
+              <a:srgbClr val="FAEBD3"/>
+            </a:solidFill>
+          </a:ln>
+        </p:spPr>
+        <p:style>
+          <a:lnRef idx="2">
+            <a:schemeClr val="accent1">
+              <a:shade val="50000"/>
+            </a:schemeClr>
+          </a:lnRef>
+          <a:fillRef idx="1">
+            <a:schemeClr val="accent1"/>
+          </a:fillRef>
+          <a:effectRef idx="0">
+            <a:schemeClr val="accent1"/>
+          </a:effectRef>
+          <a:fontRef idx="minor">
+            <a:schemeClr val="lt1"/>
+          </a:fontRef>
+        </p:style>
+        <p:txBody>
+          <a:bodyPr rtlCol="0" anchor="ctr"/>
+          <a:lstStyle/>
+          <a:p>
+            <a:pPr algn="ctr"/>
+            <a:r>
+              <a:rPr lang="ko-KR" altLang="en-US" sz="1000" dirty="0">
+                <a:solidFill>
+                  <a:srgbClr val="FAEBD3"/>
+                </a:solidFill>
+                <a:latin typeface="리디바탕" panose="020B0600000101010101" pitchFamily="34" charset="-127"/>
+                <a:ea typeface="리디바탕" panose="020B0600000101010101" pitchFamily="34" charset="-127"/>
+              </a:rPr>
+              <a:t>해당 유저들을 각각</a:t>
+            </a:r>
+            <a:br>
+              <a:rPr lang="en-US" altLang="ko-KR" sz="1000" dirty="0">
+                <a:solidFill>
+                  <a:srgbClr val="FAEBD3"/>
+                </a:solidFill>
+                <a:latin typeface="리디바탕" panose="020B0600000101010101" pitchFamily="34" charset="-127"/>
+                <a:ea typeface="리디바탕" panose="020B0600000101010101" pitchFamily="34" charset="-127"/>
+              </a:rPr>
+            </a:br>
+            <a:r>
+              <a:rPr lang="ko-KR" altLang="en-US" sz="1000" dirty="0">
+                <a:solidFill>
+                  <a:srgbClr val="FAEBD3"/>
+                </a:solidFill>
+                <a:latin typeface="리디바탕" panose="020B0600000101010101" pitchFamily="34" charset="-127"/>
+                <a:ea typeface="리디바탕" panose="020B0600000101010101" pitchFamily="34" charset="-127"/>
+              </a:rPr>
+              <a:t>다른 파티로 배정</a:t>
+            </a:r>
+          </a:p>
+        </p:txBody>
+      </p:sp>
+    </p:spTree>
+    <p:extLst>
+      <p:ext uri="{BB962C8B-B14F-4D97-AF65-F5344CB8AC3E}">
+        <p14:creationId xmlns:p14="http://schemas.microsoft.com/office/powerpoint/2010/main" val="2791814787"/>
       </p:ext>
     </p:extLst>
   </p:cSld>

--- a/로스트아크 - 비브린 큐브 기획서/창고/비브린 큐브_기획서_창고05.pptx
+++ b/로스트아크 - 비브린 큐브 기획서/창고/비브린 큐브_기획서_창고05.pptx
@@ -5,7 +5,7 @@
     <p:sldMasterId id="2147483648" r:id="rId1"/>
   </p:sldMasterIdLst>
   <p:notesMasterIdLst>
-    <p:notesMasterId r:id="rId11"/>
+    <p:notesMasterId r:id="rId12"/>
   </p:notesMasterIdLst>
   <p:sldIdLst>
     <p:sldId id="394" r:id="rId2"/>
@@ -17,6 +17,7 @@
     <p:sldId id="506" r:id="rId8"/>
     <p:sldId id="508" r:id="rId9"/>
     <p:sldId id="510" r:id="rId10"/>
+    <p:sldId id="511" r:id="rId11"/>
   </p:sldIdLst>
   <p:sldSz cx="12192000" cy="6858000"/>
   <p:notesSz cx="6858000" cy="9144000"/>
@@ -205,7 +206,7 @@
           <a:p>
             <a:fld id="{C17F5E01-5FD7-46B4-B72F-1B3CD89A2B37}" type="datetimeFigureOut">
               <a:rPr lang="ko-KR" altLang="en-US" smtClean="0"/>
-              <a:t>2024-12-16</a:t>
+              <a:t>2024-12-19</a:t>
             </a:fld>
             <a:endParaRPr lang="ko-KR" altLang="en-US"/>
           </a:p>
@@ -727,7 +728,7 @@
           <a:p>
             <a:fld id="{4DBE2A34-CEDE-40CD-B7B3-9608A3D82CA8}" type="datetimeFigureOut">
               <a:rPr lang="ko-KR" altLang="en-US" smtClean="0"/>
-              <a:t>2024-12-16</a:t>
+              <a:t>2024-12-19</a:t>
             </a:fld>
             <a:endParaRPr lang="ko-KR" altLang="en-US"/>
           </a:p>
@@ -925,7 +926,7 @@
           <a:p>
             <a:fld id="{4DBE2A34-CEDE-40CD-B7B3-9608A3D82CA8}" type="datetimeFigureOut">
               <a:rPr lang="ko-KR" altLang="en-US" smtClean="0"/>
-              <a:t>2024-12-16</a:t>
+              <a:t>2024-12-19</a:t>
             </a:fld>
             <a:endParaRPr lang="ko-KR" altLang="en-US"/>
           </a:p>
@@ -1133,7 +1134,7 @@
           <a:p>
             <a:fld id="{4DBE2A34-CEDE-40CD-B7B3-9608A3D82CA8}" type="datetimeFigureOut">
               <a:rPr lang="ko-KR" altLang="en-US" smtClean="0"/>
-              <a:t>2024-12-16</a:t>
+              <a:t>2024-12-19</a:t>
             </a:fld>
             <a:endParaRPr lang="ko-KR" altLang="en-US"/>
           </a:p>
@@ -1331,7 +1332,7 @@
           <a:p>
             <a:fld id="{4DBE2A34-CEDE-40CD-B7B3-9608A3D82CA8}" type="datetimeFigureOut">
               <a:rPr lang="ko-KR" altLang="en-US" smtClean="0"/>
-              <a:t>2024-12-16</a:t>
+              <a:t>2024-12-19</a:t>
             </a:fld>
             <a:endParaRPr lang="ko-KR" altLang="en-US"/>
           </a:p>
@@ -1606,7 +1607,7 @@
           <a:p>
             <a:fld id="{4DBE2A34-CEDE-40CD-B7B3-9608A3D82CA8}" type="datetimeFigureOut">
               <a:rPr lang="ko-KR" altLang="en-US" smtClean="0"/>
-              <a:t>2024-12-16</a:t>
+              <a:t>2024-12-19</a:t>
             </a:fld>
             <a:endParaRPr lang="ko-KR" altLang="en-US"/>
           </a:p>
@@ -1871,7 +1872,7 @@
           <a:p>
             <a:fld id="{4DBE2A34-CEDE-40CD-B7B3-9608A3D82CA8}" type="datetimeFigureOut">
               <a:rPr lang="ko-KR" altLang="en-US" smtClean="0"/>
-              <a:t>2024-12-16</a:t>
+              <a:t>2024-12-19</a:t>
             </a:fld>
             <a:endParaRPr lang="ko-KR" altLang="en-US"/>
           </a:p>
@@ -2283,7 +2284,7 @@
           <a:p>
             <a:fld id="{4DBE2A34-CEDE-40CD-B7B3-9608A3D82CA8}" type="datetimeFigureOut">
               <a:rPr lang="ko-KR" altLang="en-US" smtClean="0"/>
-              <a:t>2024-12-16</a:t>
+              <a:t>2024-12-19</a:t>
             </a:fld>
             <a:endParaRPr lang="ko-KR" altLang="en-US"/>
           </a:p>
@@ -2424,7 +2425,7 @@
           <a:p>
             <a:fld id="{4DBE2A34-CEDE-40CD-B7B3-9608A3D82CA8}" type="datetimeFigureOut">
               <a:rPr lang="ko-KR" altLang="en-US" smtClean="0"/>
-              <a:t>2024-12-16</a:t>
+              <a:t>2024-12-19</a:t>
             </a:fld>
             <a:endParaRPr lang="ko-KR" altLang="en-US"/>
           </a:p>
@@ -2537,7 +2538,7 @@
           <a:p>
             <a:fld id="{4DBE2A34-CEDE-40CD-B7B3-9608A3D82CA8}" type="datetimeFigureOut">
               <a:rPr lang="ko-KR" altLang="en-US" smtClean="0"/>
-              <a:t>2024-12-16</a:t>
+              <a:t>2024-12-19</a:t>
             </a:fld>
             <a:endParaRPr lang="ko-KR" altLang="en-US"/>
           </a:p>
@@ -2848,7 +2849,7 @@
           <a:p>
             <a:fld id="{4DBE2A34-CEDE-40CD-B7B3-9608A3D82CA8}" type="datetimeFigureOut">
               <a:rPr lang="ko-KR" altLang="en-US" smtClean="0"/>
-              <a:t>2024-12-16</a:t>
+              <a:t>2024-12-19</a:t>
             </a:fld>
             <a:endParaRPr lang="ko-KR" altLang="en-US"/>
           </a:p>
@@ -3136,7 +3137,7 @@
           <a:p>
             <a:fld id="{4DBE2A34-CEDE-40CD-B7B3-9608A3D82CA8}" type="datetimeFigureOut">
               <a:rPr lang="ko-KR" altLang="en-US" smtClean="0"/>
-              <a:t>2024-12-16</a:t>
+              <a:t>2024-12-19</a:t>
             </a:fld>
             <a:endParaRPr lang="ko-KR" altLang="en-US"/>
           </a:p>
@@ -3383,7 +3384,7 @@
           <a:p>
             <a:fld id="{4DBE2A34-CEDE-40CD-B7B3-9608A3D82CA8}" type="datetimeFigureOut">
               <a:rPr lang="ko-KR" altLang="en-US" smtClean="0"/>
-              <a:t>2024-12-16</a:t>
+              <a:t>2024-12-19</a:t>
             </a:fld>
             <a:endParaRPr lang="ko-KR" altLang="en-US"/>
           </a:p>
@@ -7330,6 +7331,156 @@
     <p:extLst>
       <p:ext uri="{BB962C8B-B14F-4D97-AF65-F5344CB8AC3E}">
         <p14:creationId xmlns:p14="http://schemas.microsoft.com/office/powerpoint/2010/main" val="2805467092"/>
+      </p:ext>
+    </p:extLst>
+  </p:cSld>
+  <p:clrMapOvr>
+    <a:masterClrMapping/>
+  </p:clrMapOvr>
+</p:sld>
+</file>
+
+<file path=ppt/slides/slide10.xml><?xml version="1.0" encoding="utf-8"?>
+<p:sld xmlns:a="http://schemas.openxmlformats.org/drawingml/2006/main" xmlns:r="http://schemas.openxmlformats.org/officeDocument/2006/relationships" xmlns:p="http://schemas.openxmlformats.org/presentationml/2006/main">
+  <p:cSld>
+    <p:spTree>
+      <p:nvGrpSpPr>
+        <p:cNvPr id="1" name=""/>
+        <p:cNvGrpSpPr/>
+        <p:nvPr/>
+      </p:nvGrpSpPr>
+      <p:grpSpPr>
+        <a:xfrm>
+          <a:off x="0" y="0"/>
+          <a:ext cx="0" cy="0"/>
+          <a:chOff x="0" y="0"/>
+          <a:chExt cx="0" cy="0"/>
+        </a:xfrm>
+      </p:grpSpPr>
+      <p:pic>
+        <p:nvPicPr>
+          <p:cNvPr id="7" name="그림 6">
+            <a:extLst>
+              <a:ext uri="{FF2B5EF4-FFF2-40B4-BE49-F238E27FC236}">
+                <a16:creationId xmlns:a16="http://schemas.microsoft.com/office/drawing/2014/main" id="{779A53E4-9A8D-0E44-2A0B-57A9F55653A4}"/>
+              </a:ext>
+            </a:extLst>
+          </p:cNvPr>
+          <p:cNvPicPr>
+            <a:picLocks noChangeAspect="1"/>
+          </p:cNvPicPr>
+          <p:nvPr/>
+        </p:nvPicPr>
+        <p:blipFill>
+          <a:blip r:embed="rId2"/>
+          <a:stretch>
+            <a:fillRect/>
+          </a:stretch>
+        </p:blipFill>
+        <p:spPr>
+          <a:xfrm>
+            <a:off x="323555" y="701638"/>
+            <a:ext cx="4229690" cy="2600688"/>
+          </a:xfrm>
+          <a:prstGeom prst="rect">
+            <a:avLst/>
+          </a:prstGeom>
+        </p:spPr>
+      </p:pic>
+      <p:pic>
+        <p:nvPicPr>
+          <p:cNvPr id="9" name="그림 8">
+            <a:extLst>
+              <a:ext uri="{FF2B5EF4-FFF2-40B4-BE49-F238E27FC236}">
+                <a16:creationId xmlns:a16="http://schemas.microsoft.com/office/drawing/2014/main" id="{9AE01572-E16D-E442-3BD0-69204CE6779A}"/>
+              </a:ext>
+            </a:extLst>
+          </p:cNvPr>
+          <p:cNvPicPr>
+            <a:picLocks noChangeAspect="1"/>
+          </p:cNvPicPr>
+          <p:nvPr/>
+        </p:nvPicPr>
+        <p:blipFill>
+          <a:blip r:embed="rId3"/>
+          <a:stretch>
+            <a:fillRect/>
+          </a:stretch>
+        </p:blipFill>
+        <p:spPr>
+          <a:xfrm>
+            <a:off x="5276279" y="1177540"/>
+            <a:ext cx="1971950" cy="1371791"/>
+          </a:xfrm>
+          <a:prstGeom prst="rect">
+            <a:avLst/>
+          </a:prstGeom>
+        </p:spPr>
+      </p:pic>
+      <p:pic>
+        <p:nvPicPr>
+          <p:cNvPr id="11" name="그림 10">
+            <a:extLst>
+              <a:ext uri="{FF2B5EF4-FFF2-40B4-BE49-F238E27FC236}">
+                <a16:creationId xmlns:a16="http://schemas.microsoft.com/office/drawing/2014/main" id="{12FBAC6C-654E-75D9-3323-D996112DEEC8}"/>
+              </a:ext>
+            </a:extLst>
+          </p:cNvPr>
+          <p:cNvPicPr>
+            <a:picLocks noChangeAspect="1"/>
+          </p:cNvPicPr>
+          <p:nvPr/>
+        </p:nvPicPr>
+        <p:blipFill>
+          <a:blip r:embed="rId4"/>
+          <a:stretch>
+            <a:fillRect/>
+          </a:stretch>
+        </p:blipFill>
+        <p:spPr>
+          <a:xfrm>
+            <a:off x="5276279" y="2713454"/>
+            <a:ext cx="4391638" cy="2191056"/>
+          </a:xfrm>
+          <a:prstGeom prst="rect">
+            <a:avLst/>
+          </a:prstGeom>
+        </p:spPr>
+      </p:pic>
+      <p:pic>
+        <p:nvPicPr>
+          <p:cNvPr id="2" name="그림 1">
+            <a:extLst>
+              <a:ext uri="{FF2B5EF4-FFF2-40B4-BE49-F238E27FC236}">
+                <a16:creationId xmlns:a16="http://schemas.microsoft.com/office/drawing/2014/main" id="{62B8E46B-0907-645D-7EA5-AFA17F6D1DE8}"/>
+              </a:ext>
+            </a:extLst>
+          </p:cNvPr>
+          <p:cNvPicPr>
+            <a:picLocks noChangeAspect="1"/>
+          </p:cNvPicPr>
+          <p:nvPr/>
+        </p:nvPicPr>
+        <p:blipFill>
+          <a:blip r:embed="rId3"/>
+          <a:stretch>
+            <a:fillRect/>
+          </a:stretch>
+        </p:blipFill>
+        <p:spPr>
+          <a:xfrm>
+            <a:off x="1325425" y="3555675"/>
+            <a:ext cx="1971950" cy="1371791"/>
+          </a:xfrm>
+          <a:prstGeom prst="rect">
+            <a:avLst/>
+          </a:prstGeom>
+        </p:spPr>
+      </p:pic>
+    </p:spTree>
+    <p:extLst>
+      <p:ext uri="{BB962C8B-B14F-4D97-AF65-F5344CB8AC3E}">
+        <p14:creationId xmlns:p14="http://schemas.microsoft.com/office/powerpoint/2010/main" val="2994565255"/>
       </p:ext>
     </p:extLst>
   </p:cSld>
